--- a/Week-03/Numpy-Python.pptx
+++ b/Week-03/Numpy-Python.pptx
@@ -5,24 +5,34 @@
     <p:sldMasterId id="2147483659" r:id="rId1"/>
   </p:sldMasterIdLst>
   <p:notesMasterIdLst>
-    <p:notesMasterId r:id="rId7"/>
+    <p:notesMasterId r:id="rId17"/>
   </p:notesMasterIdLst>
   <p:sldIdLst>
     <p:sldId id="256" r:id="rId2"/>
-    <p:sldId id="347" r:id="rId3"/>
-    <p:sldId id="348" r:id="rId4"/>
-    <p:sldId id="349" r:id="rId5"/>
-    <p:sldId id="350" r:id="rId6"/>
+    <p:sldId id="351" r:id="rId3"/>
+    <p:sldId id="361" r:id="rId4"/>
+    <p:sldId id="360" r:id="rId5"/>
+    <p:sldId id="362" r:id="rId6"/>
+    <p:sldId id="363" r:id="rId7"/>
+    <p:sldId id="359" r:id="rId8"/>
+    <p:sldId id="352" r:id="rId9"/>
+    <p:sldId id="353" r:id="rId10"/>
+    <p:sldId id="354" r:id="rId11"/>
+    <p:sldId id="355" r:id="rId12"/>
+    <p:sldId id="356" r:id="rId13"/>
+    <p:sldId id="357" r:id="rId14"/>
+    <p:sldId id="358" r:id="rId15"/>
+    <p:sldId id="350" r:id="rId16"/>
   </p:sldIdLst>
   <p:sldSz cx="9144000" cy="5143500" type="screen16x9"/>
   <p:notesSz cx="6858000" cy="9144000"/>
   <p:embeddedFontLst>
     <p:embeddedFont>
-      <p:font typeface="Roboto" charset="0"/>
-      <p:regular r:id="rId8"/>
-      <p:bold r:id="rId9"/>
-      <p:italic r:id="rId10"/>
-      <p:boldItalic r:id="rId11"/>
+      <p:font typeface="Roboto" panose="020B0604020202020204" charset="0"/>
+      <p:regular r:id="rId18"/>
+      <p:bold r:id="rId19"/>
+      <p:italic r:id="rId20"/>
+      <p:boldItalic r:id="rId21"/>
     </p:embeddedFont>
   </p:embeddedFontLst>
   <p:defaultTextStyle>
@@ -256,7 +266,7 @@
   </p:defaultTextStyle>
   <p:extLst>
     <p:ext uri="{EFAFB233-063F-42B5-8137-9DF3F51BA10A}">
-      <p15:sldGuideLst xmlns:ahyp="http://schemas.microsoft.com/office/drawing/2018/hyperlinkcolor" xmlns:p15="http://schemas.microsoft.com/office/powerpoint/2012/main" xmlns:p14="http://schemas.microsoft.com/office/powerpoint/2010/main" xmlns:com="http://schemas.openxmlformats.org/drawingml/2006/compatibility" xmlns:pvml="urn:schemas-microsoft-com:office:powerpoint" xmlns:v="urn:schemas-microsoft-com:vml" xmlns:o="urn:schemas-microsoft-com:office:office" xmlns:dgm="http://schemas.openxmlformats.org/drawingml/2006/diagram" xmlns:c="http://schemas.openxmlformats.org/drawingml/2006/chart" xmlns:mv="urn:schemas-microsoft-com:mac:vml" xmlns:mc="http://schemas.openxmlformats.org/markup-compatibility/2006" xmlns="">
+      <p15:sldGuideLst xmlns:p15="http://schemas.microsoft.com/office/powerpoint/2012/main">
         <p15:guide id="1" orient="horz" pos="1620">
           <p15:clr>
             <a:srgbClr val="747775"/>
@@ -823,6 +833,630 @@
 </p:notes>
 </file>
 
+<file path=ppt/notesSlides/notesSlide10.xml><?xml version="1.0" encoding="utf-8"?>
+<p:notes xmlns:a="http://schemas.openxmlformats.org/drawingml/2006/main" xmlns:r="http://schemas.openxmlformats.org/officeDocument/2006/relationships" xmlns:p="http://schemas.openxmlformats.org/presentationml/2006/main" showMasterSp="0" showMasterPhAnim="0">
+  <p:cSld>
+    <p:spTree>
+      <p:nvGrpSpPr>
+        <p:cNvPr id="1" name="Shape 99"/>
+        <p:cNvGrpSpPr/>
+        <p:nvPr/>
+      </p:nvGrpSpPr>
+      <p:grpSpPr>
+        <a:xfrm>
+          <a:off x="0" y="0"/>
+          <a:ext cx="0" cy="0"/>
+          <a:chOff x="0" y="0"/>
+          <a:chExt cx="0" cy="0"/>
+        </a:xfrm>
+      </p:grpSpPr>
+      <p:sp>
+        <p:nvSpPr>
+          <p:cNvPr id="100" name="Google Shape;100;g2ddc889944f_0_0:notes"/>
+          <p:cNvSpPr>
+            <a:spLocks noGrp="1" noRot="1" noChangeAspect="1"/>
+          </p:cNvSpPr>
+          <p:nvPr>
+            <p:ph type="sldImg" idx="2"/>
+          </p:nvPr>
+        </p:nvSpPr>
+        <p:spPr>
+          <a:xfrm>
+            <a:off x="381000" y="685800"/>
+            <a:ext cx="6096000" cy="3429000"/>
+          </a:xfrm>
+          <a:custGeom>
+            <a:avLst/>
+            <a:gdLst/>
+            <a:ahLst/>
+            <a:cxnLst/>
+            <a:rect l="l" t="t" r="r" b="b"/>
+            <a:pathLst>
+              <a:path w="120000" h="120000" extrusionOk="0">
+                <a:moveTo>
+                  <a:pt x="0" y="0"/>
+                </a:moveTo>
+                <a:lnTo>
+                  <a:pt x="120000" y="0"/>
+                </a:lnTo>
+                <a:lnTo>
+                  <a:pt x="120000" y="120000"/>
+                </a:lnTo>
+                <a:lnTo>
+                  <a:pt x="0" y="120000"/>
+                </a:lnTo>
+                <a:close/>
+              </a:path>
+            </a:pathLst>
+          </a:custGeom>
+        </p:spPr>
+      </p:sp>
+      <p:sp>
+        <p:nvSpPr>
+          <p:cNvPr id="101" name="Google Shape;101;g2ddc889944f_0_0:notes"/>
+          <p:cNvSpPr txBox="1">
+            <a:spLocks noGrp="1"/>
+          </p:cNvSpPr>
+          <p:nvPr>
+            <p:ph type="body" idx="1"/>
+          </p:nvPr>
+        </p:nvSpPr>
+        <p:spPr>
+          <a:xfrm>
+            <a:off x="685800" y="4343400"/>
+            <a:ext cx="5486400" cy="4114800"/>
+          </a:xfrm>
+          <a:prstGeom prst="rect">
+            <a:avLst/>
+          </a:prstGeom>
+        </p:spPr>
+        <p:txBody>
+          <a:bodyPr spcFirstLastPara="1" wrap="square" lIns="91425" tIns="91425" rIns="91425" bIns="91425" anchor="t" anchorCtr="0">
+            <a:noAutofit/>
+          </a:bodyPr>
+          <a:lstStyle/>
+          <a:p>
+            <a:pPr marL="0" lvl="0" indent="0" algn="l" rtl="0">
+              <a:spcBef>
+                <a:spcPts val="0"/>
+              </a:spcBef>
+              <a:spcAft>
+                <a:spcPts val="0"/>
+              </a:spcAft>
+              <a:buNone/>
+            </a:pPr>
+            <a:endParaRPr/>
+          </a:p>
+        </p:txBody>
+      </p:sp>
+    </p:spTree>
+  </p:cSld>
+  <p:clrMapOvr>
+    <a:masterClrMapping/>
+  </p:clrMapOvr>
+</p:notes>
+</file>
+
+<file path=ppt/notesSlides/notesSlide11.xml><?xml version="1.0" encoding="utf-8"?>
+<p:notes xmlns:a="http://schemas.openxmlformats.org/drawingml/2006/main" xmlns:r="http://schemas.openxmlformats.org/officeDocument/2006/relationships" xmlns:p="http://schemas.openxmlformats.org/presentationml/2006/main" showMasterSp="0" showMasterPhAnim="0">
+  <p:cSld>
+    <p:spTree>
+      <p:nvGrpSpPr>
+        <p:cNvPr id="1" name="Shape 99"/>
+        <p:cNvGrpSpPr/>
+        <p:nvPr/>
+      </p:nvGrpSpPr>
+      <p:grpSpPr>
+        <a:xfrm>
+          <a:off x="0" y="0"/>
+          <a:ext cx="0" cy="0"/>
+          <a:chOff x="0" y="0"/>
+          <a:chExt cx="0" cy="0"/>
+        </a:xfrm>
+      </p:grpSpPr>
+      <p:sp>
+        <p:nvSpPr>
+          <p:cNvPr id="100" name="Google Shape;100;g2ddc889944f_0_0:notes"/>
+          <p:cNvSpPr>
+            <a:spLocks noGrp="1" noRot="1" noChangeAspect="1"/>
+          </p:cNvSpPr>
+          <p:nvPr>
+            <p:ph type="sldImg" idx="2"/>
+          </p:nvPr>
+        </p:nvSpPr>
+        <p:spPr>
+          <a:xfrm>
+            <a:off x="381000" y="685800"/>
+            <a:ext cx="6096000" cy="3429000"/>
+          </a:xfrm>
+          <a:custGeom>
+            <a:avLst/>
+            <a:gdLst/>
+            <a:ahLst/>
+            <a:cxnLst/>
+            <a:rect l="l" t="t" r="r" b="b"/>
+            <a:pathLst>
+              <a:path w="120000" h="120000" extrusionOk="0">
+                <a:moveTo>
+                  <a:pt x="0" y="0"/>
+                </a:moveTo>
+                <a:lnTo>
+                  <a:pt x="120000" y="0"/>
+                </a:lnTo>
+                <a:lnTo>
+                  <a:pt x="120000" y="120000"/>
+                </a:lnTo>
+                <a:lnTo>
+                  <a:pt x="0" y="120000"/>
+                </a:lnTo>
+                <a:close/>
+              </a:path>
+            </a:pathLst>
+          </a:custGeom>
+        </p:spPr>
+      </p:sp>
+      <p:sp>
+        <p:nvSpPr>
+          <p:cNvPr id="101" name="Google Shape;101;g2ddc889944f_0_0:notes"/>
+          <p:cNvSpPr txBox="1">
+            <a:spLocks noGrp="1"/>
+          </p:cNvSpPr>
+          <p:nvPr>
+            <p:ph type="body" idx="1"/>
+          </p:nvPr>
+        </p:nvSpPr>
+        <p:spPr>
+          <a:xfrm>
+            <a:off x="685800" y="4343400"/>
+            <a:ext cx="5486400" cy="4114800"/>
+          </a:xfrm>
+          <a:prstGeom prst="rect">
+            <a:avLst/>
+          </a:prstGeom>
+        </p:spPr>
+        <p:txBody>
+          <a:bodyPr spcFirstLastPara="1" wrap="square" lIns="91425" tIns="91425" rIns="91425" bIns="91425" anchor="t" anchorCtr="0">
+            <a:noAutofit/>
+          </a:bodyPr>
+          <a:lstStyle/>
+          <a:p>
+            <a:pPr marL="0" lvl="0" indent="0" algn="l" rtl="0">
+              <a:spcBef>
+                <a:spcPts val="0"/>
+              </a:spcBef>
+              <a:spcAft>
+                <a:spcPts val="0"/>
+              </a:spcAft>
+              <a:buNone/>
+            </a:pPr>
+            <a:endParaRPr/>
+          </a:p>
+        </p:txBody>
+      </p:sp>
+    </p:spTree>
+  </p:cSld>
+  <p:clrMapOvr>
+    <a:masterClrMapping/>
+  </p:clrMapOvr>
+</p:notes>
+</file>
+
+<file path=ppt/notesSlides/notesSlide12.xml><?xml version="1.0" encoding="utf-8"?>
+<p:notes xmlns:a="http://schemas.openxmlformats.org/drawingml/2006/main" xmlns:r="http://schemas.openxmlformats.org/officeDocument/2006/relationships" xmlns:p="http://schemas.openxmlformats.org/presentationml/2006/main" showMasterSp="0" showMasterPhAnim="0">
+  <p:cSld>
+    <p:spTree>
+      <p:nvGrpSpPr>
+        <p:cNvPr id="1" name="Shape 99"/>
+        <p:cNvGrpSpPr/>
+        <p:nvPr/>
+      </p:nvGrpSpPr>
+      <p:grpSpPr>
+        <a:xfrm>
+          <a:off x="0" y="0"/>
+          <a:ext cx="0" cy="0"/>
+          <a:chOff x="0" y="0"/>
+          <a:chExt cx="0" cy="0"/>
+        </a:xfrm>
+      </p:grpSpPr>
+      <p:sp>
+        <p:nvSpPr>
+          <p:cNvPr id="100" name="Google Shape;100;g2ddc889944f_0_0:notes"/>
+          <p:cNvSpPr>
+            <a:spLocks noGrp="1" noRot="1" noChangeAspect="1"/>
+          </p:cNvSpPr>
+          <p:nvPr>
+            <p:ph type="sldImg" idx="2"/>
+          </p:nvPr>
+        </p:nvSpPr>
+        <p:spPr>
+          <a:xfrm>
+            <a:off x="381000" y="685800"/>
+            <a:ext cx="6096000" cy="3429000"/>
+          </a:xfrm>
+          <a:custGeom>
+            <a:avLst/>
+            <a:gdLst/>
+            <a:ahLst/>
+            <a:cxnLst/>
+            <a:rect l="l" t="t" r="r" b="b"/>
+            <a:pathLst>
+              <a:path w="120000" h="120000" extrusionOk="0">
+                <a:moveTo>
+                  <a:pt x="0" y="0"/>
+                </a:moveTo>
+                <a:lnTo>
+                  <a:pt x="120000" y="0"/>
+                </a:lnTo>
+                <a:lnTo>
+                  <a:pt x="120000" y="120000"/>
+                </a:lnTo>
+                <a:lnTo>
+                  <a:pt x="0" y="120000"/>
+                </a:lnTo>
+                <a:close/>
+              </a:path>
+            </a:pathLst>
+          </a:custGeom>
+        </p:spPr>
+      </p:sp>
+      <p:sp>
+        <p:nvSpPr>
+          <p:cNvPr id="101" name="Google Shape;101;g2ddc889944f_0_0:notes"/>
+          <p:cNvSpPr txBox="1">
+            <a:spLocks noGrp="1"/>
+          </p:cNvSpPr>
+          <p:nvPr>
+            <p:ph type="body" idx="1"/>
+          </p:nvPr>
+        </p:nvSpPr>
+        <p:spPr>
+          <a:xfrm>
+            <a:off x="685800" y="4343400"/>
+            <a:ext cx="5486400" cy="4114800"/>
+          </a:xfrm>
+          <a:prstGeom prst="rect">
+            <a:avLst/>
+          </a:prstGeom>
+        </p:spPr>
+        <p:txBody>
+          <a:bodyPr spcFirstLastPara="1" wrap="square" lIns="91425" tIns="91425" rIns="91425" bIns="91425" anchor="t" anchorCtr="0">
+            <a:noAutofit/>
+          </a:bodyPr>
+          <a:lstStyle/>
+          <a:p>
+            <a:pPr marL="0" lvl="0" indent="0" algn="l" rtl="0">
+              <a:spcBef>
+                <a:spcPts val="0"/>
+              </a:spcBef>
+              <a:spcAft>
+                <a:spcPts val="0"/>
+              </a:spcAft>
+              <a:buNone/>
+            </a:pPr>
+            <a:endParaRPr/>
+          </a:p>
+        </p:txBody>
+      </p:sp>
+    </p:spTree>
+  </p:cSld>
+  <p:clrMapOvr>
+    <a:masterClrMapping/>
+  </p:clrMapOvr>
+</p:notes>
+</file>
+
+<file path=ppt/notesSlides/notesSlide13.xml><?xml version="1.0" encoding="utf-8"?>
+<p:notes xmlns:a="http://schemas.openxmlformats.org/drawingml/2006/main" xmlns:r="http://schemas.openxmlformats.org/officeDocument/2006/relationships" xmlns:p="http://schemas.openxmlformats.org/presentationml/2006/main" showMasterSp="0" showMasterPhAnim="0">
+  <p:cSld>
+    <p:spTree>
+      <p:nvGrpSpPr>
+        <p:cNvPr id="1" name="Shape 99"/>
+        <p:cNvGrpSpPr/>
+        <p:nvPr/>
+      </p:nvGrpSpPr>
+      <p:grpSpPr>
+        <a:xfrm>
+          <a:off x="0" y="0"/>
+          <a:ext cx="0" cy="0"/>
+          <a:chOff x="0" y="0"/>
+          <a:chExt cx="0" cy="0"/>
+        </a:xfrm>
+      </p:grpSpPr>
+      <p:sp>
+        <p:nvSpPr>
+          <p:cNvPr id="100" name="Google Shape;100;g2ddc889944f_0_0:notes"/>
+          <p:cNvSpPr>
+            <a:spLocks noGrp="1" noRot="1" noChangeAspect="1"/>
+          </p:cNvSpPr>
+          <p:nvPr>
+            <p:ph type="sldImg" idx="2"/>
+          </p:nvPr>
+        </p:nvSpPr>
+        <p:spPr>
+          <a:xfrm>
+            <a:off x="381000" y="685800"/>
+            <a:ext cx="6096000" cy="3429000"/>
+          </a:xfrm>
+          <a:custGeom>
+            <a:avLst/>
+            <a:gdLst/>
+            <a:ahLst/>
+            <a:cxnLst/>
+            <a:rect l="l" t="t" r="r" b="b"/>
+            <a:pathLst>
+              <a:path w="120000" h="120000" extrusionOk="0">
+                <a:moveTo>
+                  <a:pt x="0" y="0"/>
+                </a:moveTo>
+                <a:lnTo>
+                  <a:pt x="120000" y="0"/>
+                </a:lnTo>
+                <a:lnTo>
+                  <a:pt x="120000" y="120000"/>
+                </a:lnTo>
+                <a:lnTo>
+                  <a:pt x="0" y="120000"/>
+                </a:lnTo>
+                <a:close/>
+              </a:path>
+            </a:pathLst>
+          </a:custGeom>
+        </p:spPr>
+      </p:sp>
+      <p:sp>
+        <p:nvSpPr>
+          <p:cNvPr id="101" name="Google Shape;101;g2ddc889944f_0_0:notes"/>
+          <p:cNvSpPr txBox="1">
+            <a:spLocks noGrp="1"/>
+          </p:cNvSpPr>
+          <p:nvPr>
+            <p:ph type="body" idx="1"/>
+          </p:nvPr>
+        </p:nvSpPr>
+        <p:spPr>
+          <a:xfrm>
+            <a:off x="685800" y="4343400"/>
+            <a:ext cx="5486400" cy="4114800"/>
+          </a:xfrm>
+          <a:prstGeom prst="rect">
+            <a:avLst/>
+          </a:prstGeom>
+        </p:spPr>
+        <p:txBody>
+          <a:bodyPr spcFirstLastPara="1" wrap="square" lIns="91425" tIns="91425" rIns="91425" bIns="91425" anchor="t" anchorCtr="0">
+            <a:noAutofit/>
+          </a:bodyPr>
+          <a:lstStyle/>
+          <a:p>
+            <a:pPr marL="0" lvl="0" indent="0" algn="l" rtl="0">
+              <a:spcBef>
+                <a:spcPts val="0"/>
+              </a:spcBef>
+              <a:spcAft>
+                <a:spcPts val="0"/>
+              </a:spcAft>
+              <a:buNone/>
+            </a:pPr>
+            <a:endParaRPr/>
+          </a:p>
+        </p:txBody>
+      </p:sp>
+    </p:spTree>
+  </p:cSld>
+  <p:clrMapOvr>
+    <a:masterClrMapping/>
+  </p:clrMapOvr>
+</p:notes>
+</file>
+
+<file path=ppt/notesSlides/notesSlide14.xml><?xml version="1.0" encoding="utf-8"?>
+<p:notes xmlns:a="http://schemas.openxmlformats.org/drawingml/2006/main" xmlns:r="http://schemas.openxmlformats.org/officeDocument/2006/relationships" xmlns:p="http://schemas.openxmlformats.org/presentationml/2006/main" showMasterSp="0" showMasterPhAnim="0">
+  <p:cSld>
+    <p:spTree>
+      <p:nvGrpSpPr>
+        <p:cNvPr id="1" name="Shape 99"/>
+        <p:cNvGrpSpPr/>
+        <p:nvPr/>
+      </p:nvGrpSpPr>
+      <p:grpSpPr>
+        <a:xfrm>
+          <a:off x="0" y="0"/>
+          <a:ext cx="0" cy="0"/>
+          <a:chOff x="0" y="0"/>
+          <a:chExt cx="0" cy="0"/>
+        </a:xfrm>
+      </p:grpSpPr>
+      <p:sp>
+        <p:nvSpPr>
+          <p:cNvPr id="100" name="Google Shape;100;g2ddc889944f_0_0:notes"/>
+          <p:cNvSpPr>
+            <a:spLocks noGrp="1" noRot="1" noChangeAspect="1"/>
+          </p:cNvSpPr>
+          <p:nvPr>
+            <p:ph type="sldImg" idx="2"/>
+          </p:nvPr>
+        </p:nvSpPr>
+        <p:spPr>
+          <a:xfrm>
+            <a:off x="381000" y="685800"/>
+            <a:ext cx="6096000" cy="3429000"/>
+          </a:xfrm>
+          <a:custGeom>
+            <a:avLst/>
+            <a:gdLst/>
+            <a:ahLst/>
+            <a:cxnLst/>
+            <a:rect l="l" t="t" r="r" b="b"/>
+            <a:pathLst>
+              <a:path w="120000" h="120000" extrusionOk="0">
+                <a:moveTo>
+                  <a:pt x="0" y="0"/>
+                </a:moveTo>
+                <a:lnTo>
+                  <a:pt x="120000" y="0"/>
+                </a:lnTo>
+                <a:lnTo>
+                  <a:pt x="120000" y="120000"/>
+                </a:lnTo>
+                <a:lnTo>
+                  <a:pt x="0" y="120000"/>
+                </a:lnTo>
+                <a:close/>
+              </a:path>
+            </a:pathLst>
+          </a:custGeom>
+        </p:spPr>
+      </p:sp>
+      <p:sp>
+        <p:nvSpPr>
+          <p:cNvPr id="101" name="Google Shape;101;g2ddc889944f_0_0:notes"/>
+          <p:cNvSpPr txBox="1">
+            <a:spLocks noGrp="1"/>
+          </p:cNvSpPr>
+          <p:nvPr>
+            <p:ph type="body" idx="1"/>
+          </p:nvPr>
+        </p:nvSpPr>
+        <p:spPr>
+          <a:xfrm>
+            <a:off x="685800" y="4343400"/>
+            <a:ext cx="5486400" cy="4114800"/>
+          </a:xfrm>
+          <a:prstGeom prst="rect">
+            <a:avLst/>
+          </a:prstGeom>
+        </p:spPr>
+        <p:txBody>
+          <a:bodyPr spcFirstLastPara="1" wrap="square" lIns="91425" tIns="91425" rIns="91425" bIns="91425" anchor="t" anchorCtr="0">
+            <a:noAutofit/>
+          </a:bodyPr>
+          <a:lstStyle/>
+          <a:p>
+            <a:pPr marL="0" lvl="0" indent="0" algn="l" rtl="0">
+              <a:spcBef>
+                <a:spcPts val="0"/>
+              </a:spcBef>
+              <a:spcAft>
+                <a:spcPts val="0"/>
+              </a:spcAft>
+              <a:buNone/>
+            </a:pPr>
+            <a:endParaRPr/>
+          </a:p>
+        </p:txBody>
+      </p:sp>
+    </p:spTree>
+  </p:cSld>
+  <p:clrMapOvr>
+    <a:masterClrMapping/>
+  </p:clrMapOvr>
+</p:notes>
+</file>
+
+<file path=ppt/notesSlides/notesSlide15.xml><?xml version="1.0" encoding="utf-8"?>
+<p:notes xmlns:a="http://schemas.openxmlformats.org/drawingml/2006/main" xmlns:r="http://schemas.openxmlformats.org/officeDocument/2006/relationships" xmlns:p="http://schemas.openxmlformats.org/presentationml/2006/main" showMasterSp="0" showMasterPhAnim="0">
+  <p:cSld>
+    <p:spTree>
+      <p:nvGrpSpPr>
+        <p:cNvPr id="1" name="Shape 99"/>
+        <p:cNvGrpSpPr/>
+        <p:nvPr/>
+      </p:nvGrpSpPr>
+      <p:grpSpPr>
+        <a:xfrm>
+          <a:off x="0" y="0"/>
+          <a:ext cx="0" cy="0"/>
+          <a:chOff x="0" y="0"/>
+          <a:chExt cx="0" cy="0"/>
+        </a:xfrm>
+      </p:grpSpPr>
+      <p:sp>
+        <p:nvSpPr>
+          <p:cNvPr id="100" name="Google Shape;100;g2ddc889944f_0_0:notes"/>
+          <p:cNvSpPr>
+            <a:spLocks noGrp="1" noRot="1" noChangeAspect="1"/>
+          </p:cNvSpPr>
+          <p:nvPr>
+            <p:ph type="sldImg" idx="2"/>
+          </p:nvPr>
+        </p:nvSpPr>
+        <p:spPr>
+          <a:xfrm>
+            <a:off x="381000" y="685800"/>
+            <a:ext cx="6096000" cy="3429000"/>
+          </a:xfrm>
+          <a:custGeom>
+            <a:avLst/>
+            <a:gdLst/>
+            <a:ahLst/>
+            <a:cxnLst/>
+            <a:rect l="l" t="t" r="r" b="b"/>
+            <a:pathLst>
+              <a:path w="120000" h="120000" extrusionOk="0">
+                <a:moveTo>
+                  <a:pt x="0" y="0"/>
+                </a:moveTo>
+                <a:lnTo>
+                  <a:pt x="120000" y="0"/>
+                </a:lnTo>
+                <a:lnTo>
+                  <a:pt x="120000" y="120000"/>
+                </a:lnTo>
+                <a:lnTo>
+                  <a:pt x="0" y="120000"/>
+                </a:lnTo>
+                <a:close/>
+              </a:path>
+            </a:pathLst>
+          </a:custGeom>
+        </p:spPr>
+      </p:sp>
+      <p:sp>
+        <p:nvSpPr>
+          <p:cNvPr id="101" name="Google Shape;101;g2ddc889944f_0_0:notes"/>
+          <p:cNvSpPr txBox="1">
+            <a:spLocks noGrp="1"/>
+          </p:cNvSpPr>
+          <p:nvPr>
+            <p:ph type="body" idx="1"/>
+          </p:nvPr>
+        </p:nvSpPr>
+        <p:spPr>
+          <a:xfrm>
+            <a:off x="685800" y="4343400"/>
+            <a:ext cx="5486400" cy="4114800"/>
+          </a:xfrm>
+          <a:prstGeom prst="rect">
+            <a:avLst/>
+          </a:prstGeom>
+        </p:spPr>
+        <p:txBody>
+          <a:bodyPr spcFirstLastPara="1" wrap="square" lIns="91425" tIns="91425" rIns="91425" bIns="91425" anchor="t" anchorCtr="0">
+            <a:noAutofit/>
+          </a:bodyPr>
+          <a:lstStyle/>
+          <a:p>
+            <a:pPr marL="0" lvl="0" indent="0" algn="l" rtl="0">
+              <a:spcBef>
+                <a:spcPts val="0"/>
+              </a:spcBef>
+              <a:spcAft>
+                <a:spcPts val="0"/>
+              </a:spcAft>
+              <a:buNone/>
+            </a:pPr>
+            <a:endParaRPr dirty="0"/>
+          </a:p>
+        </p:txBody>
+      </p:sp>
+    </p:spTree>
+  </p:cSld>
+  <p:clrMapOvr>
+    <a:masterClrMapping/>
+  </p:clrMapOvr>
+</p:notes>
+</file>
+
 <file path=ppt/notesSlides/notesSlide2.xml><?xml version="1.0" encoding="utf-8"?>
 <p:notes xmlns:a="http://schemas.openxmlformats.org/drawingml/2006/main" xmlns:r="http://schemas.openxmlformats.org/officeDocument/2006/relationships" xmlns:p="http://schemas.openxmlformats.org/presentationml/2006/main" showMasterSp="0" showMasterPhAnim="0">
   <p:cSld>
@@ -1019,11 +1653,16 @@
               </a:spcAft>
               <a:buNone/>
             </a:pPr>
-            <a:endParaRPr dirty="0"/>
+            <a:endParaRPr/>
           </a:p>
         </p:txBody>
       </p:sp>
     </p:spTree>
+    <p:extLst>
+      <p:ext uri="{BB962C8B-B14F-4D97-AF65-F5344CB8AC3E}">
+        <p14:creationId xmlns:p14="http://schemas.microsoft.com/office/powerpoint/2010/main" val="1255562208"/>
+      </p:ext>
+    </p:extLst>
   </p:cSld>
   <p:clrMapOvr>
     <a:masterClrMapping/>
@@ -1123,11 +1762,16 @@
               </a:spcAft>
               <a:buNone/>
             </a:pPr>
-            <a:endParaRPr dirty="0"/>
+            <a:endParaRPr/>
           </a:p>
         </p:txBody>
       </p:sp>
     </p:spTree>
+    <p:extLst>
+      <p:ext uri="{BB962C8B-B14F-4D97-AF65-F5344CB8AC3E}">
+        <p14:creationId xmlns:p14="http://schemas.microsoft.com/office/powerpoint/2010/main" val="3606453280"/>
+      </p:ext>
+    </p:extLst>
   </p:cSld>
   <p:clrMapOvr>
     <a:masterClrMapping/>
@@ -1227,7 +1871,438 @@
               </a:spcAft>
               <a:buNone/>
             </a:pPr>
-            <a:endParaRPr dirty="0"/>
+            <a:endParaRPr/>
+          </a:p>
+        </p:txBody>
+      </p:sp>
+    </p:spTree>
+    <p:extLst>
+      <p:ext uri="{BB962C8B-B14F-4D97-AF65-F5344CB8AC3E}">
+        <p14:creationId xmlns:p14="http://schemas.microsoft.com/office/powerpoint/2010/main" val="1948640602"/>
+      </p:ext>
+    </p:extLst>
+  </p:cSld>
+  <p:clrMapOvr>
+    <a:masterClrMapping/>
+  </p:clrMapOvr>
+</p:notes>
+</file>
+
+<file path=ppt/notesSlides/notesSlide6.xml><?xml version="1.0" encoding="utf-8"?>
+<p:notes xmlns:a="http://schemas.openxmlformats.org/drawingml/2006/main" xmlns:r="http://schemas.openxmlformats.org/officeDocument/2006/relationships" xmlns:p="http://schemas.openxmlformats.org/presentationml/2006/main" showMasterSp="0" showMasterPhAnim="0">
+  <p:cSld>
+    <p:spTree>
+      <p:nvGrpSpPr>
+        <p:cNvPr id="1" name="Shape 99"/>
+        <p:cNvGrpSpPr/>
+        <p:nvPr/>
+      </p:nvGrpSpPr>
+      <p:grpSpPr>
+        <a:xfrm>
+          <a:off x="0" y="0"/>
+          <a:ext cx="0" cy="0"/>
+          <a:chOff x="0" y="0"/>
+          <a:chExt cx="0" cy="0"/>
+        </a:xfrm>
+      </p:grpSpPr>
+      <p:sp>
+        <p:nvSpPr>
+          <p:cNvPr id="100" name="Google Shape;100;g2ddc889944f_0_0:notes"/>
+          <p:cNvSpPr>
+            <a:spLocks noGrp="1" noRot="1" noChangeAspect="1"/>
+          </p:cNvSpPr>
+          <p:nvPr>
+            <p:ph type="sldImg" idx="2"/>
+          </p:nvPr>
+        </p:nvSpPr>
+        <p:spPr>
+          <a:xfrm>
+            <a:off x="381000" y="685800"/>
+            <a:ext cx="6096000" cy="3429000"/>
+          </a:xfrm>
+          <a:custGeom>
+            <a:avLst/>
+            <a:gdLst/>
+            <a:ahLst/>
+            <a:cxnLst/>
+            <a:rect l="l" t="t" r="r" b="b"/>
+            <a:pathLst>
+              <a:path w="120000" h="120000" extrusionOk="0">
+                <a:moveTo>
+                  <a:pt x="0" y="0"/>
+                </a:moveTo>
+                <a:lnTo>
+                  <a:pt x="120000" y="0"/>
+                </a:lnTo>
+                <a:lnTo>
+                  <a:pt x="120000" y="120000"/>
+                </a:lnTo>
+                <a:lnTo>
+                  <a:pt x="0" y="120000"/>
+                </a:lnTo>
+                <a:close/>
+              </a:path>
+            </a:pathLst>
+          </a:custGeom>
+        </p:spPr>
+      </p:sp>
+      <p:sp>
+        <p:nvSpPr>
+          <p:cNvPr id="101" name="Google Shape;101;g2ddc889944f_0_0:notes"/>
+          <p:cNvSpPr txBox="1">
+            <a:spLocks noGrp="1"/>
+          </p:cNvSpPr>
+          <p:nvPr>
+            <p:ph type="body" idx="1"/>
+          </p:nvPr>
+        </p:nvSpPr>
+        <p:spPr>
+          <a:xfrm>
+            <a:off x="685800" y="4343400"/>
+            <a:ext cx="5486400" cy="4114800"/>
+          </a:xfrm>
+          <a:prstGeom prst="rect">
+            <a:avLst/>
+          </a:prstGeom>
+        </p:spPr>
+        <p:txBody>
+          <a:bodyPr spcFirstLastPara="1" wrap="square" lIns="91425" tIns="91425" rIns="91425" bIns="91425" anchor="t" anchorCtr="0">
+            <a:noAutofit/>
+          </a:bodyPr>
+          <a:lstStyle/>
+          <a:p>
+            <a:pPr marL="0" lvl="0" indent="0" algn="l" rtl="0">
+              <a:spcBef>
+                <a:spcPts val="0"/>
+              </a:spcBef>
+              <a:spcAft>
+                <a:spcPts val="0"/>
+              </a:spcAft>
+              <a:buNone/>
+            </a:pPr>
+            <a:endParaRPr/>
+          </a:p>
+        </p:txBody>
+      </p:sp>
+    </p:spTree>
+    <p:extLst>
+      <p:ext uri="{BB962C8B-B14F-4D97-AF65-F5344CB8AC3E}">
+        <p14:creationId xmlns:p14="http://schemas.microsoft.com/office/powerpoint/2010/main" val="2515273707"/>
+      </p:ext>
+    </p:extLst>
+  </p:cSld>
+  <p:clrMapOvr>
+    <a:masterClrMapping/>
+  </p:clrMapOvr>
+</p:notes>
+</file>
+
+<file path=ppt/notesSlides/notesSlide7.xml><?xml version="1.0" encoding="utf-8"?>
+<p:notes xmlns:a="http://schemas.openxmlformats.org/drawingml/2006/main" xmlns:r="http://schemas.openxmlformats.org/officeDocument/2006/relationships" xmlns:p="http://schemas.openxmlformats.org/presentationml/2006/main" showMasterSp="0" showMasterPhAnim="0">
+  <p:cSld>
+    <p:spTree>
+      <p:nvGrpSpPr>
+        <p:cNvPr id="1" name="Shape 99"/>
+        <p:cNvGrpSpPr/>
+        <p:nvPr/>
+      </p:nvGrpSpPr>
+      <p:grpSpPr>
+        <a:xfrm>
+          <a:off x="0" y="0"/>
+          <a:ext cx="0" cy="0"/>
+          <a:chOff x="0" y="0"/>
+          <a:chExt cx="0" cy="0"/>
+        </a:xfrm>
+      </p:grpSpPr>
+      <p:sp>
+        <p:nvSpPr>
+          <p:cNvPr id="100" name="Google Shape;100;g2ddc889944f_0_0:notes"/>
+          <p:cNvSpPr>
+            <a:spLocks noGrp="1" noRot="1" noChangeAspect="1"/>
+          </p:cNvSpPr>
+          <p:nvPr>
+            <p:ph type="sldImg" idx="2"/>
+          </p:nvPr>
+        </p:nvSpPr>
+        <p:spPr>
+          <a:xfrm>
+            <a:off x="381000" y="685800"/>
+            <a:ext cx="6096000" cy="3429000"/>
+          </a:xfrm>
+          <a:custGeom>
+            <a:avLst/>
+            <a:gdLst/>
+            <a:ahLst/>
+            <a:cxnLst/>
+            <a:rect l="l" t="t" r="r" b="b"/>
+            <a:pathLst>
+              <a:path w="120000" h="120000" extrusionOk="0">
+                <a:moveTo>
+                  <a:pt x="0" y="0"/>
+                </a:moveTo>
+                <a:lnTo>
+                  <a:pt x="120000" y="0"/>
+                </a:lnTo>
+                <a:lnTo>
+                  <a:pt x="120000" y="120000"/>
+                </a:lnTo>
+                <a:lnTo>
+                  <a:pt x="0" y="120000"/>
+                </a:lnTo>
+                <a:close/>
+              </a:path>
+            </a:pathLst>
+          </a:custGeom>
+        </p:spPr>
+      </p:sp>
+      <p:sp>
+        <p:nvSpPr>
+          <p:cNvPr id="101" name="Google Shape;101;g2ddc889944f_0_0:notes"/>
+          <p:cNvSpPr txBox="1">
+            <a:spLocks noGrp="1"/>
+          </p:cNvSpPr>
+          <p:nvPr>
+            <p:ph type="body" idx="1"/>
+          </p:nvPr>
+        </p:nvSpPr>
+        <p:spPr>
+          <a:xfrm>
+            <a:off x="685800" y="4343400"/>
+            <a:ext cx="5486400" cy="4114800"/>
+          </a:xfrm>
+          <a:prstGeom prst="rect">
+            <a:avLst/>
+          </a:prstGeom>
+        </p:spPr>
+        <p:txBody>
+          <a:bodyPr spcFirstLastPara="1" wrap="square" lIns="91425" tIns="91425" rIns="91425" bIns="91425" anchor="t" anchorCtr="0">
+            <a:noAutofit/>
+          </a:bodyPr>
+          <a:lstStyle/>
+          <a:p>
+            <a:pPr marL="0" lvl="0" indent="0" algn="l" rtl="0">
+              <a:spcBef>
+                <a:spcPts val="0"/>
+              </a:spcBef>
+              <a:spcAft>
+                <a:spcPts val="0"/>
+              </a:spcAft>
+              <a:buNone/>
+            </a:pPr>
+            <a:endParaRPr/>
+          </a:p>
+        </p:txBody>
+      </p:sp>
+    </p:spTree>
+    <p:extLst>
+      <p:ext uri="{BB962C8B-B14F-4D97-AF65-F5344CB8AC3E}">
+        <p14:creationId xmlns:p14="http://schemas.microsoft.com/office/powerpoint/2010/main" val="3812975811"/>
+      </p:ext>
+    </p:extLst>
+  </p:cSld>
+  <p:clrMapOvr>
+    <a:masterClrMapping/>
+  </p:clrMapOvr>
+</p:notes>
+</file>
+
+<file path=ppt/notesSlides/notesSlide8.xml><?xml version="1.0" encoding="utf-8"?>
+<p:notes xmlns:a="http://schemas.openxmlformats.org/drawingml/2006/main" xmlns:r="http://schemas.openxmlformats.org/officeDocument/2006/relationships" xmlns:p="http://schemas.openxmlformats.org/presentationml/2006/main" showMasterSp="0" showMasterPhAnim="0">
+  <p:cSld>
+    <p:spTree>
+      <p:nvGrpSpPr>
+        <p:cNvPr id="1" name="Shape 99"/>
+        <p:cNvGrpSpPr/>
+        <p:nvPr/>
+      </p:nvGrpSpPr>
+      <p:grpSpPr>
+        <a:xfrm>
+          <a:off x="0" y="0"/>
+          <a:ext cx="0" cy="0"/>
+          <a:chOff x="0" y="0"/>
+          <a:chExt cx="0" cy="0"/>
+        </a:xfrm>
+      </p:grpSpPr>
+      <p:sp>
+        <p:nvSpPr>
+          <p:cNvPr id="100" name="Google Shape;100;g2ddc889944f_0_0:notes"/>
+          <p:cNvSpPr>
+            <a:spLocks noGrp="1" noRot="1" noChangeAspect="1"/>
+          </p:cNvSpPr>
+          <p:nvPr>
+            <p:ph type="sldImg" idx="2"/>
+          </p:nvPr>
+        </p:nvSpPr>
+        <p:spPr>
+          <a:xfrm>
+            <a:off x="381000" y="685800"/>
+            <a:ext cx="6096000" cy="3429000"/>
+          </a:xfrm>
+          <a:custGeom>
+            <a:avLst/>
+            <a:gdLst/>
+            <a:ahLst/>
+            <a:cxnLst/>
+            <a:rect l="l" t="t" r="r" b="b"/>
+            <a:pathLst>
+              <a:path w="120000" h="120000" extrusionOk="0">
+                <a:moveTo>
+                  <a:pt x="0" y="0"/>
+                </a:moveTo>
+                <a:lnTo>
+                  <a:pt x="120000" y="0"/>
+                </a:lnTo>
+                <a:lnTo>
+                  <a:pt x="120000" y="120000"/>
+                </a:lnTo>
+                <a:lnTo>
+                  <a:pt x="0" y="120000"/>
+                </a:lnTo>
+                <a:close/>
+              </a:path>
+            </a:pathLst>
+          </a:custGeom>
+        </p:spPr>
+      </p:sp>
+      <p:sp>
+        <p:nvSpPr>
+          <p:cNvPr id="101" name="Google Shape;101;g2ddc889944f_0_0:notes"/>
+          <p:cNvSpPr txBox="1">
+            <a:spLocks noGrp="1"/>
+          </p:cNvSpPr>
+          <p:nvPr>
+            <p:ph type="body" idx="1"/>
+          </p:nvPr>
+        </p:nvSpPr>
+        <p:spPr>
+          <a:xfrm>
+            <a:off x="685800" y="4343400"/>
+            <a:ext cx="5486400" cy="4114800"/>
+          </a:xfrm>
+          <a:prstGeom prst="rect">
+            <a:avLst/>
+          </a:prstGeom>
+        </p:spPr>
+        <p:txBody>
+          <a:bodyPr spcFirstLastPara="1" wrap="square" lIns="91425" tIns="91425" rIns="91425" bIns="91425" anchor="t" anchorCtr="0">
+            <a:noAutofit/>
+          </a:bodyPr>
+          <a:lstStyle/>
+          <a:p>
+            <a:pPr marL="0" lvl="0" indent="0" algn="l" rtl="0">
+              <a:spcBef>
+                <a:spcPts val="0"/>
+              </a:spcBef>
+              <a:spcAft>
+                <a:spcPts val="0"/>
+              </a:spcAft>
+              <a:buNone/>
+            </a:pPr>
+            <a:endParaRPr/>
+          </a:p>
+        </p:txBody>
+      </p:sp>
+    </p:spTree>
+  </p:cSld>
+  <p:clrMapOvr>
+    <a:masterClrMapping/>
+  </p:clrMapOvr>
+</p:notes>
+</file>
+
+<file path=ppt/notesSlides/notesSlide9.xml><?xml version="1.0" encoding="utf-8"?>
+<p:notes xmlns:a="http://schemas.openxmlformats.org/drawingml/2006/main" xmlns:r="http://schemas.openxmlformats.org/officeDocument/2006/relationships" xmlns:p="http://schemas.openxmlformats.org/presentationml/2006/main" showMasterSp="0" showMasterPhAnim="0">
+  <p:cSld>
+    <p:spTree>
+      <p:nvGrpSpPr>
+        <p:cNvPr id="1" name="Shape 99"/>
+        <p:cNvGrpSpPr/>
+        <p:nvPr/>
+      </p:nvGrpSpPr>
+      <p:grpSpPr>
+        <a:xfrm>
+          <a:off x="0" y="0"/>
+          <a:ext cx="0" cy="0"/>
+          <a:chOff x="0" y="0"/>
+          <a:chExt cx="0" cy="0"/>
+        </a:xfrm>
+      </p:grpSpPr>
+      <p:sp>
+        <p:nvSpPr>
+          <p:cNvPr id="100" name="Google Shape;100;g2ddc889944f_0_0:notes"/>
+          <p:cNvSpPr>
+            <a:spLocks noGrp="1" noRot="1" noChangeAspect="1"/>
+          </p:cNvSpPr>
+          <p:nvPr>
+            <p:ph type="sldImg" idx="2"/>
+          </p:nvPr>
+        </p:nvSpPr>
+        <p:spPr>
+          <a:xfrm>
+            <a:off x="381000" y="685800"/>
+            <a:ext cx="6096000" cy="3429000"/>
+          </a:xfrm>
+          <a:custGeom>
+            <a:avLst/>
+            <a:gdLst/>
+            <a:ahLst/>
+            <a:cxnLst/>
+            <a:rect l="l" t="t" r="r" b="b"/>
+            <a:pathLst>
+              <a:path w="120000" h="120000" extrusionOk="0">
+                <a:moveTo>
+                  <a:pt x="0" y="0"/>
+                </a:moveTo>
+                <a:lnTo>
+                  <a:pt x="120000" y="0"/>
+                </a:lnTo>
+                <a:lnTo>
+                  <a:pt x="120000" y="120000"/>
+                </a:lnTo>
+                <a:lnTo>
+                  <a:pt x="0" y="120000"/>
+                </a:lnTo>
+                <a:close/>
+              </a:path>
+            </a:pathLst>
+          </a:custGeom>
+        </p:spPr>
+      </p:sp>
+      <p:sp>
+        <p:nvSpPr>
+          <p:cNvPr id="101" name="Google Shape;101;g2ddc889944f_0_0:notes"/>
+          <p:cNvSpPr txBox="1">
+            <a:spLocks noGrp="1"/>
+          </p:cNvSpPr>
+          <p:nvPr>
+            <p:ph type="body" idx="1"/>
+          </p:nvPr>
+        </p:nvSpPr>
+        <p:spPr>
+          <a:xfrm>
+            <a:off x="685800" y="4343400"/>
+            <a:ext cx="5486400" cy="4114800"/>
+          </a:xfrm>
+          <a:prstGeom prst="rect">
+            <a:avLst/>
+          </a:prstGeom>
+        </p:spPr>
+        <p:txBody>
+          <a:bodyPr spcFirstLastPara="1" wrap="square" lIns="91425" tIns="91425" rIns="91425" bIns="91425" anchor="t" anchorCtr="0">
+            <a:noAutofit/>
+          </a:bodyPr>
+          <a:lstStyle/>
+          <a:p>
+            <a:pPr marL="0" lvl="0" indent="0" algn="l" rtl="0">
+              <a:spcBef>
+                <a:spcPts val="0"/>
+              </a:spcBef>
+              <a:spcAft>
+                <a:spcPts val="0"/>
+              </a:spcAft>
+              <a:buNone/>
+            </a:pPr>
+            <a:endParaRPr/>
           </a:p>
         </p:txBody>
       </p:sp>
@@ -7924,10 +8999,6 @@
               <a:rPr lang="en-US" sz="3280" b="1" dirty="0" smtClean="0"/>
               <a:t>PYTHON LIBRARIES</a:t>
             </a:r>
-            <a:r>
-              <a:rPr lang="en-US" sz="3280" b="1" dirty="0" smtClean="0"/>
-              <a:t/>
-            </a:r>
             <a:br>
               <a:rPr lang="en-US" sz="3280" b="1" dirty="0" smtClean="0"/>
             </a:br>
@@ -7940,6 +9011,2552 @@
         </p:txBody>
       </p:sp>
     </p:spTree>
+  </p:cSld>
+  <p:clrMapOvr>
+    <a:masterClrMapping/>
+  </p:clrMapOvr>
+  <p:timing>
+    <p:tnLst>
+      <p:par>
+        <p:cTn id="1" dur="indefinite" restart="never" nodeType="tmRoot"/>
+      </p:par>
+    </p:tnLst>
+  </p:timing>
+</p:sld>
+</file>
+
+<file path=ppt/slides/slide10.xml><?xml version="1.0" encoding="utf-8"?>
+<p:sld xmlns:a="http://schemas.openxmlformats.org/drawingml/2006/main" xmlns:r="http://schemas.openxmlformats.org/officeDocument/2006/relationships" xmlns:p="http://schemas.openxmlformats.org/presentationml/2006/main">
+  <p:cSld>
+    <p:spTree>
+      <p:nvGrpSpPr>
+        <p:cNvPr id="1" name="Shape 102"/>
+        <p:cNvGrpSpPr/>
+        <p:nvPr/>
+      </p:nvGrpSpPr>
+      <p:grpSpPr>
+        <a:xfrm>
+          <a:off x="0" y="0"/>
+          <a:ext cx="0" cy="0"/>
+          <a:chOff x="0" y="0"/>
+          <a:chExt cx="0" cy="0"/>
+        </a:xfrm>
+      </p:grpSpPr>
+      <p:sp>
+        <p:nvSpPr>
+          <p:cNvPr id="103" name="Google Shape;103;p16"/>
+          <p:cNvSpPr txBox="1">
+            <a:spLocks noGrp="1"/>
+          </p:cNvSpPr>
+          <p:nvPr>
+            <p:ph type="title"/>
+          </p:nvPr>
+        </p:nvSpPr>
+        <p:spPr>
+          <a:xfrm>
+            <a:off x="0" y="3650"/>
+            <a:ext cx="9144000" cy="523232"/>
+          </a:xfrm>
+          <a:prstGeom prst="rect">
+            <a:avLst/>
+          </a:prstGeom>
+        </p:spPr>
+        <p:txBody>
+          <a:bodyPr spcFirstLastPara="1" wrap="square" lIns="91425" tIns="91425" rIns="91425" bIns="91425" anchor="t" anchorCtr="0">
+            <a:noAutofit/>
+          </a:bodyPr>
+          <a:lstStyle/>
+          <a:p>
+            <a:pPr algn="ctr"/>
+            <a:r>
+              <a:rPr lang="en-US" sz="2400" b="1" dirty="0" smtClean="0"/>
+              <a:t>NUMPY [NUMERICAL PYTHON]</a:t>
+            </a:r>
+            <a:endParaRPr lang="en-US" sz="2400" b="1" dirty="0"/>
+          </a:p>
+        </p:txBody>
+      </p:sp>
+      <p:sp>
+        <p:nvSpPr>
+          <p:cNvPr id="3" name="Rectangle 2"/>
+          <p:cNvSpPr/>
+          <p:nvPr/>
+        </p:nvSpPr>
+        <p:spPr>
+          <a:xfrm>
+            <a:off x="466529" y="721506"/>
+            <a:ext cx="8089641" cy="3970318"/>
+          </a:xfrm>
+          <a:prstGeom prst="rect">
+            <a:avLst/>
+          </a:prstGeom>
+        </p:spPr>
+        <p:txBody>
+          <a:bodyPr wrap="square">
+            <a:spAutoFit/>
+          </a:bodyPr>
+          <a:lstStyle/>
+          <a:p>
+            <a:pPr fontAlgn="base"/>
+            <a:r>
+              <a:rPr lang="en-US" b="1" u="sng" dirty="0"/>
+              <a:t>Create Python </a:t>
+            </a:r>
+            <a:r>
+              <a:rPr lang="en-US" b="1" u="sng" dirty="0" err="1"/>
+              <a:t>Numpy</a:t>
+            </a:r>
+            <a:r>
+              <a:rPr lang="en-US" b="1" u="sng" dirty="0"/>
+              <a:t> Arrays Using Random Number Generation</a:t>
+            </a:r>
+          </a:p>
+          <a:p>
+            <a:pPr fontAlgn="base"/>
+            <a:r>
+              <a:rPr lang="en-US" dirty="0" err="1"/>
+              <a:t>NumPy</a:t>
+            </a:r>
+            <a:r>
+              <a:rPr lang="en-US" dirty="0"/>
+              <a:t> provides functions to create arrays filled with random numbers.</a:t>
+            </a:r>
+          </a:p>
+          <a:p>
+            <a:pPr fontAlgn="base"/>
+            <a:r>
+              <a:rPr lang="en-US" u="sng" dirty="0" err="1">
+                <a:hlinkClick r:id="rId3"/>
+              </a:rPr>
+              <a:t>np.random.rand</a:t>
+            </a:r>
+            <a:r>
+              <a:rPr lang="en-US" u="sng" dirty="0">
+                <a:hlinkClick r:id="rId3"/>
+              </a:rPr>
+              <a:t>()</a:t>
+            </a:r>
+            <a:r>
+              <a:rPr lang="en-US" dirty="0"/>
+              <a:t>: Creates an array of specified shape and fills it with random values sampled from a uniform distribution over [0, 1).</a:t>
+            </a:r>
+          </a:p>
+          <a:p>
+            <a:pPr fontAlgn="base"/>
+            <a:r>
+              <a:rPr lang="en-US" u="sng" dirty="0" err="1">
+                <a:hlinkClick r:id="rId4"/>
+              </a:rPr>
+              <a:t>np.random.randn</a:t>
+            </a:r>
+            <a:r>
+              <a:rPr lang="en-US" u="sng" dirty="0">
+                <a:hlinkClick r:id="rId4"/>
+              </a:rPr>
+              <a:t>()</a:t>
+            </a:r>
+            <a:r>
+              <a:rPr lang="en-US" dirty="0"/>
+              <a:t>: Creates an array of specified shape and fills it with random values sampled from a standard normal distribution.</a:t>
+            </a:r>
+          </a:p>
+          <a:p>
+            <a:pPr fontAlgn="base"/>
+            <a:r>
+              <a:rPr lang="en-US" u="sng" dirty="0" err="1">
+                <a:hlinkClick r:id="rId5"/>
+              </a:rPr>
+              <a:t>np.random.randint</a:t>
+            </a:r>
+            <a:r>
+              <a:rPr lang="en-US" u="sng" dirty="0">
+                <a:hlinkClick r:id="rId5"/>
+              </a:rPr>
+              <a:t>()</a:t>
+            </a:r>
+            <a:r>
+              <a:rPr lang="en-US" dirty="0"/>
+              <a:t>: Creates an array of specified shape and fills it with random integers within a given range</a:t>
+            </a:r>
+            <a:r>
+              <a:rPr lang="en-US" dirty="0" smtClean="0"/>
+              <a:t>.</a:t>
+            </a:r>
+          </a:p>
+          <a:p>
+            <a:pPr fontAlgn="base"/>
+            <a:endParaRPr lang="en-US" dirty="0"/>
+          </a:p>
+          <a:p>
+            <a:pPr fontAlgn="base"/>
+            <a:r>
+              <a:rPr lang="en-US" b="1" dirty="0">
+                <a:solidFill>
+                  <a:schemeClr val="tx1"/>
+                </a:solidFill>
+              </a:rPr>
+              <a:t>import </a:t>
+            </a:r>
+            <a:r>
+              <a:rPr lang="en-US" b="1" dirty="0" err="1">
+                <a:solidFill>
+                  <a:schemeClr val="tx1"/>
+                </a:solidFill>
+              </a:rPr>
+              <a:t>numpy</a:t>
+            </a:r>
+            <a:r>
+              <a:rPr lang="en-US" b="1" dirty="0">
+                <a:solidFill>
+                  <a:schemeClr val="tx1"/>
+                </a:solidFill>
+              </a:rPr>
+              <a:t> as np</a:t>
+            </a:r>
+          </a:p>
+          <a:p>
+            <a:pPr fontAlgn="base"/>
+            <a:endParaRPr lang="en-US" b="1" dirty="0">
+              <a:solidFill>
+                <a:schemeClr val="tx1"/>
+              </a:solidFill>
+            </a:endParaRPr>
+          </a:p>
+          <a:p>
+            <a:pPr fontAlgn="base"/>
+            <a:r>
+              <a:rPr lang="en-US" b="1" dirty="0" err="1">
+                <a:solidFill>
+                  <a:schemeClr val="tx1"/>
+                </a:solidFill>
+              </a:rPr>
+              <a:t>random_array</a:t>
+            </a:r>
+            <a:r>
+              <a:rPr lang="en-US" b="1" dirty="0">
+                <a:solidFill>
+                  <a:schemeClr val="tx1"/>
+                </a:solidFill>
+              </a:rPr>
+              <a:t> = </a:t>
+            </a:r>
+            <a:r>
+              <a:rPr lang="en-US" b="1" dirty="0" err="1">
+                <a:solidFill>
+                  <a:schemeClr val="tx1"/>
+                </a:solidFill>
+              </a:rPr>
+              <a:t>np.random.rand</a:t>
+            </a:r>
+            <a:r>
+              <a:rPr lang="en-US" b="1" dirty="0">
+                <a:solidFill>
+                  <a:schemeClr val="tx1"/>
+                </a:solidFill>
+              </a:rPr>
+              <a:t>(2, 3)</a:t>
+            </a:r>
+          </a:p>
+          <a:p>
+            <a:pPr fontAlgn="base"/>
+            <a:r>
+              <a:rPr lang="en-US" b="1" dirty="0" err="1">
+                <a:solidFill>
+                  <a:schemeClr val="tx1"/>
+                </a:solidFill>
+              </a:rPr>
+              <a:t>normal_array</a:t>
+            </a:r>
+            <a:r>
+              <a:rPr lang="en-US" b="1" dirty="0">
+                <a:solidFill>
+                  <a:schemeClr val="tx1"/>
+                </a:solidFill>
+              </a:rPr>
+              <a:t> = </a:t>
+            </a:r>
+            <a:r>
+              <a:rPr lang="en-US" b="1" dirty="0" err="1">
+                <a:solidFill>
+                  <a:schemeClr val="tx1"/>
+                </a:solidFill>
+              </a:rPr>
+              <a:t>np.random.randn</a:t>
+            </a:r>
+            <a:r>
+              <a:rPr lang="en-US" b="1" dirty="0">
+                <a:solidFill>
+                  <a:schemeClr val="tx1"/>
+                </a:solidFill>
+              </a:rPr>
+              <a:t>(2, 2)</a:t>
+            </a:r>
+          </a:p>
+          <a:p>
+            <a:pPr fontAlgn="base"/>
+            <a:r>
+              <a:rPr lang="en-US" b="1" dirty="0" err="1">
+                <a:solidFill>
+                  <a:schemeClr val="tx1"/>
+                </a:solidFill>
+              </a:rPr>
+              <a:t>randint_array</a:t>
+            </a:r>
+            <a:r>
+              <a:rPr lang="en-US" b="1" dirty="0">
+                <a:solidFill>
+                  <a:schemeClr val="tx1"/>
+                </a:solidFill>
+              </a:rPr>
+              <a:t> = </a:t>
+            </a:r>
+            <a:r>
+              <a:rPr lang="en-US" b="1" dirty="0" err="1">
+                <a:solidFill>
+                  <a:schemeClr val="tx1"/>
+                </a:solidFill>
+              </a:rPr>
+              <a:t>np.random.randint</a:t>
+            </a:r>
+            <a:r>
+              <a:rPr lang="en-US" b="1" dirty="0">
+                <a:solidFill>
+                  <a:schemeClr val="tx1"/>
+                </a:solidFill>
+              </a:rPr>
+              <a:t>(1, 10, size=(2, 3))  </a:t>
+            </a:r>
+          </a:p>
+          <a:p>
+            <a:pPr fontAlgn="base"/>
+            <a:endParaRPr lang="en-US" b="1" dirty="0">
+              <a:solidFill>
+                <a:schemeClr val="tx1"/>
+              </a:solidFill>
+            </a:endParaRPr>
+          </a:p>
+          <a:p>
+            <a:pPr fontAlgn="base"/>
+            <a:r>
+              <a:rPr lang="en-US" b="1" dirty="0">
+                <a:solidFill>
+                  <a:schemeClr val="tx1"/>
+                </a:solidFill>
+              </a:rPr>
+              <a:t>print(</a:t>
+            </a:r>
+            <a:r>
+              <a:rPr lang="en-US" b="1" dirty="0" err="1">
+                <a:solidFill>
+                  <a:schemeClr val="tx1"/>
+                </a:solidFill>
+              </a:rPr>
+              <a:t>random_array</a:t>
+            </a:r>
+            <a:r>
+              <a:rPr lang="en-US" b="1" dirty="0">
+                <a:solidFill>
+                  <a:schemeClr val="tx1"/>
+                </a:solidFill>
+              </a:rPr>
+              <a:t>)</a:t>
+            </a:r>
+          </a:p>
+          <a:p>
+            <a:pPr fontAlgn="base"/>
+            <a:r>
+              <a:rPr lang="en-US" b="1" dirty="0">
+                <a:solidFill>
+                  <a:schemeClr val="tx1"/>
+                </a:solidFill>
+              </a:rPr>
+              <a:t>print(</a:t>
+            </a:r>
+            <a:r>
+              <a:rPr lang="en-US" b="1" dirty="0" err="1">
+                <a:solidFill>
+                  <a:schemeClr val="tx1"/>
+                </a:solidFill>
+              </a:rPr>
+              <a:t>normal_array</a:t>
+            </a:r>
+            <a:r>
+              <a:rPr lang="en-US" b="1" dirty="0">
+                <a:solidFill>
+                  <a:schemeClr val="tx1"/>
+                </a:solidFill>
+              </a:rPr>
+              <a:t>)</a:t>
+            </a:r>
+          </a:p>
+          <a:p>
+            <a:pPr fontAlgn="base"/>
+            <a:r>
+              <a:rPr lang="en-US" b="1" dirty="0">
+                <a:solidFill>
+                  <a:schemeClr val="tx1"/>
+                </a:solidFill>
+              </a:rPr>
+              <a:t>print(</a:t>
+            </a:r>
+            <a:r>
+              <a:rPr lang="en-US" b="1" dirty="0" err="1">
+                <a:solidFill>
+                  <a:schemeClr val="tx1"/>
+                </a:solidFill>
+              </a:rPr>
+              <a:t>randint_array</a:t>
+            </a:r>
+            <a:r>
+              <a:rPr lang="en-US" b="1" dirty="0">
+                <a:solidFill>
+                  <a:schemeClr val="tx1"/>
+                </a:solidFill>
+              </a:rPr>
+              <a:t>)</a:t>
+            </a:r>
+          </a:p>
+        </p:txBody>
+      </p:sp>
+    </p:spTree>
+    <p:extLst>
+      <p:ext uri="{BB962C8B-B14F-4D97-AF65-F5344CB8AC3E}">
+        <p14:creationId xmlns:p14="http://schemas.microsoft.com/office/powerpoint/2010/main" val="3330878353"/>
+      </p:ext>
+    </p:extLst>
+  </p:cSld>
+  <p:clrMapOvr>
+    <a:masterClrMapping/>
+  </p:clrMapOvr>
+  <p:timing>
+    <p:tnLst>
+      <p:par>
+        <p:cTn id="1" dur="indefinite" restart="never" nodeType="tmRoot"/>
+      </p:par>
+    </p:tnLst>
+  </p:timing>
+</p:sld>
+</file>
+
+<file path=ppt/slides/slide11.xml><?xml version="1.0" encoding="utf-8"?>
+<p:sld xmlns:a="http://schemas.openxmlformats.org/drawingml/2006/main" xmlns:r="http://schemas.openxmlformats.org/officeDocument/2006/relationships" xmlns:p="http://schemas.openxmlformats.org/presentationml/2006/main">
+  <p:cSld>
+    <p:spTree>
+      <p:nvGrpSpPr>
+        <p:cNvPr id="1" name="Shape 102"/>
+        <p:cNvGrpSpPr/>
+        <p:nvPr/>
+      </p:nvGrpSpPr>
+      <p:grpSpPr>
+        <a:xfrm>
+          <a:off x="0" y="0"/>
+          <a:ext cx="0" cy="0"/>
+          <a:chOff x="0" y="0"/>
+          <a:chExt cx="0" cy="0"/>
+        </a:xfrm>
+      </p:grpSpPr>
+      <p:sp>
+        <p:nvSpPr>
+          <p:cNvPr id="103" name="Google Shape;103;p16"/>
+          <p:cNvSpPr txBox="1">
+            <a:spLocks noGrp="1"/>
+          </p:cNvSpPr>
+          <p:nvPr>
+            <p:ph type="title"/>
+          </p:nvPr>
+        </p:nvSpPr>
+        <p:spPr>
+          <a:xfrm>
+            <a:off x="0" y="3650"/>
+            <a:ext cx="9144000" cy="523232"/>
+          </a:xfrm>
+          <a:prstGeom prst="rect">
+            <a:avLst/>
+          </a:prstGeom>
+        </p:spPr>
+        <p:txBody>
+          <a:bodyPr spcFirstLastPara="1" wrap="square" lIns="91425" tIns="91425" rIns="91425" bIns="91425" anchor="t" anchorCtr="0">
+            <a:noAutofit/>
+          </a:bodyPr>
+          <a:lstStyle/>
+          <a:p>
+            <a:pPr algn="ctr"/>
+            <a:r>
+              <a:rPr lang="en-US" sz="2400" b="1" dirty="0" smtClean="0"/>
+              <a:t>NUMPY [NUMERICAL PYTHON]</a:t>
+            </a:r>
+            <a:endParaRPr lang="en-US" sz="2400" b="1" dirty="0"/>
+          </a:p>
+        </p:txBody>
+      </p:sp>
+      <p:sp>
+        <p:nvSpPr>
+          <p:cNvPr id="3" name="Rectangle 2"/>
+          <p:cNvSpPr/>
+          <p:nvPr/>
+        </p:nvSpPr>
+        <p:spPr>
+          <a:xfrm>
+            <a:off x="466528" y="600208"/>
+            <a:ext cx="8089641" cy="4185761"/>
+          </a:xfrm>
+          <a:prstGeom prst="rect">
+            <a:avLst/>
+          </a:prstGeom>
+        </p:spPr>
+        <p:txBody>
+          <a:bodyPr wrap="square">
+            <a:spAutoFit/>
+          </a:bodyPr>
+          <a:lstStyle/>
+          <a:p>
+            <a:pPr fontAlgn="base"/>
+            <a:r>
+              <a:rPr lang="en-US" b="1" u="sng" dirty="0"/>
+              <a:t>Create Python </a:t>
+            </a:r>
+            <a:r>
+              <a:rPr lang="en-US" b="1" u="sng" dirty="0" err="1"/>
+              <a:t>Numpy</a:t>
+            </a:r>
+            <a:r>
+              <a:rPr lang="en-US" b="1" u="sng" dirty="0"/>
+              <a:t> Arrays Using Matrix Creation Routines</a:t>
+            </a:r>
+          </a:p>
+          <a:p>
+            <a:pPr fontAlgn="base"/>
+            <a:r>
+              <a:rPr lang="en-US" dirty="0" err="1"/>
+              <a:t>NumPy</a:t>
+            </a:r>
+            <a:r>
+              <a:rPr lang="en-US" dirty="0"/>
+              <a:t> provides functions to create specific types of matrices.</a:t>
+            </a:r>
+          </a:p>
+          <a:p>
+            <a:pPr fontAlgn="base"/>
+            <a:r>
+              <a:rPr lang="en-US" u="sng" dirty="0" err="1">
+                <a:hlinkClick r:id="rId3"/>
+              </a:rPr>
+              <a:t>np.eye</a:t>
+            </a:r>
+            <a:r>
+              <a:rPr lang="en-US" u="sng" dirty="0">
+                <a:hlinkClick r:id="rId3"/>
+              </a:rPr>
+              <a:t>()</a:t>
+            </a:r>
+            <a:r>
+              <a:rPr lang="en-US" dirty="0"/>
+              <a:t>: Creates an identity matrix of specified size.</a:t>
+            </a:r>
+          </a:p>
+          <a:p>
+            <a:pPr fontAlgn="base"/>
+            <a:r>
+              <a:rPr lang="en-US" u="sng" dirty="0" err="1">
+                <a:hlinkClick r:id="rId4"/>
+              </a:rPr>
+              <a:t>np.diag</a:t>
+            </a:r>
+            <a:r>
+              <a:rPr lang="en-US" u="sng" dirty="0">
+                <a:hlinkClick r:id="rId4"/>
+              </a:rPr>
+              <a:t>()</a:t>
+            </a:r>
+            <a:r>
+              <a:rPr lang="en-US" dirty="0"/>
+              <a:t>: Constructs a diagonal array.</a:t>
+            </a:r>
+          </a:p>
+          <a:p>
+            <a:pPr fontAlgn="base"/>
+            <a:r>
+              <a:rPr lang="en-US" u="sng" dirty="0" err="1">
+                <a:hlinkClick r:id="rId5"/>
+              </a:rPr>
+              <a:t>np.zeros_like</a:t>
+            </a:r>
+            <a:r>
+              <a:rPr lang="en-US" u="sng" dirty="0">
+                <a:hlinkClick r:id="rId5"/>
+              </a:rPr>
+              <a:t>()</a:t>
+            </a:r>
+            <a:r>
+              <a:rPr lang="en-US" dirty="0"/>
+              <a:t>: Creates an array of zeros with the same shape and type as a given array.</a:t>
+            </a:r>
+          </a:p>
+          <a:p>
+            <a:pPr fontAlgn="base"/>
+            <a:r>
+              <a:rPr lang="en-US" u="sng" dirty="0" err="1">
+                <a:hlinkClick r:id="rId6"/>
+              </a:rPr>
+              <a:t>np.ones_like</a:t>
+            </a:r>
+            <a:r>
+              <a:rPr lang="en-US" u="sng" dirty="0">
+                <a:hlinkClick r:id="rId6"/>
+              </a:rPr>
+              <a:t>()</a:t>
+            </a:r>
+            <a:r>
+              <a:rPr lang="en-US" dirty="0"/>
+              <a:t>: Creates an array of ones with the same shape and type as a given array.</a:t>
+            </a:r>
+          </a:p>
+          <a:p>
+            <a:r>
+              <a:rPr lang="en-US" dirty="0"/>
+              <a:t/>
+            </a:r>
+            <a:br>
+              <a:rPr lang="en-US" dirty="0"/>
+            </a:br>
+            <a:endParaRPr lang="en-US" dirty="0"/>
+          </a:p>
+          <a:p>
+            <a:pPr fontAlgn="base"/>
+            <a:r>
+              <a:rPr lang="en-US" b="1" dirty="0">
+                <a:solidFill>
+                  <a:schemeClr val="tx1"/>
+                </a:solidFill>
+              </a:rPr>
+              <a:t>import </a:t>
+            </a:r>
+            <a:r>
+              <a:rPr lang="en-US" b="1" dirty="0" err="1">
+                <a:solidFill>
+                  <a:schemeClr val="tx1"/>
+                </a:solidFill>
+              </a:rPr>
+              <a:t>numpy</a:t>
+            </a:r>
+            <a:r>
+              <a:rPr lang="en-US" b="1" dirty="0">
+                <a:solidFill>
+                  <a:schemeClr val="tx1"/>
+                </a:solidFill>
+              </a:rPr>
+              <a:t> as np</a:t>
+            </a:r>
+          </a:p>
+          <a:p>
+            <a:pPr fontAlgn="base"/>
+            <a:endParaRPr lang="en-US" b="1" dirty="0">
+              <a:solidFill>
+                <a:schemeClr val="tx1"/>
+              </a:solidFill>
+            </a:endParaRPr>
+          </a:p>
+          <a:p>
+            <a:pPr fontAlgn="base"/>
+            <a:r>
+              <a:rPr lang="en-US" b="1" dirty="0" err="1">
+                <a:solidFill>
+                  <a:schemeClr val="tx1"/>
+                </a:solidFill>
+              </a:rPr>
+              <a:t>identity_matrix</a:t>
+            </a:r>
+            <a:r>
+              <a:rPr lang="en-US" b="1" dirty="0">
+                <a:solidFill>
+                  <a:schemeClr val="tx1"/>
+                </a:solidFill>
+              </a:rPr>
+              <a:t> = </a:t>
+            </a:r>
+            <a:r>
+              <a:rPr lang="en-US" b="1" dirty="0" err="1">
+                <a:solidFill>
+                  <a:schemeClr val="tx1"/>
+                </a:solidFill>
+              </a:rPr>
+              <a:t>np.eye</a:t>
+            </a:r>
+            <a:r>
+              <a:rPr lang="en-US" b="1" dirty="0">
+                <a:solidFill>
+                  <a:schemeClr val="tx1"/>
+                </a:solidFill>
+              </a:rPr>
+              <a:t>(3)</a:t>
+            </a:r>
+          </a:p>
+          <a:p>
+            <a:pPr fontAlgn="base"/>
+            <a:r>
+              <a:rPr lang="en-US" b="1" dirty="0" err="1">
+                <a:solidFill>
+                  <a:schemeClr val="tx1"/>
+                </a:solidFill>
+              </a:rPr>
+              <a:t>diagonal_array</a:t>
+            </a:r>
+            <a:r>
+              <a:rPr lang="en-US" b="1" dirty="0">
+                <a:solidFill>
+                  <a:schemeClr val="tx1"/>
+                </a:solidFill>
+              </a:rPr>
+              <a:t> = </a:t>
+            </a:r>
+            <a:r>
+              <a:rPr lang="en-US" b="1" dirty="0" err="1">
+                <a:solidFill>
+                  <a:schemeClr val="tx1"/>
+                </a:solidFill>
+              </a:rPr>
+              <a:t>np.diag</a:t>
+            </a:r>
+            <a:r>
+              <a:rPr lang="en-US" b="1" dirty="0">
+                <a:solidFill>
+                  <a:schemeClr val="tx1"/>
+                </a:solidFill>
+              </a:rPr>
+              <a:t>([1, 2, 3])</a:t>
+            </a:r>
+          </a:p>
+          <a:p>
+            <a:pPr fontAlgn="base"/>
+            <a:r>
+              <a:rPr lang="en-US" b="1" dirty="0" err="1">
+                <a:solidFill>
+                  <a:schemeClr val="tx1"/>
+                </a:solidFill>
+              </a:rPr>
+              <a:t>zeros_like_array</a:t>
+            </a:r>
+            <a:r>
+              <a:rPr lang="en-US" b="1" dirty="0">
+                <a:solidFill>
+                  <a:schemeClr val="tx1"/>
+                </a:solidFill>
+              </a:rPr>
+              <a:t> = </a:t>
+            </a:r>
+            <a:r>
+              <a:rPr lang="en-US" b="1" dirty="0" err="1">
+                <a:solidFill>
+                  <a:schemeClr val="tx1"/>
+                </a:solidFill>
+              </a:rPr>
+              <a:t>np.zeros_like</a:t>
+            </a:r>
+            <a:r>
+              <a:rPr lang="en-US" b="1" dirty="0">
+                <a:solidFill>
+                  <a:schemeClr val="tx1"/>
+                </a:solidFill>
+              </a:rPr>
+              <a:t>(</a:t>
+            </a:r>
+            <a:r>
+              <a:rPr lang="en-US" b="1" dirty="0" err="1">
+                <a:solidFill>
+                  <a:schemeClr val="tx1"/>
+                </a:solidFill>
+              </a:rPr>
+              <a:t>diagonal_array</a:t>
+            </a:r>
+            <a:r>
+              <a:rPr lang="en-US" b="1" dirty="0">
+                <a:solidFill>
+                  <a:schemeClr val="tx1"/>
+                </a:solidFill>
+              </a:rPr>
+              <a:t>)</a:t>
+            </a:r>
+          </a:p>
+          <a:p>
+            <a:pPr fontAlgn="base"/>
+            <a:r>
+              <a:rPr lang="en-US" b="1" dirty="0" err="1">
+                <a:solidFill>
+                  <a:schemeClr val="tx1"/>
+                </a:solidFill>
+              </a:rPr>
+              <a:t>ones_like_array</a:t>
+            </a:r>
+            <a:r>
+              <a:rPr lang="en-US" b="1" dirty="0">
+                <a:solidFill>
+                  <a:schemeClr val="tx1"/>
+                </a:solidFill>
+              </a:rPr>
+              <a:t> = </a:t>
+            </a:r>
+            <a:r>
+              <a:rPr lang="en-US" b="1" dirty="0" err="1">
+                <a:solidFill>
+                  <a:schemeClr val="tx1"/>
+                </a:solidFill>
+              </a:rPr>
+              <a:t>np.ones_like</a:t>
+            </a:r>
+            <a:r>
+              <a:rPr lang="en-US" b="1" dirty="0">
+                <a:solidFill>
+                  <a:schemeClr val="tx1"/>
+                </a:solidFill>
+              </a:rPr>
+              <a:t>(</a:t>
+            </a:r>
+            <a:r>
+              <a:rPr lang="en-US" b="1" dirty="0" err="1">
+                <a:solidFill>
+                  <a:schemeClr val="tx1"/>
+                </a:solidFill>
+              </a:rPr>
+              <a:t>diagonal_array</a:t>
+            </a:r>
+            <a:r>
+              <a:rPr lang="en-US" b="1" dirty="0">
+                <a:solidFill>
+                  <a:schemeClr val="tx1"/>
+                </a:solidFill>
+              </a:rPr>
+              <a:t>)</a:t>
+            </a:r>
+          </a:p>
+          <a:p>
+            <a:pPr fontAlgn="base"/>
+            <a:endParaRPr lang="en-US" b="1" dirty="0">
+              <a:solidFill>
+                <a:schemeClr val="tx1"/>
+              </a:solidFill>
+            </a:endParaRPr>
+          </a:p>
+          <a:p>
+            <a:pPr fontAlgn="base"/>
+            <a:r>
+              <a:rPr lang="en-US" b="1" dirty="0">
+                <a:solidFill>
+                  <a:schemeClr val="tx1"/>
+                </a:solidFill>
+              </a:rPr>
+              <a:t>print(</a:t>
+            </a:r>
+            <a:r>
+              <a:rPr lang="en-US" b="1" dirty="0" err="1">
+                <a:solidFill>
+                  <a:schemeClr val="tx1"/>
+                </a:solidFill>
+              </a:rPr>
+              <a:t>identity_matrix</a:t>
+            </a:r>
+            <a:r>
+              <a:rPr lang="en-US" b="1" dirty="0">
+                <a:solidFill>
+                  <a:schemeClr val="tx1"/>
+                </a:solidFill>
+              </a:rPr>
+              <a:t>)</a:t>
+            </a:r>
+          </a:p>
+          <a:p>
+            <a:pPr fontAlgn="base"/>
+            <a:r>
+              <a:rPr lang="en-US" b="1" dirty="0">
+                <a:solidFill>
+                  <a:schemeClr val="tx1"/>
+                </a:solidFill>
+              </a:rPr>
+              <a:t>print(</a:t>
+            </a:r>
+            <a:r>
+              <a:rPr lang="en-US" b="1" dirty="0" err="1">
+                <a:solidFill>
+                  <a:schemeClr val="tx1"/>
+                </a:solidFill>
+              </a:rPr>
+              <a:t>diagonal_array</a:t>
+            </a:r>
+            <a:r>
+              <a:rPr lang="en-US" b="1" dirty="0">
+                <a:solidFill>
+                  <a:schemeClr val="tx1"/>
+                </a:solidFill>
+              </a:rPr>
+              <a:t>)</a:t>
+            </a:r>
+          </a:p>
+          <a:p>
+            <a:pPr fontAlgn="base"/>
+            <a:r>
+              <a:rPr lang="en-US" b="1" dirty="0">
+                <a:solidFill>
+                  <a:schemeClr val="tx1"/>
+                </a:solidFill>
+              </a:rPr>
+              <a:t>print(</a:t>
+            </a:r>
+            <a:r>
+              <a:rPr lang="en-US" b="1" dirty="0" err="1">
+                <a:solidFill>
+                  <a:schemeClr val="tx1"/>
+                </a:solidFill>
+              </a:rPr>
+              <a:t>zeros_like_array</a:t>
+            </a:r>
+            <a:r>
+              <a:rPr lang="en-US" b="1" dirty="0">
+                <a:solidFill>
+                  <a:schemeClr val="tx1"/>
+                </a:solidFill>
+              </a:rPr>
+              <a:t>)</a:t>
+            </a:r>
+          </a:p>
+          <a:p>
+            <a:pPr fontAlgn="base"/>
+            <a:r>
+              <a:rPr lang="en-US" b="1" dirty="0">
+                <a:solidFill>
+                  <a:schemeClr val="tx1"/>
+                </a:solidFill>
+              </a:rPr>
+              <a:t>print(</a:t>
+            </a:r>
+            <a:r>
+              <a:rPr lang="en-US" b="1" dirty="0" err="1">
+                <a:solidFill>
+                  <a:schemeClr val="tx1"/>
+                </a:solidFill>
+              </a:rPr>
+              <a:t>ones_like_array</a:t>
+            </a:r>
+            <a:r>
+              <a:rPr lang="en-US" b="1" dirty="0">
+                <a:solidFill>
+                  <a:schemeClr val="tx1"/>
+                </a:solidFill>
+              </a:rPr>
+              <a:t>)</a:t>
+            </a:r>
+          </a:p>
+        </p:txBody>
+      </p:sp>
+    </p:spTree>
+    <p:extLst>
+      <p:ext uri="{BB962C8B-B14F-4D97-AF65-F5344CB8AC3E}">
+        <p14:creationId xmlns:p14="http://schemas.microsoft.com/office/powerpoint/2010/main" val="884211939"/>
+      </p:ext>
+    </p:extLst>
+  </p:cSld>
+  <p:clrMapOvr>
+    <a:masterClrMapping/>
+  </p:clrMapOvr>
+  <p:timing>
+    <p:tnLst>
+      <p:par>
+        <p:cTn id="1" dur="indefinite" restart="never" nodeType="tmRoot"/>
+      </p:par>
+    </p:tnLst>
+  </p:timing>
+</p:sld>
+</file>
+
+<file path=ppt/slides/slide12.xml><?xml version="1.0" encoding="utf-8"?>
+<p:sld xmlns:a="http://schemas.openxmlformats.org/drawingml/2006/main" xmlns:r="http://schemas.openxmlformats.org/officeDocument/2006/relationships" xmlns:p="http://schemas.openxmlformats.org/presentationml/2006/main">
+  <p:cSld>
+    <p:spTree>
+      <p:nvGrpSpPr>
+        <p:cNvPr id="1" name="Shape 102"/>
+        <p:cNvGrpSpPr/>
+        <p:nvPr/>
+      </p:nvGrpSpPr>
+      <p:grpSpPr>
+        <a:xfrm>
+          <a:off x="0" y="0"/>
+          <a:ext cx="0" cy="0"/>
+          <a:chOff x="0" y="0"/>
+          <a:chExt cx="0" cy="0"/>
+        </a:xfrm>
+      </p:grpSpPr>
+      <p:sp>
+        <p:nvSpPr>
+          <p:cNvPr id="103" name="Google Shape;103;p16"/>
+          <p:cNvSpPr txBox="1">
+            <a:spLocks noGrp="1"/>
+          </p:cNvSpPr>
+          <p:nvPr>
+            <p:ph type="title"/>
+          </p:nvPr>
+        </p:nvSpPr>
+        <p:spPr>
+          <a:xfrm>
+            <a:off x="4664" y="-9331"/>
+            <a:ext cx="9144000" cy="523232"/>
+          </a:xfrm>
+          <a:prstGeom prst="rect">
+            <a:avLst/>
+          </a:prstGeom>
+        </p:spPr>
+        <p:txBody>
+          <a:bodyPr spcFirstLastPara="1" wrap="square" lIns="91425" tIns="91425" rIns="91425" bIns="91425" anchor="t" anchorCtr="0">
+            <a:noAutofit/>
+          </a:bodyPr>
+          <a:lstStyle/>
+          <a:p>
+            <a:pPr algn="ctr"/>
+            <a:r>
+              <a:rPr lang="en-US" sz="2400" b="1" dirty="0" smtClean="0"/>
+              <a:t>NUMPY [NUMERICAL PYTHON]</a:t>
+            </a:r>
+            <a:endParaRPr lang="en-US" sz="2400" b="1" dirty="0"/>
+          </a:p>
+        </p:txBody>
+      </p:sp>
+      <p:sp>
+        <p:nvSpPr>
+          <p:cNvPr id="3" name="Rectangle 2"/>
+          <p:cNvSpPr/>
+          <p:nvPr/>
+        </p:nvSpPr>
+        <p:spPr>
+          <a:xfrm>
+            <a:off x="466527" y="452207"/>
+            <a:ext cx="8089641" cy="4401205"/>
+          </a:xfrm>
+          <a:prstGeom prst="rect">
+            <a:avLst/>
+          </a:prstGeom>
+        </p:spPr>
+        <p:txBody>
+          <a:bodyPr wrap="square">
+            <a:spAutoFit/>
+          </a:bodyPr>
+          <a:lstStyle/>
+          <a:p>
+            <a:pPr fontAlgn="base"/>
+            <a:r>
+              <a:rPr lang="en-US" b="1" u="sng" dirty="0" err="1"/>
+              <a:t>Numpy</a:t>
+            </a:r>
+            <a:r>
+              <a:rPr lang="en-US" b="1" u="sng" dirty="0"/>
+              <a:t> Array Indexing</a:t>
+            </a:r>
+          </a:p>
+          <a:p>
+            <a:pPr fontAlgn="base"/>
+            <a:r>
+              <a:rPr lang="en-US" b="1" dirty="0"/>
+              <a:t>Array Indexing in </a:t>
+            </a:r>
+            <a:r>
+              <a:rPr lang="en-US" b="1" dirty="0" err="1"/>
+              <a:t>NumPy</a:t>
+            </a:r>
+            <a:r>
+              <a:rPr lang="en-US" dirty="0"/>
+              <a:t> is used to access or modify specific elements of an </a:t>
+            </a:r>
+            <a:r>
+              <a:rPr lang="en-US" u="sng" dirty="0">
+                <a:hlinkClick r:id="rId3"/>
+              </a:rPr>
+              <a:t>array</a:t>
+            </a:r>
+            <a:r>
+              <a:rPr lang="en-US" dirty="0"/>
+              <a:t>. It allows to retrieve data from arrays by specifying the positions (indices) of elements.</a:t>
+            </a:r>
+            <a:br>
+              <a:rPr lang="en-US" dirty="0"/>
+            </a:br>
+            <a:endParaRPr lang="en-US" dirty="0"/>
+          </a:p>
+          <a:p>
+            <a:pPr fontAlgn="base"/>
+            <a:r>
+              <a:rPr lang="en-US" b="1" u="sng" dirty="0"/>
+              <a:t>Accessing 1D Array</a:t>
+            </a:r>
+          </a:p>
+          <a:p>
+            <a:pPr fontAlgn="base"/>
+            <a:r>
+              <a:rPr lang="en-US" b="1" dirty="0" smtClean="0">
+                <a:solidFill>
+                  <a:schemeClr val="tx1"/>
+                </a:solidFill>
+              </a:rPr>
+              <a:t>import </a:t>
+            </a:r>
+            <a:r>
+              <a:rPr lang="en-US" b="1" dirty="0" err="1">
+                <a:solidFill>
+                  <a:schemeClr val="tx1"/>
+                </a:solidFill>
+              </a:rPr>
+              <a:t>numpy</a:t>
+            </a:r>
+            <a:r>
+              <a:rPr lang="en-US" b="1" dirty="0">
+                <a:solidFill>
+                  <a:schemeClr val="tx1"/>
+                </a:solidFill>
+              </a:rPr>
+              <a:t> as np</a:t>
+            </a:r>
+          </a:p>
+          <a:p>
+            <a:pPr fontAlgn="base"/>
+            <a:endParaRPr lang="en-US" b="1" dirty="0">
+              <a:solidFill>
+                <a:schemeClr val="tx1"/>
+              </a:solidFill>
+            </a:endParaRPr>
+          </a:p>
+          <a:p>
+            <a:pPr fontAlgn="base"/>
+            <a:r>
+              <a:rPr lang="en-US" b="1" dirty="0">
+                <a:solidFill>
+                  <a:schemeClr val="tx1"/>
+                </a:solidFill>
+              </a:rPr>
+              <a:t># Create a 1D </a:t>
+            </a:r>
+            <a:r>
+              <a:rPr lang="en-US" b="1" dirty="0" err="1">
+                <a:solidFill>
+                  <a:schemeClr val="tx1"/>
+                </a:solidFill>
+              </a:rPr>
+              <a:t>NumPy</a:t>
+            </a:r>
+            <a:r>
+              <a:rPr lang="en-US" b="1" dirty="0">
+                <a:solidFill>
+                  <a:schemeClr val="tx1"/>
+                </a:solidFill>
+              </a:rPr>
+              <a:t> array with five elements</a:t>
+            </a:r>
+          </a:p>
+          <a:p>
+            <a:pPr fontAlgn="base"/>
+            <a:r>
+              <a:rPr lang="en-US" b="1" dirty="0" err="1">
+                <a:solidFill>
+                  <a:schemeClr val="tx1"/>
+                </a:solidFill>
+              </a:rPr>
+              <a:t>arr</a:t>
+            </a:r>
+            <a:r>
+              <a:rPr lang="en-US" b="1" dirty="0">
+                <a:solidFill>
+                  <a:schemeClr val="tx1"/>
+                </a:solidFill>
+              </a:rPr>
+              <a:t> = </a:t>
+            </a:r>
+            <a:r>
+              <a:rPr lang="en-US" b="1" dirty="0" err="1">
+                <a:solidFill>
+                  <a:schemeClr val="tx1"/>
+                </a:solidFill>
+              </a:rPr>
+              <a:t>np.array</a:t>
+            </a:r>
+            <a:r>
+              <a:rPr lang="en-US" b="1" dirty="0">
+                <a:solidFill>
+                  <a:schemeClr val="tx1"/>
+                </a:solidFill>
+              </a:rPr>
+              <a:t>([10, 20, 30, 40, 50])</a:t>
+            </a:r>
+          </a:p>
+          <a:p>
+            <a:pPr fontAlgn="base"/>
+            <a:endParaRPr lang="en-US" b="1" dirty="0">
+              <a:solidFill>
+                <a:schemeClr val="tx1"/>
+              </a:solidFill>
+            </a:endParaRPr>
+          </a:p>
+          <a:p>
+            <a:pPr fontAlgn="base"/>
+            <a:r>
+              <a:rPr lang="en-US" b="1" dirty="0">
+                <a:solidFill>
+                  <a:schemeClr val="tx1"/>
+                </a:solidFill>
+              </a:rPr>
+              <a:t># Access and print the first element of the array</a:t>
+            </a:r>
+          </a:p>
+          <a:p>
+            <a:pPr fontAlgn="base"/>
+            <a:r>
+              <a:rPr lang="en-US" b="1" dirty="0">
+                <a:solidFill>
+                  <a:schemeClr val="tx1"/>
+                </a:solidFill>
+              </a:rPr>
+              <a:t>print(</a:t>
+            </a:r>
+            <a:r>
+              <a:rPr lang="en-US" b="1" dirty="0" err="1">
+                <a:solidFill>
+                  <a:schemeClr val="tx1"/>
+                </a:solidFill>
+              </a:rPr>
+              <a:t>arr</a:t>
+            </a:r>
+            <a:r>
+              <a:rPr lang="en-US" b="1" dirty="0">
+                <a:solidFill>
+                  <a:schemeClr val="tx1"/>
+                </a:solidFill>
+              </a:rPr>
+              <a:t>[0</a:t>
+            </a:r>
+            <a:r>
+              <a:rPr lang="en-US" b="1" dirty="0" smtClean="0">
+                <a:solidFill>
+                  <a:schemeClr val="tx1"/>
+                </a:solidFill>
+              </a:rPr>
+              <a:t>])</a:t>
+            </a:r>
+          </a:p>
+          <a:p>
+            <a:pPr fontAlgn="base"/>
+            <a:endParaRPr lang="en-US" b="1" dirty="0">
+              <a:solidFill>
+                <a:schemeClr val="tx1"/>
+              </a:solidFill>
+            </a:endParaRPr>
+          </a:p>
+          <a:p>
+            <a:pPr fontAlgn="base"/>
+            <a:r>
+              <a:rPr lang="en-US" b="1" u="sng" dirty="0"/>
+              <a:t>Access 2-D Array</a:t>
+            </a:r>
+          </a:p>
+          <a:p>
+            <a:pPr fontAlgn="base"/>
+            <a:r>
+              <a:rPr lang="en-US" b="1" dirty="0">
+                <a:solidFill>
+                  <a:schemeClr val="tx1"/>
+                </a:solidFill>
+              </a:rPr>
+              <a:t>import </a:t>
+            </a:r>
+            <a:r>
+              <a:rPr lang="en-US" b="1" dirty="0" err="1">
+                <a:solidFill>
+                  <a:schemeClr val="tx1"/>
+                </a:solidFill>
+              </a:rPr>
+              <a:t>numpy</a:t>
+            </a:r>
+            <a:r>
+              <a:rPr lang="en-US" b="1" dirty="0">
+                <a:solidFill>
+                  <a:schemeClr val="tx1"/>
+                </a:solidFill>
+              </a:rPr>
+              <a:t> as np </a:t>
+            </a:r>
+          </a:p>
+          <a:p>
+            <a:pPr fontAlgn="base"/>
+            <a:r>
+              <a:rPr lang="en-US" b="1" dirty="0" smtClean="0">
+                <a:solidFill>
+                  <a:schemeClr val="tx1"/>
+                </a:solidFill>
+              </a:rPr>
+              <a:t># </a:t>
+            </a:r>
+            <a:r>
+              <a:rPr lang="en-US" b="1" dirty="0">
+                <a:solidFill>
+                  <a:schemeClr val="tx1"/>
+                </a:solidFill>
+              </a:rPr>
+              <a:t>Define a 2D array</a:t>
+            </a:r>
+          </a:p>
+          <a:p>
+            <a:pPr fontAlgn="base"/>
+            <a:r>
+              <a:rPr lang="en-US" b="1" dirty="0">
+                <a:solidFill>
+                  <a:schemeClr val="tx1"/>
+                </a:solidFill>
+              </a:rPr>
+              <a:t>matrix = </a:t>
+            </a:r>
+            <a:r>
+              <a:rPr lang="en-US" b="1" dirty="0" err="1">
+                <a:solidFill>
+                  <a:schemeClr val="tx1"/>
+                </a:solidFill>
+              </a:rPr>
+              <a:t>np.array</a:t>
+            </a:r>
+            <a:r>
+              <a:rPr lang="en-US" b="1" dirty="0">
+                <a:solidFill>
+                  <a:schemeClr val="tx1"/>
+                </a:solidFill>
+              </a:rPr>
+              <a:t>([[1, 2, 3], [4, 5, 6], [7, 8, 9]])</a:t>
+            </a:r>
+          </a:p>
+          <a:p>
+            <a:pPr fontAlgn="base"/>
+            <a:endParaRPr lang="en-US" b="1" dirty="0">
+              <a:solidFill>
+                <a:schemeClr val="tx1"/>
+              </a:solidFill>
+            </a:endParaRPr>
+          </a:p>
+          <a:p>
+            <a:pPr fontAlgn="base"/>
+            <a:r>
+              <a:rPr lang="en-US" b="1" dirty="0">
+                <a:solidFill>
+                  <a:schemeClr val="tx1"/>
+                </a:solidFill>
+              </a:rPr>
+              <a:t># Access the element at row 1, column 2 </a:t>
+            </a:r>
+          </a:p>
+          <a:p>
+            <a:pPr fontAlgn="base"/>
+            <a:r>
+              <a:rPr lang="en-US" b="1" dirty="0">
+                <a:solidFill>
+                  <a:schemeClr val="tx1"/>
+                </a:solidFill>
+              </a:rPr>
+              <a:t>print(matrix[1, 2])</a:t>
+            </a:r>
+          </a:p>
+        </p:txBody>
+      </p:sp>
+    </p:spTree>
+    <p:extLst>
+      <p:ext uri="{BB962C8B-B14F-4D97-AF65-F5344CB8AC3E}">
+        <p14:creationId xmlns:p14="http://schemas.microsoft.com/office/powerpoint/2010/main" val="1143998352"/>
+      </p:ext>
+    </p:extLst>
+  </p:cSld>
+  <p:clrMapOvr>
+    <a:masterClrMapping/>
+  </p:clrMapOvr>
+  <p:timing>
+    <p:tnLst>
+      <p:par>
+        <p:cTn id="1" dur="indefinite" restart="never" nodeType="tmRoot"/>
+      </p:par>
+    </p:tnLst>
+  </p:timing>
+</p:sld>
+</file>
+
+<file path=ppt/slides/slide13.xml><?xml version="1.0" encoding="utf-8"?>
+<p:sld xmlns:a="http://schemas.openxmlformats.org/drawingml/2006/main" xmlns:r="http://schemas.openxmlformats.org/officeDocument/2006/relationships" xmlns:p="http://schemas.openxmlformats.org/presentationml/2006/main">
+  <p:cSld>
+    <p:spTree>
+      <p:nvGrpSpPr>
+        <p:cNvPr id="1" name="Shape 102"/>
+        <p:cNvGrpSpPr/>
+        <p:nvPr/>
+      </p:nvGrpSpPr>
+      <p:grpSpPr>
+        <a:xfrm>
+          <a:off x="0" y="0"/>
+          <a:ext cx="0" cy="0"/>
+          <a:chOff x="0" y="0"/>
+          <a:chExt cx="0" cy="0"/>
+        </a:xfrm>
+      </p:grpSpPr>
+      <p:sp>
+        <p:nvSpPr>
+          <p:cNvPr id="103" name="Google Shape;103;p16"/>
+          <p:cNvSpPr txBox="1">
+            <a:spLocks noGrp="1"/>
+          </p:cNvSpPr>
+          <p:nvPr>
+            <p:ph type="title"/>
+          </p:nvPr>
+        </p:nvSpPr>
+        <p:spPr>
+          <a:xfrm>
+            <a:off x="4664" y="-9331"/>
+            <a:ext cx="9144000" cy="523232"/>
+          </a:xfrm>
+          <a:prstGeom prst="rect">
+            <a:avLst/>
+          </a:prstGeom>
+        </p:spPr>
+        <p:txBody>
+          <a:bodyPr spcFirstLastPara="1" wrap="square" lIns="91425" tIns="91425" rIns="91425" bIns="91425" anchor="t" anchorCtr="0">
+            <a:noAutofit/>
+          </a:bodyPr>
+          <a:lstStyle/>
+          <a:p>
+            <a:pPr algn="ctr"/>
+            <a:r>
+              <a:rPr lang="en-US" sz="2400" b="1" dirty="0" smtClean="0"/>
+              <a:t>NUMPY [NUMERICAL PYTHON]</a:t>
+            </a:r>
+            <a:endParaRPr lang="en-US" sz="2400" b="1" dirty="0"/>
+          </a:p>
+        </p:txBody>
+      </p:sp>
+      <p:sp>
+        <p:nvSpPr>
+          <p:cNvPr id="3" name="Rectangle 2"/>
+          <p:cNvSpPr/>
+          <p:nvPr/>
+        </p:nvSpPr>
+        <p:spPr>
+          <a:xfrm>
+            <a:off x="466527" y="452207"/>
+            <a:ext cx="8089641" cy="4185761"/>
+          </a:xfrm>
+          <a:prstGeom prst="rect">
+            <a:avLst/>
+          </a:prstGeom>
+        </p:spPr>
+        <p:txBody>
+          <a:bodyPr wrap="square">
+            <a:spAutoFit/>
+          </a:bodyPr>
+          <a:lstStyle/>
+          <a:p>
+            <a:pPr fontAlgn="base"/>
+            <a:r>
+              <a:rPr lang="en-US" b="1" u="sng" dirty="0"/>
+              <a:t>Accessing 3D Arrays</a:t>
+            </a:r>
+          </a:p>
+          <a:p>
+            <a:pPr fontAlgn="base"/>
+            <a:r>
+              <a:rPr lang="en-US" dirty="0"/>
+              <a:t>A 3D array can be visualized as a stack of 2D arrays. We need three indices:</a:t>
+            </a:r>
+          </a:p>
+          <a:p>
+            <a:pPr fontAlgn="base"/>
+            <a:r>
+              <a:rPr lang="en-US" b="1" dirty="0"/>
+              <a:t>Depth:</a:t>
+            </a:r>
+            <a:r>
+              <a:rPr lang="en-US" dirty="0"/>
+              <a:t> Specifies the 2D slice.</a:t>
+            </a:r>
+          </a:p>
+          <a:p>
+            <a:pPr fontAlgn="base"/>
+            <a:r>
+              <a:rPr lang="en-US" b="1" dirty="0"/>
+              <a:t>Row:</a:t>
+            </a:r>
+            <a:r>
+              <a:rPr lang="en-US" dirty="0"/>
+              <a:t> Specifies the row within the slice.</a:t>
+            </a:r>
+          </a:p>
+          <a:p>
+            <a:pPr fontAlgn="base"/>
+            <a:r>
+              <a:rPr lang="en-US" b="1" dirty="0"/>
+              <a:t>Column:</a:t>
+            </a:r>
+            <a:r>
+              <a:rPr lang="en-US" dirty="0"/>
+              <a:t> Specifies the column within the row</a:t>
+            </a:r>
+            <a:r>
+              <a:rPr lang="en-US" dirty="0" smtClean="0"/>
+              <a:t>.</a:t>
+            </a:r>
+          </a:p>
+          <a:p>
+            <a:pPr fontAlgn="base"/>
+            <a:endParaRPr lang="en-US" dirty="0"/>
+          </a:p>
+          <a:p>
+            <a:pPr fontAlgn="base"/>
+            <a:r>
+              <a:rPr lang="en-US" b="1" dirty="0">
+                <a:solidFill>
+                  <a:schemeClr val="tx1"/>
+                </a:solidFill>
+              </a:rPr>
+              <a:t>import </a:t>
+            </a:r>
+            <a:r>
+              <a:rPr lang="en-US" b="1" dirty="0" err="1">
+                <a:solidFill>
+                  <a:schemeClr val="tx1"/>
+                </a:solidFill>
+              </a:rPr>
+              <a:t>numpy</a:t>
+            </a:r>
+            <a:r>
+              <a:rPr lang="en-US" b="1" dirty="0">
+                <a:solidFill>
+                  <a:schemeClr val="tx1"/>
+                </a:solidFill>
+              </a:rPr>
+              <a:t> as np</a:t>
+            </a:r>
+          </a:p>
+          <a:p>
+            <a:pPr fontAlgn="base"/>
+            <a:endParaRPr lang="en-US" b="1" dirty="0">
+              <a:solidFill>
+                <a:schemeClr val="tx1"/>
+              </a:solidFill>
+            </a:endParaRPr>
+          </a:p>
+          <a:p>
+            <a:pPr fontAlgn="base"/>
+            <a:r>
+              <a:rPr lang="en-US" b="1" dirty="0">
+                <a:solidFill>
+                  <a:schemeClr val="tx1"/>
+                </a:solidFill>
+              </a:rPr>
+              <a:t>cube = </a:t>
+            </a:r>
+            <a:r>
+              <a:rPr lang="en-US" b="1" dirty="0" err="1">
+                <a:solidFill>
+                  <a:schemeClr val="tx1"/>
+                </a:solidFill>
+              </a:rPr>
+              <a:t>np.array</a:t>
+            </a:r>
+            <a:r>
+              <a:rPr lang="en-US" b="1" dirty="0">
+                <a:solidFill>
+                  <a:schemeClr val="tx1"/>
+                </a:solidFill>
+              </a:rPr>
+              <a:t>([[[1, 2, 3],</a:t>
+            </a:r>
+          </a:p>
+          <a:p>
+            <a:pPr fontAlgn="base"/>
+            <a:r>
+              <a:rPr lang="en-US" b="1" dirty="0">
+                <a:solidFill>
+                  <a:schemeClr val="tx1"/>
+                </a:solidFill>
+              </a:rPr>
+              <a:t>                  [4, 5, 6],</a:t>
+            </a:r>
+          </a:p>
+          <a:p>
+            <a:pPr fontAlgn="base"/>
+            <a:r>
+              <a:rPr lang="en-US" b="1" dirty="0">
+                <a:solidFill>
+                  <a:schemeClr val="tx1"/>
+                </a:solidFill>
+              </a:rPr>
+              <a:t>                  [7, 8, 9]],</a:t>
+            </a:r>
+          </a:p>
+          <a:p>
+            <a:pPr fontAlgn="base"/>
+            <a:r>
+              <a:rPr lang="en-US" b="1" dirty="0">
+                <a:solidFill>
+                  <a:schemeClr val="tx1"/>
+                </a:solidFill>
+              </a:rPr>
+              <a:t>                 </a:t>
+            </a:r>
+          </a:p>
+          <a:p>
+            <a:pPr fontAlgn="base"/>
+            <a:r>
+              <a:rPr lang="en-US" b="1" dirty="0">
+                <a:solidFill>
+                  <a:schemeClr val="tx1"/>
+                </a:solidFill>
+              </a:rPr>
+              <a:t>                 [[10, 11, 12],</a:t>
+            </a:r>
+          </a:p>
+          <a:p>
+            <a:pPr fontAlgn="base"/>
+            <a:r>
+              <a:rPr lang="en-US" b="1" dirty="0">
+                <a:solidFill>
+                  <a:schemeClr val="tx1"/>
+                </a:solidFill>
+              </a:rPr>
+              <a:t>                  [13, 14, 15],</a:t>
+            </a:r>
+          </a:p>
+          <a:p>
+            <a:pPr fontAlgn="base"/>
+            <a:r>
+              <a:rPr lang="en-US" b="1" dirty="0">
+                <a:solidFill>
+                  <a:schemeClr val="tx1"/>
+                </a:solidFill>
+              </a:rPr>
+              <a:t>                  [16, 17, 18]]])</a:t>
+            </a:r>
+          </a:p>
+          <a:p>
+            <a:pPr fontAlgn="base"/>
+            <a:endParaRPr lang="en-US" b="1" dirty="0">
+              <a:solidFill>
+                <a:schemeClr val="tx1"/>
+              </a:solidFill>
+            </a:endParaRPr>
+          </a:p>
+          <a:p>
+            <a:pPr fontAlgn="base"/>
+            <a:r>
+              <a:rPr lang="en-US" b="1" dirty="0">
+                <a:solidFill>
+                  <a:schemeClr val="tx1"/>
+                </a:solidFill>
+              </a:rPr>
+              <a:t># Access the element at depth 1, row 2, column 0</a:t>
+            </a:r>
+          </a:p>
+          <a:p>
+            <a:pPr fontAlgn="base"/>
+            <a:r>
+              <a:rPr lang="en-US" b="1" dirty="0">
+                <a:solidFill>
+                  <a:schemeClr val="tx1"/>
+                </a:solidFill>
+              </a:rPr>
+              <a:t>print(cube[1, 2, 0])</a:t>
+            </a:r>
+          </a:p>
+          <a:p>
+            <a:pPr fontAlgn="base"/>
+            <a:endParaRPr lang="en-US" b="1" dirty="0">
+              <a:solidFill>
+                <a:schemeClr val="tx1"/>
+              </a:solidFill>
+            </a:endParaRPr>
+          </a:p>
+        </p:txBody>
+      </p:sp>
+    </p:spTree>
+    <p:extLst>
+      <p:ext uri="{BB962C8B-B14F-4D97-AF65-F5344CB8AC3E}">
+        <p14:creationId xmlns:p14="http://schemas.microsoft.com/office/powerpoint/2010/main" val="518117206"/>
+      </p:ext>
+    </p:extLst>
+  </p:cSld>
+  <p:clrMapOvr>
+    <a:masterClrMapping/>
+  </p:clrMapOvr>
+  <p:timing>
+    <p:tnLst>
+      <p:par>
+        <p:cTn id="1" dur="indefinite" restart="never" nodeType="tmRoot"/>
+      </p:par>
+    </p:tnLst>
+  </p:timing>
+</p:sld>
+</file>
+
+<file path=ppt/slides/slide14.xml><?xml version="1.0" encoding="utf-8"?>
+<p:sld xmlns:a="http://schemas.openxmlformats.org/drawingml/2006/main" xmlns:r="http://schemas.openxmlformats.org/officeDocument/2006/relationships" xmlns:p="http://schemas.openxmlformats.org/presentationml/2006/main">
+  <p:cSld>
+    <p:spTree>
+      <p:nvGrpSpPr>
+        <p:cNvPr id="1" name="Shape 102"/>
+        <p:cNvGrpSpPr/>
+        <p:nvPr/>
+      </p:nvGrpSpPr>
+      <p:grpSpPr>
+        <a:xfrm>
+          <a:off x="0" y="0"/>
+          <a:ext cx="0" cy="0"/>
+          <a:chOff x="0" y="0"/>
+          <a:chExt cx="0" cy="0"/>
+        </a:xfrm>
+      </p:grpSpPr>
+      <p:sp>
+        <p:nvSpPr>
+          <p:cNvPr id="103" name="Google Shape;103;p16"/>
+          <p:cNvSpPr txBox="1">
+            <a:spLocks noGrp="1"/>
+          </p:cNvSpPr>
+          <p:nvPr>
+            <p:ph type="title"/>
+          </p:nvPr>
+        </p:nvSpPr>
+        <p:spPr>
+          <a:xfrm>
+            <a:off x="4664" y="-9331"/>
+            <a:ext cx="9144000" cy="523232"/>
+          </a:xfrm>
+          <a:prstGeom prst="rect">
+            <a:avLst/>
+          </a:prstGeom>
+        </p:spPr>
+        <p:txBody>
+          <a:bodyPr spcFirstLastPara="1" wrap="square" lIns="91425" tIns="91425" rIns="91425" bIns="91425" anchor="t" anchorCtr="0">
+            <a:noAutofit/>
+          </a:bodyPr>
+          <a:lstStyle/>
+          <a:p>
+            <a:pPr algn="ctr"/>
+            <a:r>
+              <a:rPr lang="en-US" sz="2400" b="1" dirty="0" smtClean="0"/>
+              <a:t>NUMPY [NUMERICAL PYTHON]</a:t>
+            </a:r>
+            <a:endParaRPr lang="en-US" sz="2400" b="1" dirty="0"/>
+          </a:p>
+        </p:txBody>
+      </p:sp>
+      <p:sp>
+        <p:nvSpPr>
+          <p:cNvPr id="3" name="Rectangle 2"/>
+          <p:cNvSpPr/>
+          <p:nvPr/>
+        </p:nvSpPr>
+        <p:spPr>
+          <a:xfrm>
+            <a:off x="466527" y="452207"/>
+            <a:ext cx="8089641" cy="4401205"/>
+          </a:xfrm>
+          <a:prstGeom prst="rect">
+            <a:avLst/>
+          </a:prstGeom>
+        </p:spPr>
+        <p:txBody>
+          <a:bodyPr wrap="square">
+            <a:spAutoFit/>
+          </a:bodyPr>
+          <a:lstStyle/>
+          <a:p>
+            <a:pPr fontAlgn="base"/>
+            <a:r>
+              <a:rPr lang="en-US" b="1" u="sng" dirty="0"/>
+              <a:t>Slicing </a:t>
+            </a:r>
+            <a:r>
+              <a:rPr lang="en-US" b="1" u="sng" dirty="0" smtClean="0"/>
+              <a:t>Arrays</a:t>
+            </a:r>
+          </a:p>
+          <a:p>
+            <a:pPr fontAlgn="base"/>
+            <a:r>
+              <a:rPr lang="en-US" dirty="0"/>
+              <a:t>We can extract a subset of elements using the </a:t>
+            </a:r>
+            <a:r>
+              <a:rPr lang="en-US" b="1" dirty="0" err="1"/>
+              <a:t>start:stop:step</a:t>
+            </a:r>
+            <a:r>
+              <a:rPr lang="en-US" dirty="0"/>
+              <a:t> syntax</a:t>
+            </a:r>
+            <a:r>
+              <a:rPr lang="en-US" dirty="0" smtClean="0"/>
+              <a:t>:</a:t>
+            </a:r>
+          </a:p>
+          <a:p>
+            <a:pPr fontAlgn="base"/>
+            <a:endParaRPr lang="en-US" b="1" u="sng" dirty="0"/>
+          </a:p>
+          <a:p>
+            <a:pPr fontAlgn="base"/>
+            <a:r>
+              <a:rPr lang="en-US" b="1" dirty="0">
+                <a:solidFill>
+                  <a:schemeClr val="tx1"/>
+                </a:solidFill>
+              </a:rPr>
+              <a:t>import </a:t>
+            </a:r>
+            <a:r>
+              <a:rPr lang="en-US" b="1" dirty="0" err="1">
+                <a:solidFill>
+                  <a:schemeClr val="tx1"/>
+                </a:solidFill>
+              </a:rPr>
+              <a:t>numpy</a:t>
+            </a:r>
+            <a:r>
+              <a:rPr lang="en-US" b="1" dirty="0">
+                <a:solidFill>
+                  <a:schemeClr val="tx1"/>
+                </a:solidFill>
+              </a:rPr>
+              <a:t> as np</a:t>
+            </a:r>
+          </a:p>
+          <a:p>
+            <a:pPr fontAlgn="base"/>
+            <a:endParaRPr lang="en-US" b="1" dirty="0">
+              <a:solidFill>
+                <a:schemeClr val="tx1"/>
+              </a:solidFill>
+            </a:endParaRPr>
+          </a:p>
+          <a:p>
+            <a:pPr fontAlgn="base"/>
+            <a:r>
+              <a:rPr lang="en-US" b="1" dirty="0">
+                <a:solidFill>
+                  <a:schemeClr val="tx1"/>
+                </a:solidFill>
+              </a:rPr>
+              <a:t># Create a 1D </a:t>
+            </a:r>
+            <a:r>
+              <a:rPr lang="en-US" b="1" dirty="0" err="1">
+                <a:solidFill>
+                  <a:schemeClr val="tx1"/>
+                </a:solidFill>
+              </a:rPr>
+              <a:t>NumPy</a:t>
+            </a:r>
+            <a:r>
+              <a:rPr lang="en-US" b="1" dirty="0">
+                <a:solidFill>
+                  <a:schemeClr val="tx1"/>
+                </a:solidFill>
+              </a:rPr>
+              <a:t> array with six elements</a:t>
+            </a:r>
+          </a:p>
+          <a:p>
+            <a:pPr fontAlgn="base"/>
+            <a:r>
+              <a:rPr lang="en-US" b="1" dirty="0" err="1">
+                <a:solidFill>
+                  <a:schemeClr val="tx1"/>
+                </a:solidFill>
+              </a:rPr>
+              <a:t>arr</a:t>
+            </a:r>
+            <a:r>
+              <a:rPr lang="en-US" b="1" dirty="0">
+                <a:solidFill>
+                  <a:schemeClr val="tx1"/>
+                </a:solidFill>
+              </a:rPr>
+              <a:t> = </a:t>
+            </a:r>
+            <a:r>
+              <a:rPr lang="en-US" b="1" dirty="0" err="1">
+                <a:solidFill>
+                  <a:schemeClr val="tx1"/>
+                </a:solidFill>
+              </a:rPr>
+              <a:t>np.array</a:t>
+            </a:r>
+            <a:r>
+              <a:rPr lang="en-US" b="1" dirty="0">
+                <a:solidFill>
+                  <a:schemeClr val="tx1"/>
+                </a:solidFill>
+              </a:rPr>
+              <a:t>([0, 1, 2, 3, 4, 5])</a:t>
+            </a:r>
+          </a:p>
+          <a:p>
+            <a:pPr fontAlgn="base"/>
+            <a:endParaRPr lang="en-US" b="1" dirty="0">
+              <a:solidFill>
+                <a:schemeClr val="tx1"/>
+              </a:solidFill>
+            </a:endParaRPr>
+          </a:p>
+          <a:p>
+            <a:pPr fontAlgn="base"/>
+            <a:r>
+              <a:rPr lang="en-US" b="1" dirty="0">
+                <a:solidFill>
+                  <a:schemeClr val="tx1"/>
+                </a:solidFill>
+              </a:rPr>
+              <a:t># Use slicing to access a subset of the array</a:t>
+            </a:r>
+          </a:p>
+          <a:p>
+            <a:pPr fontAlgn="base"/>
+            <a:r>
+              <a:rPr lang="en-US" b="1" dirty="0">
+                <a:solidFill>
+                  <a:schemeClr val="tx1"/>
+                </a:solidFill>
+              </a:rPr>
+              <a:t>print(</a:t>
+            </a:r>
+            <a:r>
+              <a:rPr lang="en-US" b="1" dirty="0" err="1">
+                <a:solidFill>
+                  <a:schemeClr val="tx1"/>
+                </a:solidFill>
+              </a:rPr>
+              <a:t>arr</a:t>
+            </a:r>
+            <a:r>
+              <a:rPr lang="en-US" b="1" dirty="0">
+                <a:solidFill>
+                  <a:schemeClr val="tx1"/>
+                </a:solidFill>
+              </a:rPr>
+              <a:t>[1:4</a:t>
+            </a:r>
+            <a:r>
+              <a:rPr lang="en-US" b="1" dirty="0" smtClean="0">
+                <a:solidFill>
+                  <a:schemeClr val="tx1"/>
+                </a:solidFill>
+              </a:rPr>
+              <a:t>])</a:t>
+            </a:r>
+          </a:p>
+          <a:p>
+            <a:pPr fontAlgn="base"/>
+            <a:endParaRPr lang="en-US" b="1" dirty="0">
+              <a:solidFill>
+                <a:schemeClr val="tx1"/>
+              </a:solidFill>
+            </a:endParaRPr>
+          </a:p>
+          <a:p>
+            <a:pPr fontAlgn="base"/>
+            <a:r>
+              <a:rPr lang="en-US" dirty="0"/>
+              <a:t>For multidimensional arrays, </a:t>
+            </a:r>
+            <a:r>
+              <a:rPr lang="en-US" u="sng" dirty="0">
+                <a:hlinkClick r:id="rId3"/>
+              </a:rPr>
+              <a:t>slicing</a:t>
+            </a:r>
+            <a:r>
+              <a:rPr lang="en-US" dirty="0"/>
+              <a:t> can be applied to each dimension</a:t>
+            </a:r>
+            <a:r>
+              <a:rPr lang="en-US" dirty="0" smtClean="0"/>
+              <a:t>:.</a:t>
+            </a:r>
+          </a:p>
+          <a:p>
+            <a:pPr fontAlgn="base"/>
+            <a:endParaRPr lang="en-US" b="1" dirty="0">
+              <a:solidFill>
+                <a:schemeClr val="tx1"/>
+              </a:solidFill>
+            </a:endParaRPr>
+          </a:p>
+          <a:p>
+            <a:pPr fontAlgn="base"/>
+            <a:r>
+              <a:rPr lang="en-US" b="1" dirty="0">
+                <a:solidFill>
+                  <a:schemeClr val="tx1"/>
+                </a:solidFill>
+              </a:rPr>
+              <a:t>import </a:t>
+            </a:r>
+            <a:r>
+              <a:rPr lang="en-US" b="1" dirty="0" err="1">
+                <a:solidFill>
+                  <a:schemeClr val="tx1"/>
+                </a:solidFill>
+              </a:rPr>
+              <a:t>numpy</a:t>
+            </a:r>
+            <a:r>
+              <a:rPr lang="en-US" b="1" dirty="0">
+                <a:solidFill>
+                  <a:schemeClr val="tx1"/>
+                </a:solidFill>
+              </a:rPr>
+              <a:t> as np</a:t>
+            </a:r>
+          </a:p>
+          <a:p>
+            <a:pPr fontAlgn="base"/>
+            <a:endParaRPr lang="en-US" b="1" dirty="0">
+              <a:solidFill>
+                <a:schemeClr val="tx1"/>
+              </a:solidFill>
+            </a:endParaRPr>
+          </a:p>
+          <a:p>
+            <a:pPr fontAlgn="base"/>
+            <a:r>
+              <a:rPr lang="en-US" b="1" dirty="0">
+                <a:solidFill>
+                  <a:schemeClr val="tx1"/>
+                </a:solidFill>
+              </a:rPr>
+              <a:t># Create a 2D </a:t>
+            </a:r>
+            <a:r>
+              <a:rPr lang="en-US" b="1" dirty="0" err="1">
+                <a:solidFill>
+                  <a:schemeClr val="tx1"/>
+                </a:solidFill>
+              </a:rPr>
+              <a:t>NumPy</a:t>
+            </a:r>
+            <a:r>
+              <a:rPr lang="en-US" b="1" dirty="0">
+                <a:solidFill>
+                  <a:schemeClr val="tx1"/>
+                </a:solidFill>
+              </a:rPr>
+              <a:t> array (matrix) with three rows and three columns</a:t>
+            </a:r>
+          </a:p>
+          <a:p>
+            <a:pPr fontAlgn="base"/>
+            <a:r>
+              <a:rPr lang="en-US" b="1" dirty="0">
+                <a:solidFill>
+                  <a:schemeClr val="tx1"/>
+                </a:solidFill>
+              </a:rPr>
+              <a:t>matrix = </a:t>
+            </a:r>
+            <a:r>
+              <a:rPr lang="en-US" b="1" dirty="0" err="1">
+                <a:solidFill>
+                  <a:schemeClr val="tx1"/>
+                </a:solidFill>
+              </a:rPr>
+              <a:t>np.array</a:t>
+            </a:r>
+            <a:r>
+              <a:rPr lang="en-US" b="1" dirty="0">
+                <a:solidFill>
+                  <a:schemeClr val="tx1"/>
+                </a:solidFill>
+              </a:rPr>
+              <a:t>([[1, 2, 3], [4, 5, 6], [7, 8, 9]])</a:t>
+            </a:r>
+          </a:p>
+          <a:p>
+            <a:pPr fontAlgn="base"/>
+            <a:endParaRPr lang="en-US" b="1" dirty="0">
+              <a:solidFill>
+                <a:schemeClr val="tx1"/>
+              </a:solidFill>
+            </a:endParaRPr>
+          </a:p>
+          <a:p>
+            <a:pPr fontAlgn="base"/>
+            <a:r>
+              <a:rPr lang="en-US" b="1" dirty="0">
+                <a:solidFill>
+                  <a:schemeClr val="tx1"/>
+                </a:solidFill>
+              </a:rPr>
+              <a:t># Use slicing to extract a </a:t>
+            </a:r>
+            <a:r>
+              <a:rPr lang="en-US" b="1" dirty="0" err="1">
+                <a:solidFill>
+                  <a:schemeClr val="tx1"/>
+                </a:solidFill>
+              </a:rPr>
+              <a:t>submatrix</a:t>
+            </a:r>
+            <a:endParaRPr lang="en-US" b="1" dirty="0">
+              <a:solidFill>
+                <a:schemeClr val="tx1"/>
+              </a:solidFill>
+            </a:endParaRPr>
+          </a:p>
+          <a:p>
+            <a:pPr fontAlgn="base"/>
+            <a:r>
+              <a:rPr lang="en-US" b="1" dirty="0">
+                <a:solidFill>
+                  <a:schemeClr val="tx1"/>
+                </a:solidFill>
+              </a:rPr>
+              <a:t>print(matrix[0:2, 1:3])</a:t>
+            </a:r>
+          </a:p>
+        </p:txBody>
+      </p:sp>
+    </p:spTree>
+    <p:extLst>
+      <p:ext uri="{BB962C8B-B14F-4D97-AF65-F5344CB8AC3E}">
+        <p14:creationId xmlns:p14="http://schemas.microsoft.com/office/powerpoint/2010/main" val="686743400"/>
+      </p:ext>
+    </p:extLst>
+  </p:cSld>
+  <p:clrMapOvr>
+    <a:masterClrMapping/>
+  </p:clrMapOvr>
+  <p:timing>
+    <p:tnLst>
+      <p:par>
+        <p:cTn id="1" dur="indefinite" restart="never" nodeType="tmRoot"/>
+      </p:par>
+    </p:tnLst>
+  </p:timing>
+</p:sld>
+</file>
+
+<file path=ppt/slides/slide15.xml><?xml version="1.0" encoding="utf-8"?>
+<p:sld xmlns:a="http://schemas.openxmlformats.org/drawingml/2006/main" xmlns:r="http://schemas.openxmlformats.org/officeDocument/2006/relationships" xmlns:p="http://schemas.openxmlformats.org/presentationml/2006/main">
+  <p:cSld>
+    <p:spTree>
+      <p:nvGrpSpPr>
+        <p:cNvPr id="1" name="Shape 102"/>
+        <p:cNvGrpSpPr/>
+        <p:nvPr/>
+      </p:nvGrpSpPr>
+      <p:grpSpPr>
+        <a:xfrm>
+          <a:off x="0" y="0"/>
+          <a:ext cx="0" cy="0"/>
+          <a:chOff x="0" y="0"/>
+          <a:chExt cx="0" cy="0"/>
+        </a:xfrm>
+      </p:grpSpPr>
+      <p:sp>
+        <p:nvSpPr>
+          <p:cNvPr id="103" name="Google Shape;103;p16"/>
+          <p:cNvSpPr txBox="1">
+            <a:spLocks noGrp="1"/>
+          </p:cNvSpPr>
+          <p:nvPr>
+            <p:ph type="title"/>
+          </p:nvPr>
+        </p:nvSpPr>
+        <p:spPr>
+          <a:xfrm>
+            <a:off x="0" y="3650"/>
+            <a:ext cx="9144000" cy="523232"/>
+          </a:xfrm>
+          <a:prstGeom prst="rect">
+            <a:avLst/>
+          </a:prstGeom>
+        </p:spPr>
+        <p:txBody>
+          <a:bodyPr spcFirstLastPara="1" wrap="square" lIns="91425" tIns="91425" rIns="91425" bIns="91425" anchor="t" anchorCtr="0">
+            <a:noAutofit/>
+          </a:bodyPr>
+          <a:lstStyle/>
+          <a:p>
+            <a:pPr algn="ctr"/>
+            <a:r>
+              <a:rPr lang="en-US" sz="2400" b="1" dirty="0" smtClean="0"/>
+              <a:t>NUMPY [NUMERICAL PYTHON]</a:t>
+            </a:r>
+            <a:endParaRPr lang="en-US" sz="2400" b="1" dirty="0"/>
+          </a:p>
+        </p:txBody>
+      </p:sp>
+      <p:sp>
+        <p:nvSpPr>
+          <p:cNvPr id="3" name="Rectangle 2"/>
+          <p:cNvSpPr/>
+          <p:nvPr/>
+        </p:nvSpPr>
+        <p:spPr>
+          <a:xfrm>
+            <a:off x="466529" y="544225"/>
+            <a:ext cx="8089641" cy="2862322"/>
+          </a:xfrm>
+          <a:prstGeom prst="rect">
+            <a:avLst/>
+          </a:prstGeom>
+        </p:spPr>
+        <p:txBody>
+          <a:bodyPr wrap="square">
+            <a:spAutoFit/>
+          </a:bodyPr>
+          <a:lstStyle/>
+          <a:p>
+            <a:r>
+              <a:rPr lang="en-US" sz="1200" b="1" u="sng" dirty="0"/>
+              <a:t>Check Number of Dimensions?</a:t>
+            </a:r>
+          </a:p>
+          <a:p>
+            <a:r>
+              <a:rPr lang="en-US" sz="1200" dirty="0" err="1"/>
+              <a:t>NumPy</a:t>
+            </a:r>
+            <a:r>
+              <a:rPr lang="en-US" sz="1200" dirty="0"/>
+              <a:t> Arrays provides the </a:t>
+            </a:r>
+            <a:r>
+              <a:rPr lang="en-US" sz="1200" dirty="0" err="1"/>
+              <a:t>ndim</a:t>
+            </a:r>
+            <a:r>
+              <a:rPr lang="en-US" sz="1200" dirty="0"/>
+              <a:t> attribute that returns an integer that tells us how many dimensions the array have</a:t>
+            </a:r>
+            <a:r>
+              <a:rPr lang="en-US" sz="1200" dirty="0" smtClean="0"/>
+              <a:t>.</a:t>
+            </a:r>
+          </a:p>
+          <a:p>
+            <a:endParaRPr lang="en-US" sz="1200" dirty="0"/>
+          </a:p>
+          <a:p>
+            <a:r>
+              <a:rPr lang="en-US" sz="1200" b="1" dirty="0">
+                <a:solidFill>
+                  <a:schemeClr val="tx1"/>
+                </a:solidFill>
+              </a:rPr>
+              <a:t>import </a:t>
+            </a:r>
+            <a:r>
+              <a:rPr lang="en-US" sz="1200" b="1" dirty="0" err="1">
+                <a:solidFill>
+                  <a:schemeClr val="tx1"/>
+                </a:solidFill>
+              </a:rPr>
+              <a:t>numpy</a:t>
+            </a:r>
+            <a:r>
+              <a:rPr lang="en-US" sz="1200" b="1" dirty="0">
+                <a:solidFill>
+                  <a:schemeClr val="tx1"/>
+                </a:solidFill>
+              </a:rPr>
+              <a:t> as np</a:t>
+            </a:r>
+            <a:br>
+              <a:rPr lang="en-US" sz="1200" b="1" dirty="0">
+                <a:solidFill>
+                  <a:schemeClr val="tx1"/>
+                </a:solidFill>
+              </a:rPr>
+            </a:br>
+            <a:r>
+              <a:rPr lang="en-US" sz="1200" b="1" dirty="0">
+                <a:solidFill>
+                  <a:schemeClr val="tx1"/>
+                </a:solidFill>
+              </a:rPr>
+              <a:t/>
+            </a:r>
+            <a:br>
+              <a:rPr lang="en-US" sz="1200" b="1" dirty="0">
+                <a:solidFill>
+                  <a:schemeClr val="tx1"/>
+                </a:solidFill>
+              </a:rPr>
+            </a:br>
+            <a:r>
+              <a:rPr lang="en-US" sz="1200" b="1" dirty="0">
+                <a:solidFill>
+                  <a:schemeClr val="tx1"/>
+                </a:solidFill>
+              </a:rPr>
+              <a:t>a = </a:t>
+            </a:r>
+            <a:r>
+              <a:rPr lang="en-US" sz="1200" b="1" dirty="0" err="1">
+                <a:solidFill>
+                  <a:schemeClr val="tx1"/>
+                </a:solidFill>
+              </a:rPr>
+              <a:t>np.array</a:t>
+            </a:r>
+            <a:r>
+              <a:rPr lang="en-US" sz="1200" b="1" dirty="0">
+                <a:solidFill>
+                  <a:schemeClr val="tx1"/>
+                </a:solidFill>
+              </a:rPr>
+              <a:t>(42)</a:t>
+            </a:r>
+            <a:br>
+              <a:rPr lang="en-US" sz="1200" b="1" dirty="0">
+                <a:solidFill>
+                  <a:schemeClr val="tx1"/>
+                </a:solidFill>
+              </a:rPr>
+            </a:br>
+            <a:r>
+              <a:rPr lang="en-US" sz="1200" b="1" dirty="0">
+                <a:solidFill>
+                  <a:schemeClr val="tx1"/>
+                </a:solidFill>
+              </a:rPr>
+              <a:t>b = </a:t>
+            </a:r>
+            <a:r>
+              <a:rPr lang="en-US" sz="1200" b="1" dirty="0" err="1">
+                <a:solidFill>
+                  <a:schemeClr val="tx1"/>
+                </a:solidFill>
+              </a:rPr>
+              <a:t>np.array</a:t>
+            </a:r>
+            <a:r>
+              <a:rPr lang="en-US" sz="1200" b="1" dirty="0">
+                <a:solidFill>
+                  <a:schemeClr val="tx1"/>
+                </a:solidFill>
+              </a:rPr>
+              <a:t>([1, 2, 3, 4, 5])</a:t>
+            </a:r>
+            <a:br>
+              <a:rPr lang="en-US" sz="1200" b="1" dirty="0">
+                <a:solidFill>
+                  <a:schemeClr val="tx1"/>
+                </a:solidFill>
+              </a:rPr>
+            </a:br>
+            <a:r>
+              <a:rPr lang="en-US" sz="1200" b="1" dirty="0">
+                <a:solidFill>
+                  <a:schemeClr val="tx1"/>
+                </a:solidFill>
+              </a:rPr>
+              <a:t>c = </a:t>
+            </a:r>
+            <a:r>
+              <a:rPr lang="en-US" sz="1200" b="1" dirty="0" err="1">
+                <a:solidFill>
+                  <a:schemeClr val="tx1"/>
+                </a:solidFill>
+              </a:rPr>
+              <a:t>np.array</a:t>
+            </a:r>
+            <a:r>
+              <a:rPr lang="en-US" sz="1200" b="1" dirty="0">
+                <a:solidFill>
+                  <a:schemeClr val="tx1"/>
+                </a:solidFill>
+              </a:rPr>
+              <a:t>([[1, 2, 3], [4, 5, 6]])</a:t>
+            </a:r>
+            <a:br>
+              <a:rPr lang="en-US" sz="1200" b="1" dirty="0">
+                <a:solidFill>
+                  <a:schemeClr val="tx1"/>
+                </a:solidFill>
+              </a:rPr>
+            </a:br>
+            <a:r>
+              <a:rPr lang="en-US" sz="1200" b="1" dirty="0">
+                <a:solidFill>
+                  <a:schemeClr val="tx1"/>
+                </a:solidFill>
+              </a:rPr>
+              <a:t>d = </a:t>
+            </a:r>
+            <a:r>
+              <a:rPr lang="en-US" sz="1200" b="1" dirty="0" err="1">
+                <a:solidFill>
+                  <a:schemeClr val="tx1"/>
+                </a:solidFill>
+              </a:rPr>
+              <a:t>np.array</a:t>
+            </a:r>
+            <a:r>
+              <a:rPr lang="en-US" sz="1200" b="1" dirty="0">
+                <a:solidFill>
+                  <a:schemeClr val="tx1"/>
+                </a:solidFill>
+              </a:rPr>
+              <a:t>([[[1, 2, 3], [4, 5, 6]], [[1, 2, 3], [4, 5, 6]]])</a:t>
+            </a:r>
+            <a:br>
+              <a:rPr lang="en-US" sz="1200" b="1" dirty="0">
+                <a:solidFill>
+                  <a:schemeClr val="tx1"/>
+                </a:solidFill>
+              </a:rPr>
+            </a:br>
+            <a:r>
+              <a:rPr lang="en-US" sz="1200" b="1" dirty="0">
+                <a:solidFill>
+                  <a:schemeClr val="tx1"/>
+                </a:solidFill>
+              </a:rPr>
+              <a:t/>
+            </a:r>
+            <a:br>
+              <a:rPr lang="en-US" sz="1200" b="1" dirty="0">
+                <a:solidFill>
+                  <a:schemeClr val="tx1"/>
+                </a:solidFill>
+              </a:rPr>
+            </a:br>
+            <a:r>
+              <a:rPr lang="en-US" sz="1200" b="1" dirty="0">
+                <a:solidFill>
+                  <a:schemeClr val="tx1"/>
+                </a:solidFill>
+              </a:rPr>
+              <a:t>print(</a:t>
+            </a:r>
+            <a:r>
+              <a:rPr lang="en-US" sz="1200" b="1" dirty="0" err="1">
+                <a:solidFill>
+                  <a:schemeClr val="tx1"/>
+                </a:solidFill>
+              </a:rPr>
+              <a:t>a.ndim</a:t>
+            </a:r>
+            <a:r>
+              <a:rPr lang="en-US" sz="1200" b="1" dirty="0">
+                <a:solidFill>
+                  <a:schemeClr val="tx1"/>
+                </a:solidFill>
+              </a:rPr>
+              <a:t>)</a:t>
+            </a:r>
+            <a:br>
+              <a:rPr lang="en-US" sz="1200" b="1" dirty="0">
+                <a:solidFill>
+                  <a:schemeClr val="tx1"/>
+                </a:solidFill>
+              </a:rPr>
+            </a:br>
+            <a:r>
+              <a:rPr lang="en-US" sz="1200" b="1" dirty="0">
+                <a:solidFill>
+                  <a:schemeClr val="tx1"/>
+                </a:solidFill>
+              </a:rPr>
+              <a:t>print(</a:t>
+            </a:r>
+            <a:r>
+              <a:rPr lang="en-US" sz="1200" b="1" dirty="0" err="1">
+                <a:solidFill>
+                  <a:schemeClr val="tx1"/>
+                </a:solidFill>
+              </a:rPr>
+              <a:t>b.ndim</a:t>
+            </a:r>
+            <a:r>
+              <a:rPr lang="en-US" sz="1200" b="1" dirty="0">
+                <a:solidFill>
+                  <a:schemeClr val="tx1"/>
+                </a:solidFill>
+              </a:rPr>
+              <a:t>)</a:t>
+            </a:r>
+            <a:br>
+              <a:rPr lang="en-US" sz="1200" b="1" dirty="0">
+                <a:solidFill>
+                  <a:schemeClr val="tx1"/>
+                </a:solidFill>
+              </a:rPr>
+            </a:br>
+            <a:r>
+              <a:rPr lang="en-US" sz="1200" b="1" dirty="0">
+                <a:solidFill>
+                  <a:schemeClr val="tx1"/>
+                </a:solidFill>
+              </a:rPr>
+              <a:t>print(</a:t>
+            </a:r>
+            <a:r>
+              <a:rPr lang="en-US" sz="1200" b="1" dirty="0" err="1">
+                <a:solidFill>
+                  <a:schemeClr val="tx1"/>
+                </a:solidFill>
+              </a:rPr>
+              <a:t>c.ndim</a:t>
+            </a:r>
+            <a:r>
+              <a:rPr lang="en-US" sz="1200" b="1" dirty="0">
+                <a:solidFill>
+                  <a:schemeClr val="tx1"/>
+                </a:solidFill>
+              </a:rPr>
+              <a:t>)</a:t>
+            </a:r>
+            <a:br>
+              <a:rPr lang="en-US" sz="1200" b="1" dirty="0">
+                <a:solidFill>
+                  <a:schemeClr val="tx1"/>
+                </a:solidFill>
+              </a:rPr>
+            </a:br>
+            <a:r>
+              <a:rPr lang="en-US" sz="1200" b="1" dirty="0">
+                <a:solidFill>
+                  <a:schemeClr val="tx1"/>
+                </a:solidFill>
+              </a:rPr>
+              <a:t>print(</a:t>
+            </a:r>
+            <a:r>
+              <a:rPr lang="en-US" sz="1200" b="1" dirty="0" err="1">
+                <a:solidFill>
+                  <a:schemeClr val="tx1"/>
+                </a:solidFill>
+              </a:rPr>
+              <a:t>d.ndim</a:t>
+            </a:r>
+            <a:r>
+              <a:rPr lang="en-US" sz="1200" b="1" dirty="0" smtClean="0">
+                <a:solidFill>
+                  <a:schemeClr val="tx1"/>
+                </a:solidFill>
+              </a:rPr>
+              <a:t>)</a:t>
+            </a:r>
+          </a:p>
+          <a:p>
+            <a:endParaRPr lang="en-US" sz="1200" b="1" dirty="0">
+              <a:solidFill>
+                <a:schemeClr val="tx1"/>
+              </a:solidFill>
+            </a:endParaRPr>
+          </a:p>
+        </p:txBody>
+      </p:sp>
+    </p:spTree>
+    <p:extLst>
+      <p:ext uri="{BB962C8B-B14F-4D97-AF65-F5344CB8AC3E}">
+        <p14:creationId xmlns:p14="http://schemas.microsoft.com/office/powerpoint/2010/main" val="2950526010"/>
+      </p:ext>
+    </p:extLst>
   </p:cSld>
   <p:clrMapOvr>
     <a:masterClrMapping/>
@@ -8005,315 +11622,40 @@
           </a:p>
         </p:txBody>
       </p:sp>
-      <p:sp>
-        <p:nvSpPr>
-          <p:cNvPr id="3" name="Rectangle 2"/>
-          <p:cNvSpPr/>
+      <p:pic>
+        <p:nvPicPr>
+          <p:cNvPr id="2" name="Picture 1"/>
+          <p:cNvPicPr>
+            <a:picLocks noChangeAspect="1"/>
+          </p:cNvPicPr>
           <p:nvPr/>
-        </p:nvSpPr>
+        </p:nvPicPr>
+        <p:blipFill>
+          <a:blip r:embed="rId3">
+            <a:extLst>
+              <a:ext uri="{28A0092B-C50C-407E-A947-70E740481C1C}">
+                <a14:useLocalDpi xmlns:a14="http://schemas.microsoft.com/office/drawing/2010/main" val="0"/>
+              </a:ext>
+            </a:extLst>
+          </a:blip>
+          <a:stretch>
+            <a:fillRect/>
+          </a:stretch>
+        </p:blipFill>
         <p:spPr>
           <a:xfrm>
-            <a:off x="466529" y="721506"/>
-            <a:ext cx="8089641" cy="3754874"/>
+            <a:off x="762000" y="666750"/>
+            <a:ext cx="7620000" cy="3810000"/>
           </a:xfrm>
           <a:prstGeom prst="rect">
             <a:avLst/>
           </a:prstGeom>
         </p:spPr>
-        <p:txBody>
-          <a:bodyPr wrap="square">
-            <a:spAutoFit/>
-          </a:bodyPr>
-          <a:lstStyle/>
-          <a:p>
-            <a:r>
-              <a:rPr lang="en-US" dirty="0" err="1"/>
-              <a:t>NumPy</a:t>
-            </a:r>
-            <a:r>
-              <a:rPr lang="en-US" dirty="0"/>
-              <a:t> is a Python library.</a:t>
-            </a:r>
-          </a:p>
-          <a:p>
-            <a:r>
-              <a:rPr lang="en-US" dirty="0" err="1"/>
-              <a:t>NumPy</a:t>
-            </a:r>
-            <a:r>
-              <a:rPr lang="en-US" dirty="0"/>
-              <a:t> is used for working with arrays.</a:t>
-            </a:r>
-          </a:p>
-          <a:p>
-            <a:r>
-              <a:rPr lang="en-US" dirty="0" err="1"/>
-              <a:t>NumPy</a:t>
-            </a:r>
-            <a:r>
-              <a:rPr lang="en-US" dirty="0"/>
-              <a:t> is short for "Numerical Python</a:t>
-            </a:r>
-            <a:r>
-              <a:rPr lang="en-US" dirty="0" smtClean="0"/>
-              <a:t>".</a:t>
-            </a:r>
-          </a:p>
-          <a:p>
-            <a:endParaRPr lang="en-US" dirty="0"/>
-          </a:p>
-          <a:p>
-            <a:r>
-              <a:rPr lang="en-US" b="1" u="sng" dirty="0" smtClean="0"/>
-              <a:t>INSTALLATION:</a:t>
-            </a:r>
-          </a:p>
-          <a:p>
-            <a:r>
-              <a:rPr lang="en-US" dirty="0"/>
-              <a:t>If you have </a:t>
-            </a:r>
-            <a:r>
-              <a:rPr lang="en-US" dirty="0">
-                <a:hlinkClick r:id="rId3"/>
-              </a:rPr>
-              <a:t>Python</a:t>
-            </a:r>
-            <a:r>
-              <a:rPr lang="en-US" dirty="0"/>
-              <a:t> and </a:t>
-            </a:r>
-            <a:r>
-              <a:rPr lang="en-US" dirty="0">
-                <a:hlinkClick r:id="rId4"/>
-              </a:rPr>
-              <a:t>PIP</a:t>
-            </a:r>
-            <a:r>
-              <a:rPr lang="en-US" dirty="0"/>
-              <a:t> already installed on a system, then installation of </a:t>
-            </a:r>
-            <a:r>
-              <a:rPr lang="en-US" dirty="0" err="1"/>
-              <a:t>NumPy</a:t>
-            </a:r>
-            <a:r>
-              <a:rPr lang="en-US" dirty="0"/>
-              <a:t> is very easy.</a:t>
-            </a:r>
-          </a:p>
-          <a:p>
-            <a:r>
-              <a:rPr lang="en-US" dirty="0"/>
-              <a:t>Install it using this command:</a:t>
-            </a:r>
-          </a:p>
-          <a:p>
-            <a:endParaRPr lang="en-US" dirty="0" smtClean="0"/>
-          </a:p>
-          <a:p>
-            <a:r>
-              <a:rPr lang="en-US" b="1" dirty="0">
-                <a:solidFill>
-                  <a:schemeClr val="tx1"/>
-                </a:solidFill>
-              </a:rPr>
-              <a:t>pip install </a:t>
-            </a:r>
-            <a:r>
-              <a:rPr lang="en-US" b="1" dirty="0" err="1" smtClean="0">
-                <a:solidFill>
-                  <a:schemeClr val="tx1"/>
-                </a:solidFill>
-              </a:rPr>
-              <a:t>numpy</a:t>
-            </a:r>
-            <a:endParaRPr lang="en-US" b="1" dirty="0" smtClean="0">
-              <a:solidFill>
-                <a:schemeClr val="tx1"/>
-              </a:solidFill>
-            </a:endParaRPr>
-          </a:p>
-          <a:p>
-            <a:endParaRPr lang="en-US" b="1" dirty="0">
-              <a:solidFill>
-                <a:schemeClr val="tx1"/>
-              </a:solidFill>
-            </a:endParaRPr>
-          </a:p>
-          <a:p>
-            <a:r>
-              <a:rPr lang="en-US" b="1" u="sng" dirty="0"/>
-              <a:t>Import </a:t>
-            </a:r>
-            <a:r>
-              <a:rPr lang="en-US" b="1" u="sng" dirty="0" err="1"/>
-              <a:t>NumPy</a:t>
-            </a:r>
-            <a:endParaRPr lang="en-US" b="1" u="sng" dirty="0"/>
-          </a:p>
-          <a:p>
-            <a:r>
-              <a:rPr lang="en-US" dirty="0"/>
-              <a:t>Once </a:t>
-            </a:r>
-            <a:r>
-              <a:rPr lang="en-US" dirty="0" err="1"/>
-              <a:t>NumPy</a:t>
-            </a:r>
-            <a:r>
-              <a:rPr lang="en-US" dirty="0"/>
-              <a:t> is installed, import it in your applications by adding the import keyword:</a:t>
-            </a:r>
-          </a:p>
-          <a:p>
-            <a:r>
-              <a:rPr lang="en-US" b="1" dirty="0">
-                <a:solidFill>
-                  <a:schemeClr val="tx1"/>
-                </a:solidFill>
-              </a:rPr>
-              <a:t>import </a:t>
-            </a:r>
-            <a:r>
-              <a:rPr lang="en-US" b="1" dirty="0" err="1" smtClean="0">
-                <a:solidFill>
-                  <a:schemeClr val="tx1"/>
-                </a:solidFill>
-              </a:rPr>
-              <a:t>numpy</a:t>
-            </a:r>
-            <a:endParaRPr lang="en-US" b="1" dirty="0" smtClean="0">
-              <a:solidFill>
-                <a:schemeClr val="tx1"/>
-              </a:solidFill>
-            </a:endParaRPr>
-          </a:p>
-          <a:p>
-            <a:endParaRPr lang="en-US" b="1" dirty="0">
-              <a:solidFill>
-                <a:schemeClr val="tx1"/>
-              </a:solidFill>
-            </a:endParaRPr>
-          </a:p>
-          <a:p>
-            <a:r>
-              <a:rPr lang="en-US" b="1" dirty="0">
-                <a:solidFill>
-                  <a:schemeClr val="tx1"/>
-                </a:solidFill>
-              </a:rPr>
-              <a:t>import </a:t>
-            </a:r>
-            <a:r>
-              <a:rPr lang="en-US" b="1" dirty="0" err="1">
-                <a:solidFill>
-                  <a:schemeClr val="tx1"/>
-                </a:solidFill>
-              </a:rPr>
-              <a:t>numpy</a:t>
-            </a:r>
-            <a:r>
-              <a:rPr lang="en-US" b="1" dirty="0">
-                <a:solidFill>
-                  <a:schemeClr val="tx1"/>
-                </a:solidFill>
-              </a:rPr>
-              <a:t/>
-            </a:r>
-            <a:br>
-              <a:rPr lang="en-US" b="1" dirty="0">
-                <a:solidFill>
-                  <a:schemeClr val="tx1"/>
-                </a:solidFill>
-              </a:rPr>
-            </a:br>
-            <a:r>
-              <a:rPr lang="en-US" b="1" dirty="0" err="1" smtClean="0">
-                <a:solidFill>
-                  <a:schemeClr val="tx1"/>
-                </a:solidFill>
-              </a:rPr>
-              <a:t>arr</a:t>
-            </a:r>
-            <a:r>
-              <a:rPr lang="en-US" b="1" dirty="0" smtClean="0">
-                <a:solidFill>
-                  <a:schemeClr val="tx1"/>
-                </a:solidFill>
-              </a:rPr>
-              <a:t> </a:t>
-            </a:r>
-            <a:r>
-              <a:rPr lang="en-US" b="1" dirty="0">
-                <a:solidFill>
-                  <a:schemeClr val="tx1"/>
-                </a:solidFill>
-              </a:rPr>
-              <a:t>= </a:t>
-            </a:r>
-            <a:r>
-              <a:rPr lang="en-US" b="1" dirty="0" err="1">
-                <a:solidFill>
-                  <a:schemeClr val="tx1"/>
-                </a:solidFill>
-              </a:rPr>
-              <a:t>numpy.array</a:t>
-            </a:r>
-            <a:r>
-              <a:rPr lang="en-US" b="1" dirty="0">
-                <a:solidFill>
-                  <a:schemeClr val="tx1"/>
-                </a:solidFill>
-              </a:rPr>
-              <a:t>([1, 2, 3, 4, 5])</a:t>
-            </a:r>
-            <a:r>
-              <a:rPr lang="en-US" b="1" dirty="0">
-                <a:solidFill>
-                  <a:schemeClr val="tx1"/>
-                </a:solidFill>
-              </a:rPr>
-              <a:t/>
-            </a:r>
-            <a:br>
-              <a:rPr lang="en-US" b="1" dirty="0">
-                <a:solidFill>
-                  <a:schemeClr val="tx1"/>
-                </a:solidFill>
-              </a:rPr>
-            </a:br>
-            <a:r>
-              <a:rPr lang="en-US" b="1" dirty="0" smtClean="0">
-                <a:solidFill>
-                  <a:schemeClr val="tx1"/>
-                </a:solidFill>
-              </a:rPr>
-              <a:t>print(</a:t>
-            </a:r>
-            <a:r>
-              <a:rPr lang="en-US" b="1" dirty="0" err="1" smtClean="0">
-                <a:solidFill>
-                  <a:schemeClr val="tx1"/>
-                </a:solidFill>
-              </a:rPr>
-              <a:t>arr</a:t>
-            </a:r>
-            <a:r>
-              <a:rPr lang="en-US" b="1" dirty="0">
-                <a:solidFill>
-                  <a:schemeClr val="tx1"/>
-                </a:solidFill>
-              </a:rPr>
-              <a:t>)</a:t>
-            </a:r>
-          </a:p>
-        </p:txBody>
-      </p:sp>
+      </p:pic>
     </p:spTree>
     <p:extLst>
       <p:ext uri="{BB962C8B-B14F-4D97-AF65-F5344CB8AC3E}">
-        <p14:creationId xmlns:p14="http://schemas.microsoft.com/office/powerpoint/2010/main" val="983034255"/>
+        <p14:creationId xmlns:p14="http://schemas.microsoft.com/office/powerpoint/2010/main" val="163319010"/>
       </p:ext>
     </p:extLst>
   </p:cSld>
@@ -8381,569 +11723,40 @@
           </a:p>
         </p:txBody>
       </p:sp>
-      <p:sp>
-        <p:nvSpPr>
-          <p:cNvPr id="3" name="Rectangle 2"/>
-          <p:cNvSpPr/>
+      <p:pic>
+        <p:nvPicPr>
+          <p:cNvPr id="2" name="Picture 1"/>
+          <p:cNvPicPr>
+            <a:picLocks noChangeAspect="1"/>
+          </p:cNvPicPr>
           <p:nvPr/>
-        </p:nvSpPr>
+        </p:nvPicPr>
+        <p:blipFill>
+          <a:blip r:embed="rId3">
+            <a:extLst>
+              <a:ext uri="{28A0092B-C50C-407E-A947-70E740481C1C}">
+                <a14:useLocalDpi xmlns:a14="http://schemas.microsoft.com/office/drawing/2010/main" val="0"/>
+              </a:ext>
+            </a:extLst>
+          </a:blip>
+          <a:stretch>
+            <a:fillRect/>
+          </a:stretch>
+        </p:blipFill>
         <p:spPr>
           <a:xfrm>
-            <a:off x="466529" y="544225"/>
-            <a:ext cx="8089641" cy="4154984"/>
+            <a:off x="762000" y="666750"/>
+            <a:ext cx="7620000" cy="3810000"/>
           </a:xfrm>
           <a:prstGeom prst="rect">
             <a:avLst/>
           </a:prstGeom>
         </p:spPr>
-        <p:txBody>
-          <a:bodyPr wrap="square">
-            <a:spAutoFit/>
-          </a:bodyPr>
-          <a:lstStyle/>
-          <a:p>
-            <a:r>
-              <a:rPr lang="en-US" sz="1200" b="1" u="sng" dirty="0" err="1"/>
-              <a:t>NumPy</a:t>
-            </a:r>
-            <a:r>
-              <a:rPr lang="en-US" sz="1200" b="1" u="sng" dirty="0"/>
-              <a:t> as np</a:t>
-            </a:r>
-          </a:p>
-          <a:p>
-            <a:r>
-              <a:rPr lang="en-US" sz="1200" dirty="0" err="1"/>
-              <a:t>NumPy</a:t>
-            </a:r>
-            <a:r>
-              <a:rPr lang="en-US" sz="1200" dirty="0"/>
-              <a:t> is usually imported under the np alias</a:t>
-            </a:r>
-            <a:r>
-              <a:rPr lang="en-US" sz="1200" dirty="0" smtClean="0"/>
-              <a:t>.</a:t>
-            </a:r>
-          </a:p>
-          <a:p>
-            <a:endParaRPr lang="en-US" sz="1200" dirty="0"/>
-          </a:p>
-          <a:p>
-            <a:r>
-              <a:rPr lang="en-US" sz="1200" dirty="0">
-                <a:solidFill>
-                  <a:schemeClr val="tx1"/>
-                </a:solidFill>
-              </a:rPr>
-              <a:t>import </a:t>
-            </a:r>
-            <a:r>
-              <a:rPr lang="en-US" sz="1200" dirty="0" err="1">
-                <a:solidFill>
-                  <a:schemeClr val="tx1"/>
-                </a:solidFill>
-              </a:rPr>
-              <a:t>numpy</a:t>
-            </a:r>
-            <a:r>
-              <a:rPr lang="en-US" sz="1200" dirty="0">
-                <a:solidFill>
-                  <a:schemeClr val="tx1"/>
-                </a:solidFill>
-              </a:rPr>
-              <a:t> as </a:t>
-            </a:r>
-            <a:r>
-              <a:rPr lang="en-US" sz="1200" dirty="0" smtClean="0">
-                <a:solidFill>
-                  <a:schemeClr val="tx1"/>
-                </a:solidFill>
-              </a:rPr>
-              <a:t>np</a:t>
-            </a:r>
-          </a:p>
-          <a:p>
-            <a:endParaRPr lang="en-US" sz="1200" dirty="0">
-              <a:solidFill>
-                <a:schemeClr val="tx1"/>
-              </a:solidFill>
-            </a:endParaRPr>
-          </a:p>
-          <a:p>
-            <a:r>
-              <a:rPr lang="en-US" sz="1200" dirty="0">
-                <a:solidFill>
-                  <a:schemeClr val="tx1"/>
-                </a:solidFill>
-              </a:rPr>
-              <a:t>import </a:t>
-            </a:r>
-            <a:r>
-              <a:rPr lang="en-US" sz="1200" dirty="0" err="1">
-                <a:solidFill>
-                  <a:schemeClr val="tx1"/>
-                </a:solidFill>
-              </a:rPr>
-              <a:t>numpy</a:t>
-            </a:r>
-            <a:r>
-              <a:rPr lang="en-US" sz="1200" dirty="0">
-                <a:solidFill>
-                  <a:schemeClr val="tx1"/>
-                </a:solidFill>
-              </a:rPr>
-              <a:t> as np</a:t>
-            </a:r>
-            <a:r>
-              <a:rPr lang="en-US" sz="1200" dirty="0">
-                <a:solidFill>
-                  <a:schemeClr val="tx1"/>
-                </a:solidFill>
-              </a:rPr>
-              <a:t/>
-            </a:r>
-            <a:br>
-              <a:rPr lang="en-US" sz="1200" dirty="0">
-                <a:solidFill>
-                  <a:schemeClr val="tx1"/>
-                </a:solidFill>
-              </a:rPr>
-            </a:br>
-            <a:r>
-              <a:rPr lang="en-US" sz="1200" dirty="0" err="1" smtClean="0">
-                <a:solidFill>
-                  <a:schemeClr val="tx1"/>
-                </a:solidFill>
-              </a:rPr>
-              <a:t>arr</a:t>
-            </a:r>
-            <a:r>
-              <a:rPr lang="en-US" sz="1200" dirty="0" smtClean="0">
-                <a:solidFill>
-                  <a:schemeClr val="tx1"/>
-                </a:solidFill>
-              </a:rPr>
-              <a:t> </a:t>
-            </a:r>
-            <a:r>
-              <a:rPr lang="en-US" sz="1200" dirty="0">
-                <a:solidFill>
-                  <a:schemeClr val="tx1"/>
-                </a:solidFill>
-              </a:rPr>
-              <a:t>= </a:t>
-            </a:r>
-            <a:r>
-              <a:rPr lang="en-US" sz="1200" dirty="0" err="1">
-                <a:solidFill>
-                  <a:schemeClr val="tx1"/>
-                </a:solidFill>
-              </a:rPr>
-              <a:t>np.array</a:t>
-            </a:r>
-            <a:r>
-              <a:rPr lang="en-US" sz="1200" dirty="0">
-                <a:solidFill>
-                  <a:schemeClr val="tx1"/>
-                </a:solidFill>
-              </a:rPr>
-              <a:t>([1, 2, 3, 4, 5])</a:t>
-            </a:r>
-            <a:r>
-              <a:rPr lang="en-US" sz="1200" dirty="0">
-                <a:solidFill>
-                  <a:schemeClr val="tx1"/>
-                </a:solidFill>
-              </a:rPr>
-              <a:t/>
-            </a:r>
-            <a:br>
-              <a:rPr lang="en-US" sz="1200" dirty="0">
-                <a:solidFill>
-                  <a:schemeClr val="tx1"/>
-                </a:solidFill>
-              </a:rPr>
-            </a:br>
-            <a:r>
-              <a:rPr lang="en-US" sz="1200" dirty="0" smtClean="0">
-                <a:solidFill>
-                  <a:schemeClr val="tx1"/>
-                </a:solidFill>
-              </a:rPr>
-              <a:t>print(</a:t>
-            </a:r>
-            <a:r>
-              <a:rPr lang="en-US" sz="1200" dirty="0" err="1" smtClean="0">
-                <a:solidFill>
-                  <a:schemeClr val="tx1"/>
-                </a:solidFill>
-              </a:rPr>
-              <a:t>arr</a:t>
-            </a:r>
-            <a:r>
-              <a:rPr lang="en-US" sz="1200" dirty="0" smtClean="0">
-                <a:solidFill>
-                  <a:schemeClr val="tx1"/>
-                </a:solidFill>
-              </a:rPr>
-              <a:t>)</a:t>
-            </a:r>
-          </a:p>
-          <a:p>
-            <a:endParaRPr lang="en-US" sz="1200" b="1" dirty="0">
-              <a:solidFill>
-                <a:schemeClr val="tx1"/>
-              </a:solidFill>
-            </a:endParaRPr>
-          </a:p>
-          <a:p>
-            <a:r>
-              <a:rPr lang="en-US" sz="1200" b="1" u="sng" dirty="0"/>
-              <a:t>Checking </a:t>
-            </a:r>
-            <a:r>
-              <a:rPr lang="en-US" sz="1200" b="1" u="sng" dirty="0" err="1"/>
-              <a:t>NumPy</a:t>
-            </a:r>
-            <a:r>
-              <a:rPr lang="en-US" sz="1200" b="1" u="sng" dirty="0"/>
-              <a:t> Version</a:t>
-            </a:r>
-          </a:p>
-          <a:p>
-            <a:r>
-              <a:rPr lang="en-US" sz="1200" dirty="0">
-                <a:solidFill>
-                  <a:schemeClr val="tx1"/>
-                </a:solidFill>
-              </a:rPr>
-              <a:t>import </a:t>
-            </a:r>
-            <a:r>
-              <a:rPr lang="en-US" sz="1200" dirty="0" err="1">
-                <a:solidFill>
-                  <a:schemeClr val="tx1"/>
-                </a:solidFill>
-              </a:rPr>
-              <a:t>numpy</a:t>
-            </a:r>
-            <a:r>
-              <a:rPr lang="en-US" sz="1200" dirty="0">
-                <a:solidFill>
-                  <a:schemeClr val="tx1"/>
-                </a:solidFill>
-              </a:rPr>
-              <a:t> as np</a:t>
-            </a:r>
-            <a:r>
-              <a:rPr lang="en-US" sz="1200" dirty="0">
-                <a:solidFill>
-                  <a:schemeClr val="tx1"/>
-                </a:solidFill>
-              </a:rPr>
-              <a:t/>
-            </a:r>
-            <a:br>
-              <a:rPr lang="en-US" sz="1200" dirty="0">
-                <a:solidFill>
-                  <a:schemeClr val="tx1"/>
-                </a:solidFill>
-              </a:rPr>
-            </a:br>
-            <a:r>
-              <a:rPr lang="en-US" sz="1200" dirty="0" smtClean="0">
-                <a:solidFill>
-                  <a:schemeClr val="tx1"/>
-                </a:solidFill>
-              </a:rPr>
-              <a:t>print(</a:t>
-            </a:r>
-            <a:r>
-              <a:rPr lang="en-US" sz="1200" dirty="0" err="1" smtClean="0">
-                <a:solidFill>
-                  <a:schemeClr val="tx1"/>
-                </a:solidFill>
-              </a:rPr>
-              <a:t>np</a:t>
-            </a:r>
-            <a:r>
-              <a:rPr lang="en-US" sz="1200" dirty="0" err="1">
-                <a:solidFill>
-                  <a:schemeClr val="tx1"/>
-                </a:solidFill>
-              </a:rPr>
-              <a:t>.__version</a:t>
-            </a:r>
-            <a:r>
-              <a:rPr lang="en-US" sz="1200" dirty="0" smtClean="0">
-                <a:solidFill>
-                  <a:schemeClr val="tx1"/>
-                </a:solidFill>
-              </a:rPr>
-              <a:t>__)</a:t>
-            </a:r>
-          </a:p>
-          <a:p>
-            <a:endParaRPr lang="en-US" sz="1200" dirty="0">
-              <a:solidFill>
-                <a:schemeClr val="tx1"/>
-              </a:solidFill>
-            </a:endParaRPr>
-          </a:p>
-          <a:p>
-            <a:r>
-              <a:rPr lang="en-US" sz="1200" b="1" u="sng" dirty="0"/>
-              <a:t>Create a </a:t>
-            </a:r>
-            <a:r>
-              <a:rPr lang="en-US" sz="1200" b="1" u="sng" dirty="0" err="1"/>
-              <a:t>NumPy</a:t>
-            </a:r>
-            <a:r>
-              <a:rPr lang="en-US" sz="1200" b="1" u="sng" dirty="0"/>
-              <a:t> </a:t>
-            </a:r>
-            <a:r>
-              <a:rPr lang="en-US" sz="1200" b="1" u="sng" dirty="0" err="1"/>
-              <a:t>ndarray</a:t>
-            </a:r>
-            <a:r>
-              <a:rPr lang="en-US" sz="1200" b="1" u="sng" dirty="0"/>
-              <a:t> Object</a:t>
-            </a:r>
-          </a:p>
-          <a:p>
-            <a:endParaRPr lang="en-US" sz="1200" dirty="0" smtClean="0">
-              <a:solidFill>
-                <a:schemeClr val="tx1"/>
-              </a:solidFill>
-            </a:endParaRPr>
-          </a:p>
-          <a:p>
-            <a:r>
-              <a:rPr lang="en-US" sz="1200" dirty="0" err="1"/>
-              <a:t>NumPy</a:t>
-            </a:r>
-            <a:r>
-              <a:rPr lang="en-US" sz="1200" dirty="0"/>
-              <a:t> is used to work with arrays. The array object in </a:t>
-            </a:r>
-            <a:r>
-              <a:rPr lang="en-US" sz="1200" dirty="0" err="1"/>
-              <a:t>NumPy</a:t>
-            </a:r>
-            <a:r>
-              <a:rPr lang="en-US" sz="1200" dirty="0"/>
-              <a:t> is called </a:t>
-            </a:r>
-            <a:r>
-              <a:rPr lang="en-US" sz="1200" dirty="0" err="1"/>
-              <a:t>ndarray</a:t>
-            </a:r>
-            <a:r>
-              <a:rPr lang="en-US" sz="1200" dirty="0"/>
-              <a:t>.</a:t>
-            </a:r>
-          </a:p>
-          <a:p>
-            <a:r>
-              <a:rPr lang="en-US" sz="1200" dirty="0"/>
-              <a:t>We can create a </a:t>
-            </a:r>
-            <a:r>
-              <a:rPr lang="en-US" sz="1200" dirty="0" err="1"/>
-              <a:t>NumPy</a:t>
-            </a:r>
-            <a:r>
-              <a:rPr lang="en-US" sz="1200" dirty="0"/>
-              <a:t> </a:t>
-            </a:r>
-            <a:r>
-              <a:rPr lang="en-US" sz="1200" dirty="0" err="1"/>
-              <a:t>ndarray</a:t>
-            </a:r>
-            <a:r>
-              <a:rPr lang="en-US" sz="1200" dirty="0"/>
-              <a:t> object by using the array() function</a:t>
-            </a:r>
-            <a:r>
-              <a:rPr lang="en-US" sz="1200" dirty="0" smtClean="0"/>
-              <a:t>.</a:t>
-            </a:r>
-          </a:p>
-          <a:p>
-            <a:endParaRPr lang="en-US" sz="1200" dirty="0" smtClean="0"/>
-          </a:p>
-          <a:p>
-            <a:r>
-              <a:rPr lang="en-US" sz="1200" b="1" dirty="0">
-                <a:solidFill>
-                  <a:schemeClr val="tx1"/>
-                </a:solidFill>
-              </a:rPr>
-              <a:t>import </a:t>
-            </a:r>
-            <a:r>
-              <a:rPr lang="en-US" sz="1200" b="1" dirty="0" err="1">
-                <a:solidFill>
-                  <a:schemeClr val="tx1"/>
-                </a:solidFill>
-              </a:rPr>
-              <a:t>numpy</a:t>
-            </a:r>
-            <a:r>
-              <a:rPr lang="en-US" sz="1200" b="1" dirty="0">
-                <a:solidFill>
-                  <a:schemeClr val="tx1"/>
-                </a:solidFill>
-              </a:rPr>
-              <a:t> as np</a:t>
-            </a:r>
-            <a:r>
-              <a:rPr lang="en-US" sz="1200" b="1" dirty="0">
-                <a:solidFill>
-                  <a:schemeClr val="tx1"/>
-                </a:solidFill>
-              </a:rPr>
-              <a:t/>
-            </a:r>
-            <a:br>
-              <a:rPr lang="en-US" sz="1200" b="1" dirty="0">
-                <a:solidFill>
-                  <a:schemeClr val="tx1"/>
-                </a:solidFill>
-              </a:rPr>
-            </a:br>
-            <a:r>
-              <a:rPr lang="en-US" sz="1200" b="1" dirty="0" err="1" smtClean="0">
-                <a:solidFill>
-                  <a:schemeClr val="tx1"/>
-                </a:solidFill>
-              </a:rPr>
-              <a:t>arr</a:t>
-            </a:r>
-            <a:r>
-              <a:rPr lang="en-US" sz="1200" b="1" dirty="0" smtClean="0">
-                <a:solidFill>
-                  <a:schemeClr val="tx1"/>
-                </a:solidFill>
-              </a:rPr>
-              <a:t> </a:t>
-            </a:r>
-            <a:r>
-              <a:rPr lang="en-US" sz="1200" b="1" dirty="0">
-                <a:solidFill>
-                  <a:schemeClr val="tx1"/>
-                </a:solidFill>
-              </a:rPr>
-              <a:t>= </a:t>
-            </a:r>
-            <a:r>
-              <a:rPr lang="en-US" sz="1200" b="1" dirty="0" err="1">
-                <a:solidFill>
-                  <a:schemeClr val="tx1"/>
-                </a:solidFill>
-              </a:rPr>
-              <a:t>np.array</a:t>
-            </a:r>
-            <a:r>
-              <a:rPr lang="en-US" sz="1200" b="1" dirty="0">
-                <a:solidFill>
-                  <a:schemeClr val="tx1"/>
-                </a:solidFill>
-              </a:rPr>
-              <a:t>([1, 2, 3, 4, 5])</a:t>
-            </a:r>
-            <a:r>
-              <a:rPr lang="en-US" sz="1200" b="1" dirty="0">
-                <a:solidFill>
-                  <a:schemeClr val="tx1"/>
-                </a:solidFill>
-              </a:rPr>
-              <a:t/>
-            </a:r>
-            <a:br>
-              <a:rPr lang="en-US" sz="1200" b="1" dirty="0">
-                <a:solidFill>
-                  <a:schemeClr val="tx1"/>
-                </a:solidFill>
-              </a:rPr>
-            </a:br>
-            <a:r>
-              <a:rPr lang="en-US" sz="1200" b="1" dirty="0" smtClean="0">
-                <a:solidFill>
-                  <a:schemeClr val="tx1"/>
-                </a:solidFill>
-              </a:rPr>
-              <a:t>print(</a:t>
-            </a:r>
-            <a:r>
-              <a:rPr lang="en-US" sz="1200" b="1" dirty="0" err="1" smtClean="0">
-                <a:solidFill>
-                  <a:schemeClr val="tx1"/>
-                </a:solidFill>
-              </a:rPr>
-              <a:t>arr</a:t>
-            </a:r>
-            <a:r>
-              <a:rPr lang="en-US" sz="1200" b="1" dirty="0">
-                <a:solidFill>
-                  <a:schemeClr val="tx1"/>
-                </a:solidFill>
-              </a:rPr>
-              <a:t>)</a:t>
-            </a:r>
-            <a:r>
-              <a:rPr lang="en-US" sz="1200" b="1" dirty="0">
-                <a:solidFill>
-                  <a:schemeClr val="tx1"/>
-                </a:solidFill>
-              </a:rPr>
-              <a:t/>
-            </a:r>
-            <a:br>
-              <a:rPr lang="en-US" sz="1200" b="1" dirty="0">
-                <a:solidFill>
-                  <a:schemeClr val="tx1"/>
-                </a:solidFill>
-              </a:rPr>
-            </a:br>
-            <a:r>
-              <a:rPr lang="en-US" sz="1200" b="1" dirty="0" smtClean="0">
-                <a:solidFill>
-                  <a:schemeClr val="tx1"/>
-                </a:solidFill>
-              </a:rPr>
-              <a:t>print(type(</a:t>
-            </a:r>
-            <a:r>
-              <a:rPr lang="en-US" sz="1200" b="1" dirty="0" err="1" smtClean="0">
-                <a:solidFill>
-                  <a:schemeClr val="tx1"/>
-                </a:solidFill>
-              </a:rPr>
-              <a:t>arr</a:t>
-            </a:r>
-            <a:r>
-              <a:rPr lang="en-US" sz="1200" b="1" dirty="0" smtClean="0">
-                <a:solidFill>
-                  <a:schemeClr val="tx1"/>
-                </a:solidFill>
-              </a:rPr>
-              <a:t>))</a:t>
-            </a:r>
-            <a:endParaRPr lang="en-US" b="1" dirty="0">
-              <a:solidFill>
-                <a:schemeClr val="tx1"/>
-              </a:solidFill>
-            </a:endParaRPr>
-          </a:p>
-        </p:txBody>
-      </p:sp>
+      </p:pic>
     </p:spTree>
     <p:extLst>
       <p:ext uri="{BB962C8B-B14F-4D97-AF65-F5344CB8AC3E}">
-        <p14:creationId xmlns:p14="http://schemas.microsoft.com/office/powerpoint/2010/main" val="654266217"/>
+        <p14:creationId xmlns:p14="http://schemas.microsoft.com/office/powerpoint/2010/main" val="3500484437"/>
       </p:ext>
     </p:extLst>
   </p:cSld>
@@ -9011,358 +11824,40 @@
           </a:p>
         </p:txBody>
       </p:sp>
-      <p:sp>
-        <p:nvSpPr>
-          <p:cNvPr id="3" name="Rectangle 2"/>
-          <p:cNvSpPr/>
+      <p:pic>
+        <p:nvPicPr>
+          <p:cNvPr id="3" name="Picture 2"/>
+          <p:cNvPicPr>
+            <a:picLocks noChangeAspect="1"/>
+          </p:cNvPicPr>
           <p:nvPr/>
-        </p:nvSpPr>
+        </p:nvPicPr>
+        <p:blipFill>
+          <a:blip r:embed="rId3">
+            <a:extLst>
+              <a:ext uri="{28A0092B-C50C-407E-A947-70E740481C1C}">
+                <a14:useLocalDpi xmlns:a14="http://schemas.microsoft.com/office/drawing/2010/main" val="0"/>
+              </a:ext>
+            </a:extLst>
+          </a:blip>
+          <a:stretch>
+            <a:fillRect/>
+          </a:stretch>
+        </p:blipFill>
         <p:spPr>
           <a:xfrm>
-            <a:off x="466529" y="544225"/>
-            <a:ext cx="8089641" cy="3231654"/>
+            <a:off x="762000" y="666750"/>
+            <a:ext cx="7620000" cy="3810000"/>
           </a:xfrm>
           <a:prstGeom prst="rect">
             <a:avLst/>
           </a:prstGeom>
         </p:spPr>
-        <p:txBody>
-          <a:bodyPr wrap="square">
-            <a:spAutoFit/>
-          </a:bodyPr>
-          <a:lstStyle/>
-          <a:p>
-            <a:r>
-              <a:rPr lang="en-US" sz="1200" b="1" u="sng" dirty="0"/>
-              <a:t>2-D </a:t>
-            </a:r>
-            <a:r>
-              <a:rPr lang="en-US" sz="1200" b="1" u="sng" dirty="0" smtClean="0"/>
-              <a:t>Arrays</a:t>
-            </a:r>
-          </a:p>
-          <a:p>
-            <a:r>
-              <a:rPr lang="en-US" sz="1200" dirty="0" smtClean="0"/>
-              <a:t>An </a:t>
-            </a:r>
-            <a:r>
-              <a:rPr lang="en-US" sz="1200" dirty="0"/>
-              <a:t>array that has 1-D arrays as its elements is called a 2-D array.</a:t>
-            </a:r>
-          </a:p>
-          <a:p>
-            <a:r>
-              <a:rPr lang="en-US" sz="1200" dirty="0"/>
-              <a:t>These are often used to represent matrix or 2nd order tensors.</a:t>
-            </a:r>
-          </a:p>
-          <a:p>
-            <a:r>
-              <a:rPr lang="en-US" sz="1200" dirty="0"/>
-              <a:t>Create a 2-D array containing two arrays with the values 1,2,3 and 4,5,6</a:t>
-            </a:r>
-            <a:r>
-              <a:rPr lang="en-US" sz="1200" dirty="0" smtClean="0"/>
-              <a:t>:</a:t>
-            </a:r>
-          </a:p>
-          <a:p>
-            <a:endParaRPr lang="en-US" sz="1200" b="1" u="sng" dirty="0"/>
-          </a:p>
-          <a:p>
-            <a:r>
-              <a:rPr lang="en-US" sz="1200" dirty="0">
-                <a:solidFill>
-                  <a:schemeClr val="tx1"/>
-                </a:solidFill>
-              </a:rPr>
-              <a:t>import </a:t>
-            </a:r>
-            <a:r>
-              <a:rPr lang="en-US" sz="1200" dirty="0" err="1">
-                <a:solidFill>
-                  <a:schemeClr val="tx1"/>
-                </a:solidFill>
-              </a:rPr>
-              <a:t>numpy</a:t>
-            </a:r>
-            <a:r>
-              <a:rPr lang="en-US" sz="1200" dirty="0">
-                <a:solidFill>
-                  <a:schemeClr val="tx1"/>
-                </a:solidFill>
-              </a:rPr>
-              <a:t> as np</a:t>
-            </a:r>
-            <a:r>
-              <a:rPr lang="en-US" sz="1200" dirty="0">
-                <a:solidFill>
-                  <a:schemeClr val="tx1"/>
-                </a:solidFill>
-              </a:rPr>
-              <a:t/>
-            </a:r>
-            <a:br>
-              <a:rPr lang="en-US" sz="1200" dirty="0">
-                <a:solidFill>
-                  <a:schemeClr val="tx1"/>
-                </a:solidFill>
-              </a:rPr>
-            </a:br>
-            <a:r>
-              <a:rPr lang="en-US" sz="1200" dirty="0" err="1" smtClean="0">
-                <a:solidFill>
-                  <a:schemeClr val="tx1"/>
-                </a:solidFill>
-              </a:rPr>
-              <a:t>arr</a:t>
-            </a:r>
-            <a:r>
-              <a:rPr lang="en-US" sz="1200" dirty="0" smtClean="0">
-                <a:solidFill>
-                  <a:schemeClr val="tx1"/>
-                </a:solidFill>
-              </a:rPr>
-              <a:t> </a:t>
-            </a:r>
-            <a:r>
-              <a:rPr lang="en-US" sz="1200" dirty="0">
-                <a:solidFill>
-                  <a:schemeClr val="tx1"/>
-                </a:solidFill>
-              </a:rPr>
-              <a:t>= </a:t>
-            </a:r>
-            <a:r>
-              <a:rPr lang="en-US" sz="1200" dirty="0" err="1">
-                <a:solidFill>
-                  <a:schemeClr val="tx1"/>
-                </a:solidFill>
-              </a:rPr>
-              <a:t>np.array</a:t>
-            </a:r>
-            <a:r>
-              <a:rPr lang="en-US" sz="1200" dirty="0">
-                <a:solidFill>
-                  <a:schemeClr val="tx1"/>
-                </a:solidFill>
-              </a:rPr>
-              <a:t>([[1, 2, 3], [4, 5, 6]])</a:t>
-            </a:r>
-            <a:r>
-              <a:rPr lang="en-US" sz="1200" dirty="0">
-                <a:solidFill>
-                  <a:schemeClr val="tx1"/>
-                </a:solidFill>
-              </a:rPr>
-              <a:t/>
-            </a:r>
-            <a:br>
-              <a:rPr lang="en-US" sz="1200" dirty="0">
-                <a:solidFill>
-                  <a:schemeClr val="tx1"/>
-                </a:solidFill>
-              </a:rPr>
-            </a:br>
-            <a:r>
-              <a:rPr lang="en-US" sz="1200" dirty="0" smtClean="0">
-                <a:solidFill>
-                  <a:schemeClr val="tx1"/>
-                </a:solidFill>
-              </a:rPr>
-              <a:t>print(</a:t>
-            </a:r>
-            <a:r>
-              <a:rPr lang="en-US" sz="1200" dirty="0" err="1" smtClean="0">
-                <a:solidFill>
-                  <a:schemeClr val="tx1"/>
-                </a:solidFill>
-              </a:rPr>
-              <a:t>arr</a:t>
-            </a:r>
-            <a:r>
-              <a:rPr lang="en-US" sz="1200" dirty="0" smtClean="0">
-                <a:solidFill>
-                  <a:schemeClr val="tx1"/>
-                </a:solidFill>
-              </a:rPr>
-              <a:t>)</a:t>
-            </a:r>
-          </a:p>
-          <a:p>
-            <a:endParaRPr lang="en-US" sz="1200" b="1" u="sng" dirty="0">
-              <a:solidFill>
-                <a:schemeClr val="tx1"/>
-              </a:solidFill>
-            </a:endParaRPr>
-          </a:p>
-          <a:p>
-            <a:r>
-              <a:rPr lang="en-US" sz="1200" b="1" u="sng" dirty="0"/>
-              <a:t>3-D arrays</a:t>
-            </a:r>
-          </a:p>
-          <a:p>
-            <a:r>
-              <a:rPr lang="en-US" sz="1200" dirty="0"/>
-              <a:t>An array that has 2-D arrays (matrices) as its elements is called 3-D array.</a:t>
-            </a:r>
-          </a:p>
-          <a:p>
-            <a:r>
-              <a:rPr lang="en-US" sz="1200" dirty="0"/>
-              <a:t>These are often used to represent a 3rd order tensor.</a:t>
-            </a:r>
-          </a:p>
-          <a:p>
-            <a:r>
-              <a:rPr lang="en-US" sz="1200" dirty="0"/>
-              <a:t>Create a 3-D array with two 2-D arrays, both containing two arrays with the values 1,2,3 and 4,5,6</a:t>
-            </a:r>
-            <a:r>
-              <a:rPr lang="en-US" sz="1200" dirty="0" smtClean="0"/>
-              <a:t>:</a:t>
-            </a:r>
-          </a:p>
-          <a:p>
-            <a:endParaRPr lang="en-US" sz="1200" b="1" u="sng" dirty="0">
-              <a:solidFill>
-                <a:schemeClr val="tx1"/>
-              </a:solidFill>
-            </a:endParaRPr>
-          </a:p>
-          <a:p>
-            <a:r>
-              <a:rPr lang="en-US" sz="1200" dirty="0">
-                <a:solidFill>
-                  <a:schemeClr val="tx1"/>
-                </a:solidFill>
-              </a:rPr>
-              <a:t>import </a:t>
-            </a:r>
-            <a:r>
-              <a:rPr lang="en-US" sz="1200" dirty="0" err="1">
-                <a:solidFill>
-                  <a:schemeClr val="tx1"/>
-                </a:solidFill>
-              </a:rPr>
-              <a:t>numpy</a:t>
-            </a:r>
-            <a:r>
-              <a:rPr lang="en-US" sz="1200" dirty="0">
-                <a:solidFill>
-                  <a:schemeClr val="tx1"/>
-                </a:solidFill>
-              </a:rPr>
-              <a:t> as np</a:t>
-            </a:r>
-            <a:r>
-              <a:rPr lang="en-US" sz="1200" dirty="0">
-                <a:solidFill>
-                  <a:schemeClr val="tx1"/>
-                </a:solidFill>
-              </a:rPr>
-              <a:t/>
-            </a:r>
-            <a:br>
-              <a:rPr lang="en-US" sz="1200" dirty="0">
-                <a:solidFill>
-                  <a:schemeClr val="tx1"/>
-                </a:solidFill>
-              </a:rPr>
-            </a:br>
-            <a:r>
-              <a:rPr lang="en-US" sz="1200" dirty="0" err="1" smtClean="0">
-                <a:solidFill>
-                  <a:schemeClr val="tx1"/>
-                </a:solidFill>
-              </a:rPr>
-              <a:t>arr</a:t>
-            </a:r>
-            <a:r>
-              <a:rPr lang="en-US" sz="1200" dirty="0" smtClean="0">
-                <a:solidFill>
-                  <a:schemeClr val="tx1"/>
-                </a:solidFill>
-              </a:rPr>
-              <a:t> </a:t>
-            </a:r>
-            <a:r>
-              <a:rPr lang="en-US" sz="1200" dirty="0">
-                <a:solidFill>
-                  <a:schemeClr val="tx1"/>
-                </a:solidFill>
-              </a:rPr>
-              <a:t>= </a:t>
-            </a:r>
-            <a:r>
-              <a:rPr lang="en-US" sz="1200" dirty="0" err="1">
-                <a:solidFill>
-                  <a:schemeClr val="tx1"/>
-                </a:solidFill>
-              </a:rPr>
-              <a:t>np.array</a:t>
-            </a:r>
-            <a:r>
-              <a:rPr lang="en-US" sz="1200" dirty="0">
-                <a:solidFill>
-                  <a:schemeClr val="tx1"/>
-                </a:solidFill>
-              </a:rPr>
-              <a:t>([[[1, 2, 3], [4, 5, 6]], [[1, 2, 3], [4, 5, 6]]])</a:t>
-            </a:r>
-            <a:r>
-              <a:rPr lang="en-US" sz="1200" dirty="0">
-                <a:solidFill>
-                  <a:schemeClr val="tx1"/>
-                </a:solidFill>
-              </a:rPr>
-              <a:t/>
-            </a:r>
-            <a:br>
-              <a:rPr lang="en-US" sz="1200" dirty="0">
-                <a:solidFill>
-                  <a:schemeClr val="tx1"/>
-                </a:solidFill>
-              </a:rPr>
-            </a:br>
-            <a:r>
-              <a:rPr lang="en-US" sz="1200" dirty="0" smtClean="0">
-                <a:solidFill>
-                  <a:schemeClr val="tx1"/>
-                </a:solidFill>
-              </a:rPr>
-              <a:t>print(</a:t>
-            </a:r>
-            <a:r>
-              <a:rPr lang="en-US" sz="1200" dirty="0" err="1" smtClean="0">
-                <a:solidFill>
-                  <a:schemeClr val="tx1"/>
-                </a:solidFill>
-              </a:rPr>
-              <a:t>arr</a:t>
-            </a:r>
-            <a:r>
-              <a:rPr lang="en-US" sz="1200" dirty="0">
-                <a:solidFill>
-                  <a:schemeClr val="tx1"/>
-                </a:solidFill>
-              </a:rPr>
-              <a:t>)</a:t>
-            </a:r>
-            <a:endParaRPr lang="en-US" sz="1200" b="1" u="sng" dirty="0">
-              <a:solidFill>
-                <a:schemeClr val="tx1"/>
-              </a:solidFill>
-            </a:endParaRPr>
-          </a:p>
-        </p:txBody>
-      </p:sp>
+      </p:pic>
     </p:spTree>
     <p:extLst>
       <p:ext uri="{BB962C8B-B14F-4D97-AF65-F5344CB8AC3E}">
-        <p14:creationId xmlns:p14="http://schemas.microsoft.com/office/powerpoint/2010/main" val="863539304"/>
+        <p14:creationId xmlns:p14="http://schemas.microsoft.com/office/powerpoint/2010/main" val="4107385447"/>
       </p:ext>
     </p:extLst>
   </p:cSld>
@@ -9430,6 +11925,208 @@
           </a:p>
         </p:txBody>
       </p:sp>
+      <p:pic>
+        <p:nvPicPr>
+          <p:cNvPr id="4" name="Picture 3"/>
+          <p:cNvPicPr>
+            <a:picLocks noChangeAspect="1"/>
+          </p:cNvPicPr>
+          <p:nvPr/>
+        </p:nvPicPr>
+        <p:blipFill>
+          <a:blip r:embed="rId3">
+            <a:extLst>
+              <a:ext uri="{28A0092B-C50C-407E-A947-70E740481C1C}">
+                <a14:useLocalDpi xmlns:a14="http://schemas.microsoft.com/office/drawing/2010/main" val="0"/>
+              </a:ext>
+            </a:extLst>
+          </a:blip>
+          <a:stretch>
+            <a:fillRect/>
+          </a:stretch>
+        </p:blipFill>
+        <p:spPr>
+          <a:xfrm>
+            <a:off x="762000" y="666750"/>
+            <a:ext cx="7620000" cy="3810000"/>
+          </a:xfrm>
+          <a:prstGeom prst="rect">
+            <a:avLst/>
+          </a:prstGeom>
+        </p:spPr>
+      </p:pic>
+    </p:spTree>
+    <p:extLst>
+      <p:ext uri="{BB962C8B-B14F-4D97-AF65-F5344CB8AC3E}">
+        <p14:creationId xmlns:p14="http://schemas.microsoft.com/office/powerpoint/2010/main" val="704729730"/>
+      </p:ext>
+    </p:extLst>
+  </p:cSld>
+  <p:clrMapOvr>
+    <a:masterClrMapping/>
+  </p:clrMapOvr>
+  <p:timing>
+    <p:tnLst>
+      <p:par>
+        <p:cTn id="1" dur="indefinite" restart="never" nodeType="tmRoot"/>
+      </p:par>
+    </p:tnLst>
+  </p:timing>
+</p:sld>
+</file>
+
+<file path=ppt/slides/slide6.xml><?xml version="1.0" encoding="utf-8"?>
+<p:sld xmlns:a="http://schemas.openxmlformats.org/drawingml/2006/main" xmlns:r="http://schemas.openxmlformats.org/officeDocument/2006/relationships" xmlns:p="http://schemas.openxmlformats.org/presentationml/2006/main">
+  <p:cSld>
+    <p:spTree>
+      <p:nvGrpSpPr>
+        <p:cNvPr id="1" name="Shape 102"/>
+        <p:cNvGrpSpPr/>
+        <p:nvPr/>
+      </p:nvGrpSpPr>
+      <p:grpSpPr>
+        <a:xfrm>
+          <a:off x="0" y="0"/>
+          <a:ext cx="0" cy="0"/>
+          <a:chOff x="0" y="0"/>
+          <a:chExt cx="0" cy="0"/>
+        </a:xfrm>
+      </p:grpSpPr>
+      <p:sp>
+        <p:nvSpPr>
+          <p:cNvPr id="103" name="Google Shape;103;p16"/>
+          <p:cNvSpPr txBox="1">
+            <a:spLocks noGrp="1"/>
+          </p:cNvSpPr>
+          <p:nvPr>
+            <p:ph type="title"/>
+          </p:nvPr>
+        </p:nvSpPr>
+        <p:spPr>
+          <a:xfrm>
+            <a:off x="0" y="3650"/>
+            <a:ext cx="9144000" cy="523232"/>
+          </a:xfrm>
+          <a:prstGeom prst="rect">
+            <a:avLst/>
+          </a:prstGeom>
+        </p:spPr>
+        <p:txBody>
+          <a:bodyPr spcFirstLastPara="1" wrap="square" lIns="91425" tIns="91425" rIns="91425" bIns="91425" anchor="t" anchorCtr="0">
+            <a:noAutofit/>
+          </a:bodyPr>
+          <a:lstStyle/>
+          <a:p>
+            <a:pPr algn="ctr"/>
+            <a:r>
+              <a:rPr lang="en-US" sz="2400" b="1" dirty="0" smtClean="0"/>
+              <a:t>NUMPY [NUMERICAL PYTHON]</a:t>
+            </a:r>
+            <a:endParaRPr lang="en-US" sz="2400" b="1" dirty="0"/>
+          </a:p>
+        </p:txBody>
+      </p:sp>
+      <p:pic>
+        <p:nvPicPr>
+          <p:cNvPr id="3" name="Picture 2"/>
+          <p:cNvPicPr>
+            <a:picLocks noChangeAspect="1"/>
+          </p:cNvPicPr>
+          <p:nvPr/>
+        </p:nvPicPr>
+        <p:blipFill>
+          <a:blip r:embed="rId3">
+            <a:extLst>
+              <a:ext uri="{28A0092B-C50C-407E-A947-70E740481C1C}">
+                <a14:useLocalDpi xmlns:a14="http://schemas.microsoft.com/office/drawing/2010/main" val="0"/>
+              </a:ext>
+            </a:extLst>
+          </a:blip>
+          <a:stretch>
+            <a:fillRect/>
+          </a:stretch>
+        </p:blipFill>
+        <p:spPr>
+          <a:xfrm>
+            <a:off x="762000" y="666750"/>
+            <a:ext cx="7620000" cy="3810000"/>
+          </a:xfrm>
+          <a:prstGeom prst="rect">
+            <a:avLst/>
+          </a:prstGeom>
+        </p:spPr>
+      </p:pic>
+    </p:spTree>
+    <p:extLst>
+      <p:ext uri="{BB962C8B-B14F-4D97-AF65-F5344CB8AC3E}">
+        <p14:creationId xmlns:p14="http://schemas.microsoft.com/office/powerpoint/2010/main" val="3818726586"/>
+      </p:ext>
+    </p:extLst>
+  </p:cSld>
+  <p:clrMapOvr>
+    <a:masterClrMapping/>
+  </p:clrMapOvr>
+  <p:timing>
+    <p:tnLst>
+      <p:par>
+        <p:cTn id="1" dur="indefinite" restart="never" nodeType="tmRoot"/>
+      </p:par>
+    </p:tnLst>
+  </p:timing>
+</p:sld>
+</file>
+
+<file path=ppt/slides/slide7.xml><?xml version="1.0" encoding="utf-8"?>
+<p:sld xmlns:a="http://schemas.openxmlformats.org/drawingml/2006/main" xmlns:r="http://schemas.openxmlformats.org/officeDocument/2006/relationships" xmlns:p="http://schemas.openxmlformats.org/presentationml/2006/main">
+  <p:cSld>
+    <p:spTree>
+      <p:nvGrpSpPr>
+        <p:cNvPr id="1" name="Shape 102"/>
+        <p:cNvGrpSpPr/>
+        <p:nvPr/>
+      </p:nvGrpSpPr>
+      <p:grpSpPr>
+        <a:xfrm>
+          <a:off x="0" y="0"/>
+          <a:ext cx="0" cy="0"/>
+          <a:chOff x="0" y="0"/>
+          <a:chExt cx="0" cy="0"/>
+        </a:xfrm>
+      </p:grpSpPr>
+      <p:sp>
+        <p:nvSpPr>
+          <p:cNvPr id="103" name="Google Shape;103;p16"/>
+          <p:cNvSpPr txBox="1">
+            <a:spLocks noGrp="1"/>
+          </p:cNvSpPr>
+          <p:nvPr>
+            <p:ph type="title"/>
+          </p:nvPr>
+        </p:nvSpPr>
+        <p:spPr>
+          <a:xfrm>
+            <a:off x="0" y="3650"/>
+            <a:ext cx="9144000" cy="523232"/>
+          </a:xfrm>
+          <a:prstGeom prst="rect">
+            <a:avLst/>
+          </a:prstGeom>
+        </p:spPr>
+        <p:txBody>
+          <a:bodyPr spcFirstLastPara="1" wrap="square" lIns="91425" tIns="91425" rIns="91425" bIns="91425" anchor="t" anchorCtr="0">
+            <a:noAutofit/>
+          </a:bodyPr>
+          <a:lstStyle/>
+          <a:p>
+            <a:pPr algn="ctr"/>
+            <a:r>
+              <a:rPr lang="en-US" sz="2400" b="1" dirty="0" smtClean="0"/>
+              <a:t>NUMPY [NUMERICAL PYTHON]</a:t>
+            </a:r>
+            <a:endParaRPr lang="en-US" sz="2400" b="1" dirty="0"/>
+          </a:p>
+        </p:txBody>
+      </p:sp>
       <p:sp>
         <p:nvSpPr>
           <p:cNvPr id="3" name="Rectangle 2"/>
@@ -9438,8 +12135,8 @@
         </p:nvSpPr>
         <p:spPr>
           <a:xfrm>
-            <a:off x="466529" y="544225"/>
-            <a:ext cx="8089641" cy="3785652"/>
+            <a:off x="466529" y="721506"/>
+            <a:ext cx="8089641" cy="3108543"/>
           </a:xfrm>
           <a:prstGeom prst="rect">
             <a:avLst/>
@@ -9451,548 +12148,170 @@
           </a:bodyPr>
           <a:lstStyle/>
           <a:p>
-            <a:r>
-              <a:rPr lang="en-US" sz="1200" b="1" u="sng" dirty="0"/>
-              <a:t>Check Number of Dimensions?</a:t>
-            </a:r>
-          </a:p>
-          <a:p>
-            <a:r>
-              <a:rPr lang="en-US" sz="1200" dirty="0" err="1"/>
+            <a:pPr fontAlgn="base"/>
+            <a:r>
+              <a:rPr lang="en-US" dirty="0" err="1" smtClean="0"/>
+              <a:t>Numpy</a:t>
+            </a:r>
+            <a:r>
+              <a:rPr lang="en-US" dirty="0" smtClean="0"/>
+              <a:t> Package is used to </a:t>
+            </a:r>
+            <a:r>
+              <a:rPr lang="en-US" dirty="0"/>
+              <a:t>perform a wide range of numerical operations, including</a:t>
+            </a:r>
+            <a:r>
+              <a:rPr lang="en-US" dirty="0" smtClean="0"/>
+              <a:t>:</a:t>
+            </a:r>
+          </a:p>
+          <a:p>
+            <a:pPr fontAlgn="base"/>
+            <a:endParaRPr lang="en-US" dirty="0"/>
+          </a:p>
+          <a:p>
+            <a:pPr marL="285750" indent="-285750" fontAlgn="base">
+              <a:buFont typeface="Arial" pitchFamily="34" charset="0"/>
+              <a:buChar char="•"/>
+            </a:pPr>
+            <a:r>
+              <a:rPr lang="en-US" dirty="0"/>
+              <a:t>Creating and manipulating arrays.</a:t>
+            </a:r>
+          </a:p>
+          <a:p>
+            <a:pPr marL="285750" indent="-285750" fontAlgn="base">
+              <a:buFont typeface="Arial" pitchFamily="34" charset="0"/>
+              <a:buChar char="•"/>
+            </a:pPr>
+            <a:r>
+              <a:rPr lang="en-US" dirty="0"/>
+              <a:t>Performing element-wise and matrix operations.</a:t>
+            </a:r>
+          </a:p>
+          <a:p>
+            <a:pPr marL="285750" indent="-285750" fontAlgn="base">
+              <a:buFont typeface="Arial" pitchFamily="34" charset="0"/>
+              <a:buChar char="•"/>
+            </a:pPr>
+            <a:r>
+              <a:rPr lang="en-US" dirty="0"/>
+              <a:t>Generating random numbers and statistical calculations.</a:t>
+            </a:r>
+          </a:p>
+          <a:p>
+            <a:pPr marL="285750" indent="-285750" fontAlgn="base">
+              <a:buFont typeface="Arial" pitchFamily="34" charset="0"/>
+              <a:buChar char="•"/>
+            </a:pPr>
+            <a:r>
+              <a:rPr lang="en-US" dirty="0"/>
+              <a:t>Conducting linear algebra operations.</a:t>
+            </a:r>
+          </a:p>
+          <a:p>
+            <a:pPr marL="285750" indent="-285750" fontAlgn="base">
+              <a:buFont typeface="Arial" pitchFamily="34" charset="0"/>
+              <a:buChar char="•"/>
+            </a:pPr>
+            <a:r>
+              <a:rPr lang="en-US" dirty="0"/>
+              <a:t>Working with Fourier transformations.</a:t>
+            </a:r>
+          </a:p>
+          <a:p>
+            <a:pPr marL="285750" indent="-285750" fontAlgn="base">
+              <a:buFont typeface="Arial" pitchFamily="34" charset="0"/>
+              <a:buChar char="•"/>
+            </a:pPr>
+            <a:r>
+              <a:rPr lang="en-US" dirty="0"/>
+              <a:t>Handling missing values efficiently in datasets.</a:t>
+            </a:r>
+          </a:p>
+          <a:p>
+            <a:endParaRPr lang="en-US" dirty="0"/>
+          </a:p>
+          <a:p>
+            <a:r>
+              <a:rPr lang="en-US" b="1" u="sng" dirty="0" smtClean="0"/>
+              <a:t>INSTALLATION:</a:t>
+            </a:r>
+          </a:p>
+          <a:p>
+            <a:r>
+              <a:rPr lang="en-US" dirty="0"/>
+              <a:t>If you have </a:t>
+            </a:r>
+            <a:r>
+              <a:rPr lang="en-US" dirty="0">
+                <a:hlinkClick r:id="rId3"/>
+              </a:rPr>
+              <a:t>Python</a:t>
+            </a:r>
+            <a:r>
+              <a:rPr lang="en-US" dirty="0"/>
+              <a:t> and </a:t>
+            </a:r>
+            <a:r>
+              <a:rPr lang="en-US" dirty="0">
+                <a:hlinkClick r:id="rId4"/>
+              </a:rPr>
+              <a:t>PIP</a:t>
+            </a:r>
+            <a:r>
+              <a:rPr lang="en-US" dirty="0"/>
+              <a:t> already installed on a system, then installation of </a:t>
+            </a:r>
+            <a:r>
+              <a:rPr lang="en-US" dirty="0" err="1"/>
               <a:t>NumPy</a:t>
             </a:r>
             <a:r>
-              <a:rPr lang="en-US" sz="1200" dirty="0"/>
-              <a:t> Arrays provides the </a:t>
-            </a:r>
-            <a:r>
-              <a:rPr lang="en-US" sz="1200" dirty="0" err="1"/>
-              <a:t>ndim</a:t>
-            </a:r>
-            <a:r>
-              <a:rPr lang="en-US" sz="1200" dirty="0"/>
-              <a:t> attribute that returns an integer that tells us how many dimensions the array have</a:t>
-            </a:r>
-            <a:r>
-              <a:rPr lang="en-US" sz="1200" dirty="0" smtClean="0"/>
-              <a:t>.</a:t>
-            </a:r>
-          </a:p>
-          <a:p>
-            <a:endParaRPr lang="en-US" sz="1200" dirty="0"/>
-          </a:p>
-          <a:p>
-            <a:r>
-              <a:rPr lang="en-US" sz="1200" b="1" dirty="0">
-                <a:solidFill>
-                  <a:schemeClr val="tx1"/>
-                </a:solidFill>
-              </a:rPr>
-              <a:t>import </a:t>
-            </a:r>
-            <a:r>
-              <a:rPr lang="en-US" sz="1200" b="1" dirty="0" err="1">
+              <a:rPr lang="en-US" dirty="0"/>
+              <a:t> is very easy.</a:t>
+            </a:r>
+          </a:p>
+          <a:p>
+            <a:r>
+              <a:rPr lang="en-US" dirty="0"/>
+              <a:t>Install it using this command</a:t>
+            </a:r>
+            <a:r>
+              <a:rPr lang="en-US" dirty="0" smtClean="0"/>
+              <a:t>:</a:t>
+            </a:r>
+          </a:p>
+          <a:p>
+            <a:endParaRPr lang="en-US" dirty="0"/>
+          </a:p>
+          <a:p>
+            <a:r>
+              <a:rPr lang="en-US" b="1" dirty="0" smtClean="0">
+                <a:solidFill>
+                  <a:schemeClr val="tx1"/>
+                </a:solidFill>
+              </a:rPr>
+              <a:t>pip </a:t>
+            </a:r>
+            <a:r>
+              <a:rPr lang="en-US" b="1" dirty="0">
+                <a:solidFill>
+                  <a:schemeClr val="tx1"/>
+                </a:solidFill>
+              </a:rPr>
+              <a:t>install </a:t>
+            </a:r>
+            <a:r>
+              <a:rPr lang="en-US" b="1" dirty="0" err="1" smtClean="0">
                 <a:solidFill>
                   <a:schemeClr val="tx1"/>
                 </a:solidFill>
               </a:rPr>
               <a:t>numpy</a:t>
             </a:r>
-            <a:r>
-              <a:rPr lang="en-US" sz="1200" b="1" dirty="0">
-                <a:solidFill>
-                  <a:schemeClr val="tx1"/>
-                </a:solidFill>
-              </a:rPr>
-              <a:t> as np</a:t>
-            </a:r>
-            <a:r>
-              <a:rPr lang="en-US" sz="1200" b="1" dirty="0">
-                <a:solidFill>
-                  <a:schemeClr val="tx1"/>
-                </a:solidFill>
-              </a:rPr>
-              <a:t/>
-            </a:r>
-            <a:br>
-              <a:rPr lang="en-US" sz="1200" b="1" dirty="0">
-                <a:solidFill>
-                  <a:schemeClr val="tx1"/>
-                </a:solidFill>
-              </a:rPr>
-            </a:br>
-            <a:r>
-              <a:rPr lang="en-US" sz="1200" b="1" dirty="0">
-                <a:solidFill>
-                  <a:schemeClr val="tx1"/>
-                </a:solidFill>
-              </a:rPr>
-              <a:t/>
-            </a:r>
-            <a:br>
-              <a:rPr lang="en-US" sz="1200" b="1" dirty="0">
-                <a:solidFill>
-                  <a:schemeClr val="tx1"/>
-                </a:solidFill>
-              </a:rPr>
-            </a:br>
-            <a:r>
-              <a:rPr lang="en-US" sz="1200" b="1" dirty="0">
-                <a:solidFill>
-                  <a:schemeClr val="tx1"/>
-                </a:solidFill>
-              </a:rPr>
-              <a:t>a = </a:t>
-            </a:r>
-            <a:r>
-              <a:rPr lang="en-US" sz="1200" b="1" dirty="0" err="1">
-                <a:solidFill>
-                  <a:schemeClr val="tx1"/>
-                </a:solidFill>
-              </a:rPr>
-              <a:t>np.array</a:t>
-            </a:r>
-            <a:r>
-              <a:rPr lang="en-US" sz="1200" b="1" dirty="0">
-                <a:solidFill>
-                  <a:schemeClr val="tx1"/>
-                </a:solidFill>
-              </a:rPr>
-              <a:t>(42)</a:t>
-            </a:r>
-            <a:r>
-              <a:rPr lang="en-US" sz="1200" b="1" dirty="0">
-                <a:solidFill>
-                  <a:schemeClr val="tx1"/>
-                </a:solidFill>
-              </a:rPr>
-              <a:t/>
-            </a:r>
-            <a:br>
-              <a:rPr lang="en-US" sz="1200" b="1" dirty="0">
-                <a:solidFill>
-                  <a:schemeClr val="tx1"/>
-                </a:solidFill>
-              </a:rPr>
-            </a:br>
-            <a:r>
-              <a:rPr lang="en-US" sz="1200" b="1" dirty="0">
-                <a:solidFill>
-                  <a:schemeClr val="tx1"/>
-                </a:solidFill>
-              </a:rPr>
-              <a:t>b = </a:t>
-            </a:r>
-            <a:r>
-              <a:rPr lang="en-US" sz="1200" b="1" dirty="0" err="1">
-                <a:solidFill>
-                  <a:schemeClr val="tx1"/>
-                </a:solidFill>
-              </a:rPr>
-              <a:t>np.array</a:t>
-            </a:r>
-            <a:r>
-              <a:rPr lang="en-US" sz="1200" b="1" dirty="0">
-                <a:solidFill>
-                  <a:schemeClr val="tx1"/>
-                </a:solidFill>
-              </a:rPr>
-              <a:t>([1, 2, 3, 4, 5])</a:t>
-            </a:r>
-            <a:r>
-              <a:rPr lang="en-US" sz="1200" b="1" dirty="0">
-                <a:solidFill>
-                  <a:schemeClr val="tx1"/>
-                </a:solidFill>
-              </a:rPr>
-              <a:t/>
-            </a:r>
-            <a:br>
-              <a:rPr lang="en-US" sz="1200" b="1" dirty="0">
-                <a:solidFill>
-                  <a:schemeClr val="tx1"/>
-                </a:solidFill>
-              </a:rPr>
-            </a:br>
-            <a:r>
-              <a:rPr lang="en-US" sz="1200" b="1" dirty="0">
-                <a:solidFill>
-                  <a:schemeClr val="tx1"/>
-                </a:solidFill>
-              </a:rPr>
-              <a:t>c = </a:t>
-            </a:r>
-            <a:r>
-              <a:rPr lang="en-US" sz="1200" b="1" dirty="0" err="1">
-                <a:solidFill>
-                  <a:schemeClr val="tx1"/>
-                </a:solidFill>
-              </a:rPr>
-              <a:t>np.array</a:t>
-            </a:r>
-            <a:r>
-              <a:rPr lang="en-US" sz="1200" b="1" dirty="0">
-                <a:solidFill>
-                  <a:schemeClr val="tx1"/>
-                </a:solidFill>
-              </a:rPr>
-              <a:t>([[1, 2, 3], [4, 5, 6]])</a:t>
-            </a:r>
-            <a:r>
-              <a:rPr lang="en-US" sz="1200" b="1" dirty="0">
-                <a:solidFill>
-                  <a:schemeClr val="tx1"/>
-                </a:solidFill>
-              </a:rPr>
-              <a:t/>
-            </a:r>
-            <a:br>
-              <a:rPr lang="en-US" sz="1200" b="1" dirty="0">
-                <a:solidFill>
-                  <a:schemeClr val="tx1"/>
-                </a:solidFill>
-              </a:rPr>
-            </a:br>
-            <a:r>
-              <a:rPr lang="en-US" sz="1200" b="1" dirty="0">
-                <a:solidFill>
-                  <a:schemeClr val="tx1"/>
-                </a:solidFill>
-              </a:rPr>
-              <a:t>d = </a:t>
-            </a:r>
-            <a:r>
-              <a:rPr lang="en-US" sz="1200" b="1" dirty="0" err="1">
-                <a:solidFill>
-                  <a:schemeClr val="tx1"/>
-                </a:solidFill>
-              </a:rPr>
-              <a:t>np.array</a:t>
-            </a:r>
-            <a:r>
-              <a:rPr lang="en-US" sz="1200" b="1" dirty="0">
-                <a:solidFill>
-                  <a:schemeClr val="tx1"/>
-                </a:solidFill>
-              </a:rPr>
-              <a:t>([[[1, 2, 3], [4, 5, 6]], [[1, 2, 3], [4, 5, 6]]])</a:t>
-            </a:r>
-            <a:r>
-              <a:rPr lang="en-US" sz="1200" b="1" dirty="0">
-                <a:solidFill>
-                  <a:schemeClr val="tx1"/>
-                </a:solidFill>
-              </a:rPr>
-              <a:t/>
-            </a:r>
-            <a:br>
-              <a:rPr lang="en-US" sz="1200" b="1" dirty="0">
-                <a:solidFill>
-                  <a:schemeClr val="tx1"/>
-                </a:solidFill>
-              </a:rPr>
-            </a:br>
-            <a:r>
-              <a:rPr lang="en-US" sz="1200" b="1" dirty="0">
-                <a:solidFill>
-                  <a:schemeClr val="tx1"/>
-                </a:solidFill>
-              </a:rPr>
-              <a:t/>
-            </a:r>
-            <a:br>
-              <a:rPr lang="en-US" sz="1200" b="1" dirty="0">
-                <a:solidFill>
-                  <a:schemeClr val="tx1"/>
-                </a:solidFill>
-              </a:rPr>
-            </a:br>
-            <a:r>
-              <a:rPr lang="en-US" sz="1200" b="1" dirty="0">
-                <a:solidFill>
-                  <a:schemeClr val="tx1"/>
-                </a:solidFill>
-              </a:rPr>
-              <a:t>print(</a:t>
-            </a:r>
-            <a:r>
-              <a:rPr lang="en-US" sz="1200" b="1" dirty="0" err="1">
-                <a:solidFill>
-                  <a:schemeClr val="tx1"/>
-                </a:solidFill>
-              </a:rPr>
-              <a:t>a.ndim</a:t>
-            </a:r>
-            <a:r>
-              <a:rPr lang="en-US" sz="1200" b="1" dirty="0">
-                <a:solidFill>
-                  <a:schemeClr val="tx1"/>
-                </a:solidFill>
-              </a:rPr>
-              <a:t>)</a:t>
-            </a:r>
-            <a:r>
-              <a:rPr lang="en-US" sz="1200" b="1" dirty="0">
-                <a:solidFill>
-                  <a:schemeClr val="tx1"/>
-                </a:solidFill>
-              </a:rPr>
-              <a:t/>
-            </a:r>
-            <a:br>
-              <a:rPr lang="en-US" sz="1200" b="1" dirty="0">
-                <a:solidFill>
-                  <a:schemeClr val="tx1"/>
-                </a:solidFill>
-              </a:rPr>
-            </a:br>
-            <a:r>
-              <a:rPr lang="en-US" sz="1200" b="1" dirty="0">
-                <a:solidFill>
-                  <a:schemeClr val="tx1"/>
-                </a:solidFill>
-              </a:rPr>
-              <a:t>print(</a:t>
-            </a:r>
-            <a:r>
-              <a:rPr lang="en-US" sz="1200" b="1" dirty="0" err="1">
-                <a:solidFill>
-                  <a:schemeClr val="tx1"/>
-                </a:solidFill>
-              </a:rPr>
-              <a:t>b.ndim</a:t>
-            </a:r>
-            <a:r>
-              <a:rPr lang="en-US" sz="1200" b="1" dirty="0">
-                <a:solidFill>
-                  <a:schemeClr val="tx1"/>
-                </a:solidFill>
-              </a:rPr>
-              <a:t>)</a:t>
-            </a:r>
-            <a:r>
-              <a:rPr lang="en-US" sz="1200" b="1" dirty="0">
-                <a:solidFill>
-                  <a:schemeClr val="tx1"/>
-                </a:solidFill>
-              </a:rPr>
-              <a:t/>
-            </a:r>
-            <a:br>
-              <a:rPr lang="en-US" sz="1200" b="1" dirty="0">
-                <a:solidFill>
-                  <a:schemeClr val="tx1"/>
-                </a:solidFill>
-              </a:rPr>
-            </a:br>
-            <a:r>
-              <a:rPr lang="en-US" sz="1200" b="1" dirty="0">
-                <a:solidFill>
-                  <a:schemeClr val="tx1"/>
-                </a:solidFill>
-              </a:rPr>
-              <a:t>print(</a:t>
-            </a:r>
-            <a:r>
-              <a:rPr lang="en-US" sz="1200" b="1" dirty="0" err="1">
-                <a:solidFill>
-                  <a:schemeClr val="tx1"/>
-                </a:solidFill>
-              </a:rPr>
-              <a:t>c.ndim</a:t>
-            </a:r>
-            <a:r>
-              <a:rPr lang="en-US" sz="1200" b="1" dirty="0">
-                <a:solidFill>
-                  <a:schemeClr val="tx1"/>
-                </a:solidFill>
-              </a:rPr>
-              <a:t>)</a:t>
-            </a:r>
-            <a:r>
-              <a:rPr lang="en-US" sz="1200" b="1" dirty="0">
-                <a:solidFill>
-                  <a:schemeClr val="tx1"/>
-                </a:solidFill>
-              </a:rPr>
-              <a:t/>
-            </a:r>
-            <a:br>
-              <a:rPr lang="en-US" sz="1200" b="1" dirty="0">
-                <a:solidFill>
-                  <a:schemeClr val="tx1"/>
-                </a:solidFill>
-              </a:rPr>
-            </a:br>
-            <a:r>
-              <a:rPr lang="en-US" sz="1200" b="1" dirty="0">
-                <a:solidFill>
-                  <a:schemeClr val="tx1"/>
-                </a:solidFill>
-              </a:rPr>
-              <a:t>print(</a:t>
-            </a:r>
-            <a:r>
-              <a:rPr lang="en-US" sz="1200" b="1" dirty="0" err="1">
-                <a:solidFill>
-                  <a:schemeClr val="tx1"/>
-                </a:solidFill>
-              </a:rPr>
-              <a:t>d.ndim</a:t>
-            </a:r>
-            <a:r>
-              <a:rPr lang="en-US" sz="1200" b="1" dirty="0" smtClean="0">
-                <a:solidFill>
-                  <a:schemeClr val="tx1"/>
-                </a:solidFill>
-              </a:rPr>
-              <a:t>)</a:t>
-            </a:r>
-          </a:p>
-          <a:p>
-            <a:endParaRPr lang="en-US" sz="1200" b="1" dirty="0">
-              <a:solidFill>
-                <a:schemeClr val="tx1"/>
-              </a:solidFill>
-            </a:endParaRPr>
-          </a:p>
-          <a:p>
-            <a:r>
-              <a:rPr lang="en-US" sz="1200" b="1" u="sng" dirty="0"/>
-              <a:t>Checking the Data Type of an </a:t>
-            </a:r>
-            <a:r>
-              <a:rPr lang="en-US" sz="1200" b="1" u="sng" dirty="0" smtClean="0"/>
-              <a:t>Array</a:t>
-            </a:r>
-          </a:p>
-          <a:p>
-            <a:endParaRPr lang="en-US" sz="1200" b="1" u="sng" dirty="0">
-              <a:solidFill>
-                <a:schemeClr val="tx1"/>
-              </a:solidFill>
-            </a:endParaRPr>
-          </a:p>
-          <a:p>
-            <a:r>
-              <a:rPr lang="en-US" sz="1200" dirty="0">
-                <a:solidFill>
-                  <a:schemeClr val="tx1"/>
-                </a:solidFill>
-              </a:rPr>
-              <a:t>import </a:t>
-            </a:r>
-            <a:r>
-              <a:rPr lang="en-US" sz="1200" dirty="0" err="1">
-                <a:solidFill>
-                  <a:schemeClr val="tx1"/>
-                </a:solidFill>
-              </a:rPr>
-              <a:t>numpy</a:t>
-            </a:r>
-            <a:r>
-              <a:rPr lang="en-US" sz="1200" dirty="0">
-                <a:solidFill>
-                  <a:schemeClr val="tx1"/>
-                </a:solidFill>
-              </a:rPr>
-              <a:t> as np</a:t>
-            </a:r>
-            <a:r>
-              <a:rPr lang="en-US" sz="1200" dirty="0">
-                <a:solidFill>
-                  <a:schemeClr val="tx1"/>
-                </a:solidFill>
-              </a:rPr>
-              <a:t/>
-            </a:r>
-            <a:br>
-              <a:rPr lang="en-US" sz="1200" dirty="0">
-                <a:solidFill>
-                  <a:schemeClr val="tx1"/>
-                </a:solidFill>
-              </a:rPr>
-            </a:br>
-            <a:r>
-              <a:rPr lang="en-US" sz="1200" dirty="0" err="1" smtClean="0">
-                <a:solidFill>
-                  <a:schemeClr val="tx1"/>
-                </a:solidFill>
-              </a:rPr>
-              <a:t>arr</a:t>
-            </a:r>
-            <a:r>
-              <a:rPr lang="en-US" sz="1200" dirty="0" smtClean="0">
-                <a:solidFill>
-                  <a:schemeClr val="tx1"/>
-                </a:solidFill>
-              </a:rPr>
-              <a:t> </a:t>
-            </a:r>
-            <a:r>
-              <a:rPr lang="en-US" sz="1200" dirty="0">
-                <a:solidFill>
-                  <a:schemeClr val="tx1"/>
-                </a:solidFill>
-              </a:rPr>
-              <a:t>= </a:t>
-            </a:r>
-            <a:r>
-              <a:rPr lang="en-US" sz="1200" dirty="0" err="1">
-                <a:solidFill>
-                  <a:schemeClr val="tx1"/>
-                </a:solidFill>
-              </a:rPr>
-              <a:t>np.array</a:t>
-            </a:r>
-            <a:r>
-              <a:rPr lang="en-US" sz="1200" dirty="0">
-                <a:solidFill>
-                  <a:schemeClr val="tx1"/>
-                </a:solidFill>
-              </a:rPr>
-              <a:t>([1, 2, 3, 4])</a:t>
-            </a:r>
-            <a:r>
-              <a:rPr lang="en-US" sz="1200">
-                <a:solidFill>
-                  <a:schemeClr val="tx1"/>
-                </a:solidFill>
-              </a:rPr>
-              <a:t/>
-            </a:r>
-            <a:br>
-              <a:rPr lang="en-US" sz="1200">
-                <a:solidFill>
-                  <a:schemeClr val="tx1"/>
-                </a:solidFill>
-              </a:rPr>
-            </a:br>
-            <a:r>
-              <a:rPr lang="en-US" sz="1200" smtClean="0">
-                <a:solidFill>
-                  <a:schemeClr val="tx1"/>
-                </a:solidFill>
-              </a:rPr>
-              <a:t>print(</a:t>
-            </a:r>
-            <a:r>
-              <a:rPr lang="en-US" sz="1200" dirty="0" err="1" smtClean="0">
-                <a:solidFill>
-                  <a:schemeClr val="tx1"/>
-                </a:solidFill>
-              </a:rPr>
-              <a:t>arr.dtype</a:t>
-            </a:r>
-            <a:r>
-              <a:rPr lang="en-US" sz="1200" dirty="0">
-                <a:solidFill>
-                  <a:schemeClr val="tx1"/>
-                </a:solidFill>
-              </a:rPr>
-              <a:t>)</a:t>
-            </a:r>
-            <a:endParaRPr lang="en-US" sz="1200" b="1" dirty="0">
+            <a:endParaRPr lang="en-US" b="1" dirty="0" smtClean="0">
               <a:solidFill>
                 <a:schemeClr val="tx1"/>
               </a:solidFill>
@@ -10003,7 +12322,788 @@
     </p:spTree>
     <p:extLst>
       <p:ext uri="{BB962C8B-B14F-4D97-AF65-F5344CB8AC3E}">
-        <p14:creationId xmlns:p14="http://schemas.microsoft.com/office/powerpoint/2010/main" val="2950526010"/>
+        <p14:creationId xmlns:p14="http://schemas.microsoft.com/office/powerpoint/2010/main" val="2091425668"/>
+      </p:ext>
+    </p:extLst>
+  </p:cSld>
+  <p:clrMapOvr>
+    <a:masterClrMapping/>
+  </p:clrMapOvr>
+  <p:timing>
+    <p:tnLst>
+      <p:par>
+        <p:cTn id="1" dur="indefinite" restart="never" nodeType="tmRoot"/>
+      </p:par>
+    </p:tnLst>
+  </p:timing>
+</p:sld>
+</file>
+
+<file path=ppt/slides/slide8.xml><?xml version="1.0" encoding="utf-8"?>
+<p:sld xmlns:a="http://schemas.openxmlformats.org/drawingml/2006/main" xmlns:r="http://schemas.openxmlformats.org/officeDocument/2006/relationships" xmlns:p="http://schemas.openxmlformats.org/presentationml/2006/main">
+  <p:cSld>
+    <p:spTree>
+      <p:nvGrpSpPr>
+        <p:cNvPr id="1" name="Shape 102"/>
+        <p:cNvGrpSpPr/>
+        <p:nvPr/>
+      </p:nvGrpSpPr>
+      <p:grpSpPr>
+        <a:xfrm>
+          <a:off x="0" y="0"/>
+          <a:ext cx="0" cy="0"/>
+          <a:chOff x="0" y="0"/>
+          <a:chExt cx="0" cy="0"/>
+        </a:xfrm>
+      </p:grpSpPr>
+      <p:sp>
+        <p:nvSpPr>
+          <p:cNvPr id="103" name="Google Shape;103;p16"/>
+          <p:cNvSpPr txBox="1">
+            <a:spLocks noGrp="1"/>
+          </p:cNvSpPr>
+          <p:nvPr>
+            <p:ph type="title"/>
+          </p:nvPr>
+        </p:nvSpPr>
+        <p:spPr>
+          <a:xfrm>
+            <a:off x="0" y="3650"/>
+            <a:ext cx="9144000" cy="523232"/>
+          </a:xfrm>
+          <a:prstGeom prst="rect">
+            <a:avLst/>
+          </a:prstGeom>
+        </p:spPr>
+        <p:txBody>
+          <a:bodyPr spcFirstLastPara="1" wrap="square" lIns="91425" tIns="91425" rIns="91425" bIns="91425" anchor="t" anchorCtr="0">
+            <a:noAutofit/>
+          </a:bodyPr>
+          <a:lstStyle/>
+          <a:p>
+            <a:pPr algn="ctr"/>
+            <a:r>
+              <a:rPr lang="en-US" sz="2400" b="1" dirty="0" smtClean="0"/>
+              <a:t>NUMPY [NUMERICAL PYTHON]</a:t>
+            </a:r>
+            <a:endParaRPr lang="en-US" sz="2400" b="1" dirty="0"/>
+          </a:p>
+        </p:txBody>
+      </p:sp>
+      <p:sp>
+        <p:nvSpPr>
+          <p:cNvPr id="3" name="Rectangle 2"/>
+          <p:cNvSpPr/>
+          <p:nvPr/>
+        </p:nvSpPr>
+        <p:spPr>
+          <a:xfrm>
+            <a:off x="466529" y="721506"/>
+            <a:ext cx="8089641" cy="3970318"/>
+          </a:xfrm>
+          <a:prstGeom prst="rect">
+            <a:avLst/>
+          </a:prstGeom>
+        </p:spPr>
+        <p:txBody>
+          <a:bodyPr wrap="square">
+            <a:spAutoFit/>
+          </a:bodyPr>
+          <a:lstStyle/>
+          <a:p>
+            <a:r>
+              <a:rPr lang="en-US" b="1" u="sng" dirty="0" smtClean="0"/>
+              <a:t>Import </a:t>
+            </a:r>
+            <a:r>
+              <a:rPr lang="en-US" b="1" u="sng" dirty="0" err="1" smtClean="0"/>
+              <a:t>NumPy</a:t>
+            </a:r>
+            <a:endParaRPr lang="en-US" b="1" u="sng" dirty="0" smtClean="0"/>
+          </a:p>
+          <a:p>
+            <a:endParaRPr lang="en-US" b="1" u="sng" dirty="0"/>
+          </a:p>
+          <a:p>
+            <a:r>
+              <a:rPr lang="en-US" dirty="0"/>
+              <a:t>import </a:t>
+            </a:r>
+            <a:r>
+              <a:rPr lang="en-US" dirty="0" err="1"/>
+              <a:t>numpy</a:t>
+            </a:r>
+            <a:r>
+              <a:rPr lang="en-US" dirty="0"/>
+              <a:t> as np</a:t>
+            </a:r>
+          </a:p>
+          <a:p>
+            <a:endParaRPr lang="en-US" dirty="0"/>
+          </a:p>
+          <a:p>
+            <a:r>
+              <a:rPr lang="en-US" dirty="0" err="1"/>
+              <a:t>my_list</a:t>
+            </a:r>
+            <a:r>
+              <a:rPr lang="en-US" dirty="0"/>
+              <a:t> = [1, 2, 3, 4, 5]</a:t>
+            </a:r>
+          </a:p>
+          <a:p>
+            <a:r>
+              <a:rPr lang="en-US" dirty="0" err="1"/>
+              <a:t>numpy_array</a:t>
+            </a:r>
+            <a:r>
+              <a:rPr lang="en-US" dirty="0"/>
+              <a:t> = </a:t>
+            </a:r>
+            <a:r>
+              <a:rPr lang="en-US" dirty="0" err="1"/>
+              <a:t>np.array</a:t>
+            </a:r>
+            <a:r>
+              <a:rPr lang="en-US" dirty="0"/>
+              <a:t>(</a:t>
+            </a:r>
+            <a:r>
+              <a:rPr lang="en-US" dirty="0" err="1"/>
+              <a:t>my_list</a:t>
+            </a:r>
+            <a:r>
+              <a:rPr lang="en-US" dirty="0"/>
+              <a:t>)</a:t>
+            </a:r>
+          </a:p>
+          <a:p>
+            <a:r>
+              <a:rPr lang="en-US" dirty="0"/>
+              <a:t>print("Simple </a:t>
+            </a:r>
+            <a:r>
+              <a:rPr lang="en-US" dirty="0" err="1"/>
+              <a:t>NumPy</a:t>
+            </a:r>
+            <a:r>
+              <a:rPr lang="en-US" dirty="0"/>
+              <a:t> Array:",</a:t>
+            </a:r>
+            <a:r>
+              <a:rPr lang="en-US" dirty="0" err="1"/>
+              <a:t>numpy_array</a:t>
+            </a:r>
+            <a:r>
+              <a:rPr lang="en-US" dirty="0" smtClean="0"/>
+              <a:t>)</a:t>
+            </a:r>
+          </a:p>
+          <a:p>
+            <a:endParaRPr lang="en-US" dirty="0"/>
+          </a:p>
+          <a:p>
+            <a:pPr fontAlgn="base"/>
+            <a:r>
+              <a:rPr lang="en-US" b="1" u="sng" dirty="0"/>
+              <a:t>Initialize a Python </a:t>
+            </a:r>
+            <a:r>
+              <a:rPr lang="en-US" b="1" u="sng" dirty="0" err="1"/>
+              <a:t>NumPy</a:t>
+            </a:r>
+            <a:r>
+              <a:rPr lang="en-US" b="1" u="sng" dirty="0"/>
+              <a:t> Array Using Special Functions</a:t>
+            </a:r>
+          </a:p>
+          <a:p>
+            <a:endParaRPr lang="en-US" b="1" u="sng" dirty="0"/>
+          </a:p>
+          <a:p>
+            <a:pPr fontAlgn="base"/>
+            <a:r>
+              <a:rPr lang="en-US" dirty="0" err="1"/>
+              <a:t>NumPy</a:t>
+            </a:r>
+            <a:r>
+              <a:rPr lang="en-US" dirty="0"/>
+              <a:t> provides several built-in functions to generate arrays with specific properties.</a:t>
+            </a:r>
+          </a:p>
+          <a:p>
+            <a:pPr fontAlgn="base"/>
+            <a:r>
+              <a:rPr lang="en-US" u="sng" dirty="0" err="1">
+                <a:hlinkClick r:id="rId3"/>
+              </a:rPr>
+              <a:t>np.zeros</a:t>
+            </a:r>
+            <a:r>
+              <a:rPr lang="en-US" u="sng" dirty="0">
+                <a:hlinkClick r:id="rId3"/>
+              </a:rPr>
+              <a:t>()</a:t>
+            </a:r>
+            <a:r>
+              <a:rPr lang="en-US" dirty="0"/>
+              <a:t>: Creates an array filled with zeros.</a:t>
+            </a:r>
+          </a:p>
+          <a:p>
+            <a:pPr fontAlgn="base"/>
+            <a:r>
+              <a:rPr lang="en-US" u="sng" dirty="0" err="1">
+                <a:hlinkClick r:id="rId4"/>
+              </a:rPr>
+              <a:t>np.ones</a:t>
+            </a:r>
+            <a:r>
+              <a:rPr lang="en-US" u="sng" dirty="0">
+                <a:hlinkClick r:id="rId4"/>
+              </a:rPr>
+              <a:t>()</a:t>
+            </a:r>
+            <a:r>
+              <a:rPr lang="en-US" dirty="0"/>
+              <a:t>: Creates an array filled with ones.</a:t>
+            </a:r>
+          </a:p>
+          <a:p>
+            <a:pPr fontAlgn="base"/>
+            <a:r>
+              <a:rPr lang="en-US" u="sng" dirty="0" err="1">
+                <a:hlinkClick r:id="rId5"/>
+              </a:rPr>
+              <a:t>np.full</a:t>
+            </a:r>
+            <a:r>
+              <a:rPr lang="en-US" u="sng" dirty="0">
+                <a:hlinkClick r:id="rId5"/>
+              </a:rPr>
+              <a:t>(): </a:t>
+            </a:r>
+            <a:r>
+              <a:rPr lang="en-US" dirty="0"/>
+              <a:t>Creates an array filled with a specified value.</a:t>
+            </a:r>
+          </a:p>
+          <a:p>
+            <a:pPr fontAlgn="base"/>
+            <a:r>
+              <a:rPr lang="en-US" u="sng" dirty="0" err="1">
+                <a:hlinkClick r:id="rId6"/>
+              </a:rPr>
+              <a:t>np.arange</a:t>
+            </a:r>
+            <a:r>
+              <a:rPr lang="en-US" u="sng" dirty="0">
+                <a:hlinkClick r:id="rId6"/>
+              </a:rPr>
+              <a:t>()</a:t>
+            </a:r>
+            <a:r>
+              <a:rPr lang="en-US" dirty="0"/>
+              <a:t>: Creates an array with values that are evenly spaced within a given range.</a:t>
+            </a:r>
+          </a:p>
+          <a:p>
+            <a:pPr fontAlgn="base"/>
+            <a:r>
+              <a:rPr lang="en-US" u="sng" dirty="0" err="1">
+                <a:hlinkClick r:id="rId7"/>
+              </a:rPr>
+              <a:t>np.linspace</a:t>
+            </a:r>
+            <a:r>
+              <a:rPr lang="en-US" u="sng" dirty="0">
+                <a:hlinkClick r:id="rId7"/>
+              </a:rPr>
+              <a:t>()</a:t>
+            </a:r>
+            <a:r>
+              <a:rPr lang="en-US" dirty="0"/>
+              <a:t>: Creates an array with values that are evenly spaced over a specified interval.</a:t>
+            </a:r>
+          </a:p>
+          <a:p>
+            <a:endParaRPr lang="en-US" dirty="0" smtClean="0"/>
+          </a:p>
+          <a:p>
+            <a:endParaRPr lang="en-US" b="1" dirty="0">
+              <a:solidFill>
+                <a:schemeClr val="tx1"/>
+              </a:solidFill>
+            </a:endParaRPr>
+          </a:p>
+        </p:txBody>
+      </p:sp>
+    </p:spTree>
+    <p:extLst>
+      <p:ext uri="{BB962C8B-B14F-4D97-AF65-F5344CB8AC3E}">
+        <p14:creationId xmlns:p14="http://schemas.microsoft.com/office/powerpoint/2010/main" val="4081851923"/>
+      </p:ext>
+    </p:extLst>
+  </p:cSld>
+  <p:clrMapOvr>
+    <a:masterClrMapping/>
+  </p:clrMapOvr>
+  <p:timing>
+    <p:tnLst>
+      <p:par>
+        <p:cTn id="1" dur="indefinite" restart="never" nodeType="tmRoot"/>
+      </p:par>
+    </p:tnLst>
+  </p:timing>
+</p:sld>
+</file>
+
+<file path=ppt/slides/slide9.xml><?xml version="1.0" encoding="utf-8"?>
+<p:sld xmlns:a="http://schemas.openxmlformats.org/drawingml/2006/main" xmlns:r="http://schemas.openxmlformats.org/officeDocument/2006/relationships" xmlns:p="http://schemas.openxmlformats.org/presentationml/2006/main">
+  <p:cSld>
+    <p:spTree>
+      <p:nvGrpSpPr>
+        <p:cNvPr id="1" name="Shape 102"/>
+        <p:cNvGrpSpPr/>
+        <p:nvPr/>
+      </p:nvGrpSpPr>
+      <p:grpSpPr>
+        <a:xfrm>
+          <a:off x="0" y="0"/>
+          <a:ext cx="0" cy="0"/>
+          <a:chOff x="0" y="0"/>
+          <a:chExt cx="0" cy="0"/>
+        </a:xfrm>
+      </p:grpSpPr>
+      <p:sp>
+        <p:nvSpPr>
+          <p:cNvPr id="103" name="Google Shape;103;p16"/>
+          <p:cNvSpPr txBox="1">
+            <a:spLocks noGrp="1"/>
+          </p:cNvSpPr>
+          <p:nvPr>
+            <p:ph type="title"/>
+          </p:nvPr>
+        </p:nvSpPr>
+        <p:spPr>
+          <a:xfrm>
+            <a:off x="0" y="3650"/>
+            <a:ext cx="9144000" cy="523232"/>
+          </a:xfrm>
+          <a:prstGeom prst="rect">
+            <a:avLst/>
+          </a:prstGeom>
+        </p:spPr>
+        <p:txBody>
+          <a:bodyPr spcFirstLastPara="1" wrap="square" lIns="91425" tIns="91425" rIns="91425" bIns="91425" anchor="t" anchorCtr="0">
+            <a:noAutofit/>
+          </a:bodyPr>
+          <a:lstStyle/>
+          <a:p>
+            <a:pPr algn="ctr"/>
+            <a:r>
+              <a:rPr lang="en-US" sz="2400" b="1" dirty="0" smtClean="0"/>
+              <a:t>NUMPY [NUMERICAL PYTHON]</a:t>
+            </a:r>
+            <a:endParaRPr lang="en-US" sz="2400" b="1" dirty="0"/>
+          </a:p>
+        </p:txBody>
+      </p:sp>
+      <p:sp>
+        <p:nvSpPr>
+          <p:cNvPr id="3" name="Rectangle 2"/>
+          <p:cNvSpPr/>
+          <p:nvPr/>
+        </p:nvSpPr>
+        <p:spPr>
+          <a:xfrm>
+            <a:off x="466529" y="721506"/>
+            <a:ext cx="8089641" cy="2893100"/>
+          </a:xfrm>
+          <a:prstGeom prst="rect">
+            <a:avLst/>
+          </a:prstGeom>
+        </p:spPr>
+        <p:txBody>
+          <a:bodyPr wrap="square">
+            <a:spAutoFit/>
+          </a:bodyPr>
+          <a:lstStyle/>
+          <a:p>
+            <a:r>
+              <a:rPr lang="en-US" b="1" dirty="0" smtClean="0">
+                <a:solidFill>
+                  <a:schemeClr val="tx1"/>
+                </a:solidFill>
+              </a:rPr>
+              <a:t>import </a:t>
+            </a:r>
+            <a:r>
+              <a:rPr lang="en-US" b="1" dirty="0" err="1">
+                <a:solidFill>
+                  <a:schemeClr val="tx1"/>
+                </a:solidFill>
+              </a:rPr>
+              <a:t>numpy</a:t>
+            </a:r>
+            <a:r>
+              <a:rPr lang="en-US" b="1" dirty="0">
+                <a:solidFill>
+                  <a:schemeClr val="tx1"/>
+                </a:solidFill>
+              </a:rPr>
+              <a:t> as np</a:t>
+            </a:r>
+          </a:p>
+          <a:p>
+            <a:endParaRPr lang="en-US" b="1" dirty="0">
+              <a:solidFill>
+                <a:schemeClr val="tx1"/>
+              </a:solidFill>
+            </a:endParaRPr>
+          </a:p>
+          <a:p>
+            <a:r>
+              <a:rPr lang="en-US" b="1" dirty="0" err="1">
+                <a:solidFill>
+                  <a:schemeClr val="tx1"/>
+                </a:solidFill>
+              </a:rPr>
+              <a:t>zeros_array</a:t>
+            </a:r>
+            <a:r>
+              <a:rPr lang="en-US" b="1" dirty="0">
+                <a:solidFill>
+                  <a:schemeClr val="tx1"/>
+                </a:solidFill>
+              </a:rPr>
+              <a:t> = </a:t>
+            </a:r>
+            <a:r>
+              <a:rPr lang="en-US" b="1" dirty="0" err="1">
+                <a:solidFill>
+                  <a:schemeClr val="tx1"/>
+                </a:solidFill>
+              </a:rPr>
+              <a:t>np.zeros</a:t>
+            </a:r>
+            <a:r>
+              <a:rPr lang="en-US" b="1" dirty="0">
+                <a:solidFill>
+                  <a:schemeClr val="tx1"/>
+                </a:solidFill>
+              </a:rPr>
+              <a:t>((2, 3))</a:t>
+            </a:r>
+          </a:p>
+          <a:p>
+            <a:r>
+              <a:rPr lang="en-US" b="1" dirty="0" err="1">
+                <a:solidFill>
+                  <a:schemeClr val="tx1"/>
+                </a:solidFill>
+              </a:rPr>
+              <a:t>ones_array</a:t>
+            </a:r>
+            <a:r>
+              <a:rPr lang="en-US" b="1" dirty="0">
+                <a:solidFill>
+                  <a:schemeClr val="tx1"/>
+                </a:solidFill>
+              </a:rPr>
+              <a:t> = </a:t>
+            </a:r>
+            <a:r>
+              <a:rPr lang="en-US" b="1" dirty="0" err="1">
+                <a:solidFill>
+                  <a:schemeClr val="tx1"/>
+                </a:solidFill>
+              </a:rPr>
+              <a:t>np.ones</a:t>
+            </a:r>
+            <a:r>
+              <a:rPr lang="en-US" b="1" dirty="0">
+                <a:solidFill>
+                  <a:schemeClr val="tx1"/>
+                </a:solidFill>
+              </a:rPr>
+              <a:t>((3, 3))</a:t>
+            </a:r>
+          </a:p>
+          <a:p>
+            <a:r>
+              <a:rPr lang="en-US" b="1" dirty="0" err="1">
+                <a:solidFill>
+                  <a:schemeClr val="tx1"/>
+                </a:solidFill>
+              </a:rPr>
+              <a:t>constant_array</a:t>
+            </a:r>
+            <a:r>
+              <a:rPr lang="en-US" b="1" dirty="0">
+                <a:solidFill>
+                  <a:schemeClr val="tx1"/>
+                </a:solidFill>
+              </a:rPr>
+              <a:t> = </a:t>
+            </a:r>
+            <a:r>
+              <a:rPr lang="en-US" b="1" dirty="0" err="1">
+                <a:solidFill>
+                  <a:schemeClr val="tx1"/>
+                </a:solidFill>
+              </a:rPr>
+              <a:t>np.full</a:t>
+            </a:r>
+            <a:r>
+              <a:rPr lang="en-US" b="1" dirty="0">
+                <a:solidFill>
+                  <a:schemeClr val="tx1"/>
+                </a:solidFill>
+              </a:rPr>
+              <a:t>((2, 2), 7)</a:t>
+            </a:r>
+          </a:p>
+          <a:p>
+            <a:r>
+              <a:rPr lang="en-US" b="1" dirty="0" err="1">
+                <a:solidFill>
+                  <a:schemeClr val="tx1"/>
+                </a:solidFill>
+              </a:rPr>
+              <a:t>range_array</a:t>
+            </a:r>
+            <a:r>
+              <a:rPr lang="en-US" b="1" dirty="0">
+                <a:solidFill>
+                  <a:schemeClr val="tx1"/>
+                </a:solidFill>
+              </a:rPr>
+              <a:t> = </a:t>
+            </a:r>
+            <a:r>
+              <a:rPr lang="en-US" b="1" dirty="0" err="1">
+                <a:solidFill>
+                  <a:schemeClr val="tx1"/>
+                </a:solidFill>
+              </a:rPr>
+              <a:t>np.arange</a:t>
+            </a:r>
+            <a:r>
+              <a:rPr lang="en-US" b="1" dirty="0">
+                <a:solidFill>
+                  <a:schemeClr val="tx1"/>
+                </a:solidFill>
+              </a:rPr>
+              <a:t>(0, 10, 2)  # start, stop, step</a:t>
+            </a:r>
+          </a:p>
+          <a:p>
+            <a:r>
+              <a:rPr lang="en-US" b="1" dirty="0" err="1">
+                <a:solidFill>
+                  <a:schemeClr val="tx1"/>
+                </a:solidFill>
+              </a:rPr>
+              <a:t>linspace_array</a:t>
+            </a:r>
+            <a:r>
+              <a:rPr lang="en-US" b="1" dirty="0">
+                <a:solidFill>
+                  <a:schemeClr val="tx1"/>
+                </a:solidFill>
+              </a:rPr>
+              <a:t> = </a:t>
+            </a:r>
+            <a:r>
+              <a:rPr lang="en-US" b="1" dirty="0" err="1">
+                <a:solidFill>
+                  <a:schemeClr val="tx1"/>
+                </a:solidFill>
+              </a:rPr>
+              <a:t>np.linspace</a:t>
+            </a:r>
+            <a:r>
+              <a:rPr lang="en-US" b="1" dirty="0">
+                <a:solidFill>
+                  <a:schemeClr val="tx1"/>
+                </a:solidFill>
+              </a:rPr>
+              <a:t>(0, 1, 5)  # start, stop, </a:t>
+            </a:r>
+            <a:r>
+              <a:rPr lang="en-US" b="1" dirty="0" err="1">
+                <a:solidFill>
+                  <a:schemeClr val="tx1"/>
+                </a:solidFill>
+              </a:rPr>
+              <a:t>num</a:t>
+            </a:r>
+            <a:endParaRPr lang="en-US" b="1" dirty="0">
+              <a:solidFill>
+                <a:schemeClr val="tx1"/>
+              </a:solidFill>
+            </a:endParaRPr>
+          </a:p>
+          <a:p>
+            <a:endParaRPr lang="en-US" b="1" dirty="0">
+              <a:solidFill>
+                <a:schemeClr val="tx1"/>
+              </a:solidFill>
+            </a:endParaRPr>
+          </a:p>
+          <a:p>
+            <a:r>
+              <a:rPr lang="en-US" b="1" dirty="0">
+                <a:solidFill>
+                  <a:schemeClr val="tx1"/>
+                </a:solidFill>
+              </a:rPr>
+              <a:t>print("Zero Array:","\n",</a:t>
+            </a:r>
+            <a:r>
+              <a:rPr lang="en-US" b="1" dirty="0" err="1">
+                <a:solidFill>
+                  <a:schemeClr val="tx1"/>
+                </a:solidFill>
+              </a:rPr>
+              <a:t>zeros_array</a:t>
+            </a:r>
+            <a:r>
+              <a:rPr lang="en-US" b="1" dirty="0">
+                <a:solidFill>
+                  <a:schemeClr val="tx1"/>
+                </a:solidFill>
+              </a:rPr>
+              <a:t>)</a:t>
+            </a:r>
+          </a:p>
+          <a:p>
+            <a:r>
+              <a:rPr lang="en-US" b="1" dirty="0">
+                <a:solidFill>
+                  <a:schemeClr val="tx1"/>
+                </a:solidFill>
+              </a:rPr>
+              <a:t>print("Ones Array:","\n",</a:t>
+            </a:r>
+            <a:r>
+              <a:rPr lang="en-US" b="1" dirty="0" err="1">
+                <a:solidFill>
+                  <a:schemeClr val="tx1"/>
+                </a:solidFill>
+              </a:rPr>
+              <a:t>ones_array</a:t>
+            </a:r>
+            <a:r>
+              <a:rPr lang="en-US" b="1" dirty="0">
+                <a:solidFill>
+                  <a:schemeClr val="tx1"/>
+                </a:solidFill>
+              </a:rPr>
+              <a:t>)</a:t>
+            </a:r>
+          </a:p>
+          <a:p>
+            <a:r>
+              <a:rPr lang="en-US" b="1" dirty="0">
+                <a:solidFill>
+                  <a:schemeClr val="tx1"/>
+                </a:solidFill>
+              </a:rPr>
+              <a:t>print("Constant Array:","\n",</a:t>
+            </a:r>
+            <a:r>
+              <a:rPr lang="en-US" b="1" dirty="0" err="1">
+                <a:solidFill>
+                  <a:schemeClr val="tx1"/>
+                </a:solidFill>
+              </a:rPr>
+              <a:t>constant_array</a:t>
+            </a:r>
+            <a:r>
+              <a:rPr lang="en-US" b="1" dirty="0">
+                <a:solidFill>
+                  <a:schemeClr val="tx1"/>
+                </a:solidFill>
+              </a:rPr>
+              <a:t>)</a:t>
+            </a:r>
+          </a:p>
+          <a:p>
+            <a:r>
+              <a:rPr lang="en-US" b="1" dirty="0">
+                <a:solidFill>
+                  <a:schemeClr val="tx1"/>
+                </a:solidFill>
+              </a:rPr>
+              <a:t>print("Range Array:","\n",</a:t>
+            </a:r>
+            <a:r>
+              <a:rPr lang="en-US" b="1" dirty="0" err="1">
+                <a:solidFill>
+                  <a:schemeClr val="tx1"/>
+                </a:solidFill>
+              </a:rPr>
+              <a:t>range_array</a:t>
+            </a:r>
+            <a:r>
+              <a:rPr lang="en-US" b="1" dirty="0">
+                <a:solidFill>
+                  <a:schemeClr val="tx1"/>
+                </a:solidFill>
+              </a:rPr>
+              <a:t>)</a:t>
+            </a:r>
+          </a:p>
+          <a:p>
+            <a:r>
+              <a:rPr lang="en-US" b="1" dirty="0">
+                <a:solidFill>
+                  <a:schemeClr val="tx1"/>
+                </a:solidFill>
+              </a:rPr>
+              <a:t>print("</a:t>
+            </a:r>
+            <a:r>
+              <a:rPr lang="en-US" b="1" dirty="0" err="1">
+                <a:solidFill>
+                  <a:schemeClr val="tx1"/>
+                </a:solidFill>
+              </a:rPr>
+              <a:t>Linspace</a:t>
+            </a:r>
+            <a:r>
+              <a:rPr lang="en-US" b="1" dirty="0">
+                <a:solidFill>
+                  <a:schemeClr val="tx1"/>
+                </a:solidFill>
+              </a:rPr>
+              <a:t> Array:","\n",</a:t>
+            </a:r>
+            <a:r>
+              <a:rPr lang="en-US" b="1" dirty="0" err="1">
+                <a:solidFill>
+                  <a:schemeClr val="tx1"/>
+                </a:solidFill>
+              </a:rPr>
+              <a:t>linspace_array</a:t>
+            </a:r>
+            <a:r>
+              <a:rPr lang="en-US" b="1" dirty="0">
+                <a:solidFill>
+                  <a:schemeClr val="tx1"/>
+                </a:solidFill>
+              </a:rPr>
+              <a:t>)</a:t>
+            </a:r>
+          </a:p>
+        </p:txBody>
+      </p:sp>
+    </p:spTree>
+    <p:extLst>
+      <p:ext uri="{BB962C8B-B14F-4D97-AF65-F5344CB8AC3E}">
+        <p14:creationId xmlns:p14="http://schemas.microsoft.com/office/powerpoint/2010/main" val="3077898209"/>
       </p:ext>
     </p:extLst>
   </p:cSld>
